--- a/slides/NOBUSUE_Ryuku_Titanic.pptx
+++ b/slides/NOBUSUE_Ryuku_Titanic.pptx
@@ -5,7 +5,7 @@
     <p:sldMasterId id="2147483653" r:id="rId1"/>
   </p:sldMasterIdLst>
   <p:notesMasterIdLst>
-    <p:notesMasterId r:id="rId26"/>
+    <p:notesMasterId r:id="rId34"/>
   </p:notesMasterIdLst>
   <p:sldIdLst>
     <p:sldId id="256" r:id="rId2"/>
@@ -18,20 +18,28 @@
     <p:sldId id="276" r:id="rId9"/>
     <p:sldId id="278" r:id="rId10"/>
     <p:sldId id="283" r:id="rId11"/>
-    <p:sldId id="280" r:id="rId12"/>
-    <p:sldId id="282" r:id="rId13"/>
+    <p:sldId id="282" r:id="rId12"/>
+    <p:sldId id="280" r:id="rId13"/>
     <p:sldId id="273" r:id="rId14"/>
-    <p:sldId id="275" r:id="rId15"/>
-    <p:sldId id="293" r:id="rId16"/>
-    <p:sldId id="284" r:id="rId17"/>
-    <p:sldId id="294" r:id="rId18"/>
-    <p:sldId id="292" r:id="rId19"/>
-    <p:sldId id="291" r:id="rId20"/>
-    <p:sldId id="286" r:id="rId21"/>
-    <p:sldId id="287" r:id="rId22"/>
-    <p:sldId id="288" r:id="rId23"/>
-    <p:sldId id="289" r:id="rId24"/>
-    <p:sldId id="290" r:id="rId25"/>
+    <p:sldId id="298" r:id="rId15"/>
+    <p:sldId id="300" r:id="rId16"/>
+    <p:sldId id="299" r:id="rId17"/>
+    <p:sldId id="275" r:id="rId18"/>
+    <p:sldId id="293" r:id="rId19"/>
+    <p:sldId id="302" r:id="rId20"/>
+    <p:sldId id="284" r:id="rId21"/>
+    <p:sldId id="295" r:id="rId22"/>
+    <p:sldId id="303" r:id="rId23"/>
+    <p:sldId id="294" r:id="rId24"/>
+    <p:sldId id="297" r:id="rId25"/>
+    <p:sldId id="292" r:id="rId26"/>
+    <p:sldId id="296" r:id="rId27"/>
+    <p:sldId id="291" r:id="rId28"/>
+    <p:sldId id="286" r:id="rId29"/>
+    <p:sldId id="287" r:id="rId30"/>
+    <p:sldId id="288" r:id="rId31"/>
+    <p:sldId id="289" r:id="rId32"/>
+    <p:sldId id="290" r:id="rId33"/>
   </p:sldIdLst>
   <p:sldSz cx="12192000" cy="6858000"/>
   <p:notesSz cx="6858000" cy="9144000"/>
@@ -269,7 +277,7 @@
       <p15:sldGuideLst xmlns:p15="http://schemas.microsoft.com/office/powerpoint/2012/main"/>
     </p:ext>
     <p:ext uri="http://customooxmlschemas.google.com/">
-      <go:slidesCustomData xmlns="" xmlns:mc="http://schemas.openxmlformats.org/markup-compatibility/2006" xmlns:mv="urn:schemas-microsoft-com:mac:vml" xmlns:c="http://schemas.openxmlformats.org/drawingml/2006/chart" xmlns:dgm="http://schemas.openxmlformats.org/drawingml/2006/diagram" xmlns:o="urn:schemas-microsoft-com:office:office" xmlns:v="urn:schemas-microsoft-com:vml" xmlns:pvml="urn:schemas-microsoft-com:office:powerpoint" xmlns:com="http://schemas.openxmlformats.org/drawingml/2006/compatibility" xmlns:p14="http://schemas.microsoft.com/office/powerpoint/2010/main" xmlns:p15="http://schemas.microsoft.com/office/powerpoint/2012/main" xmlns:ahyp="http://schemas.microsoft.com/office/drawing/2018/hyperlinkcolor" xmlns:go="http://customooxmlschemas.google.com/" r:id="rId27" roundtripDataSignature="AMtx7mggGiKl/TdAVboc5++ZoyAA4ByXwg=="/>
+      <go:slidesCustomData xmlns:go="http://customooxmlschemas.google.com/" xmlns:ahyp="http://schemas.microsoft.com/office/drawing/2018/hyperlinkcolor" xmlns:p15="http://schemas.microsoft.com/office/powerpoint/2012/main" xmlns:p14="http://schemas.microsoft.com/office/powerpoint/2010/main" xmlns:com="http://schemas.openxmlformats.org/drawingml/2006/compatibility" xmlns:pvml="urn:schemas-microsoft-com:office:powerpoint" xmlns:v="urn:schemas-microsoft-com:vml" xmlns:o="urn:schemas-microsoft-com:office:office" xmlns:dgm="http://schemas.openxmlformats.org/drawingml/2006/diagram" xmlns:c="http://schemas.openxmlformats.org/drawingml/2006/chart" xmlns:mv="urn:schemas-microsoft-com:mac:vml" xmlns:mc="http://schemas.openxmlformats.org/markup-compatibility/2006" xmlns="" r:id="rId35" roundtripDataSignature="AMtx7mggGiKl/TdAVboc5++ZoyAA4ByXwg=="/>
     </p:ext>
   </p:extLst>
 </p:presentation>
@@ -2094,7 +2102,7 @@
     </p:spTree>
     <p:extLst>
       <p:ext uri="{BB962C8B-B14F-4D97-AF65-F5344CB8AC3E}">
-        <p14:creationId xmlns:p14="http://schemas.microsoft.com/office/powerpoint/2010/main" val="1387085067"/>
+        <p14:creationId xmlns:p14="http://schemas.microsoft.com/office/powerpoint/2010/main" val="2733199775"/>
       </p:ext>
     </p:extLst>
   </p:cSld>
@@ -2221,7 +2229,7 @@
     </p:spTree>
     <p:extLst>
       <p:ext uri="{BB962C8B-B14F-4D97-AF65-F5344CB8AC3E}">
-        <p14:creationId xmlns:p14="http://schemas.microsoft.com/office/powerpoint/2010/main" val="2733199775"/>
+        <p14:creationId xmlns:p14="http://schemas.microsoft.com/office/powerpoint/2010/main" val="1387085067"/>
       </p:ext>
     </p:extLst>
   </p:cSld>
@@ -2475,7 +2483,515 @@
     </p:spTree>
     <p:extLst>
       <p:ext uri="{BB962C8B-B14F-4D97-AF65-F5344CB8AC3E}">
+        <p14:creationId xmlns:p14="http://schemas.microsoft.com/office/powerpoint/2010/main" val="2936221230"/>
+      </p:ext>
+    </p:extLst>
+  </p:cSld>
+  <p:clrMapOvr>
+    <a:masterClrMapping/>
+  </p:clrMapOvr>
+</p:notes>
+</file>
+
+<file path=ppt/notesSlides/notesSlide15.xml><?xml version="1.0" encoding="utf-8"?>
+<p:notes xmlns:a="http://schemas.openxmlformats.org/drawingml/2006/main" xmlns:r="http://schemas.openxmlformats.org/officeDocument/2006/relationships" xmlns:p="http://schemas.openxmlformats.org/presentationml/2006/main" showMasterSp="0" showMasterPhAnim="0">
+  <p:cSld>
+    <p:spTree>
+      <p:nvGrpSpPr>
+        <p:cNvPr id="1" name="Shape 50"/>
+        <p:cNvGrpSpPr/>
+        <p:nvPr/>
+      </p:nvGrpSpPr>
+      <p:grpSpPr>
+        <a:xfrm>
+          <a:off x="0" y="0"/>
+          <a:ext cx="0" cy="0"/>
+          <a:chOff x="0" y="0"/>
+          <a:chExt cx="0" cy="0"/>
+        </a:xfrm>
+      </p:grpSpPr>
+      <p:sp>
+        <p:nvSpPr>
+          <p:cNvPr id="51" name="Google Shape;51;p2:notes"/>
+          <p:cNvSpPr txBox="1">
+            <a:spLocks noGrp="1"/>
+          </p:cNvSpPr>
+          <p:nvPr>
+            <p:ph type="body" idx="1"/>
+          </p:nvPr>
+        </p:nvSpPr>
+        <p:spPr>
+          <a:xfrm>
+            <a:off x="685800" y="4400550"/>
+            <a:ext cx="5486400" cy="3600450"/>
+          </a:xfrm>
+          <a:prstGeom prst="rect">
+            <a:avLst/>
+          </a:prstGeom>
+          <a:noFill/>
+          <a:ln>
+            <a:noFill/>
+          </a:ln>
+        </p:spPr>
+        <p:txBody>
+          <a:bodyPr spcFirstLastPara="1" wrap="square" lIns="91425" tIns="45700" rIns="91425" bIns="45700" anchor="t" anchorCtr="0">
+            <a:noAutofit/>
+          </a:bodyPr>
+          <a:lstStyle/>
+          <a:p>
+            <a:pPr marL="0" lvl="0" indent="0" algn="l" rtl="0">
+              <a:lnSpc>
+                <a:spcPct val="100000"/>
+              </a:lnSpc>
+              <a:spcBef>
+                <a:spcPts val="0"/>
+              </a:spcBef>
+              <a:spcAft>
+                <a:spcPts val="0"/>
+              </a:spcAft>
+              <a:buSzPts val="1400"/>
+              <a:buNone/>
+            </a:pPr>
+            <a:endParaRPr/>
+          </a:p>
+        </p:txBody>
+      </p:sp>
+      <p:sp>
+        <p:nvSpPr>
+          <p:cNvPr id="52" name="Google Shape;52;p2:notes"/>
+          <p:cNvSpPr>
+            <a:spLocks noGrp="1" noRot="1" noChangeAspect="1"/>
+          </p:cNvSpPr>
+          <p:nvPr>
+            <p:ph type="sldImg" idx="2"/>
+          </p:nvPr>
+        </p:nvSpPr>
+        <p:spPr>
+          <a:xfrm>
+            <a:off x="685800" y="1143000"/>
+            <a:ext cx="5486400" cy="3086100"/>
+          </a:xfrm>
+          <a:custGeom>
+            <a:avLst/>
+            <a:gdLst/>
+            <a:ahLst/>
+            <a:cxnLst/>
+            <a:rect l="l" t="t" r="r" b="b"/>
+            <a:pathLst>
+              <a:path w="120000" h="120000" extrusionOk="0">
+                <a:moveTo>
+                  <a:pt x="0" y="0"/>
+                </a:moveTo>
+                <a:lnTo>
+                  <a:pt x="120000" y="0"/>
+                </a:lnTo>
+                <a:lnTo>
+                  <a:pt x="120000" y="120000"/>
+                </a:lnTo>
+                <a:lnTo>
+                  <a:pt x="0" y="120000"/>
+                </a:lnTo>
+                <a:close/>
+              </a:path>
+            </a:pathLst>
+          </a:custGeom>
+          <a:noFill/>
+          <a:ln w="12700" cap="flat" cmpd="sng">
+            <a:solidFill>
+              <a:srgbClr val="000000"/>
+            </a:solidFill>
+            <a:prstDash val="solid"/>
+            <a:round/>
+            <a:headEnd type="none" w="sm" len="sm"/>
+            <a:tailEnd type="none" w="sm" len="sm"/>
+          </a:ln>
+        </p:spPr>
+      </p:sp>
+    </p:spTree>
+    <p:extLst>
+      <p:ext uri="{BB962C8B-B14F-4D97-AF65-F5344CB8AC3E}">
+        <p14:creationId xmlns:p14="http://schemas.microsoft.com/office/powerpoint/2010/main" val="3836247708"/>
+      </p:ext>
+    </p:extLst>
+  </p:cSld>
+  <p:clrMapOvr>
+    <a:masterClrMapping/>
+  </p:clrMapOvr>
+</p:notes>
+</file>
+
+<file path=ppt/notesSlides/notesSlide16.xml><?xml version="1.0" encoding="utf-8"?>
+<p:notes xmlns:a="http://schemas.openxmlformats.org/drawingml/2006/main" xmlns:r="http://schemas.openxmlformats.org/officeDocument/2006/relationships" xmlns:p="http://schemas.openxmlformats.org/presentationml/2006/main" showMasterSp="0" showMasterPhAnim="0">
+  <p:cSld>
+    <p:spTree>
+      <p:nvGrpSpPr>
+        <p:cNvPr id="1" name="Shape 50"/>
+        <p:cNvGrpSpPr/>
+        <p:nvPr/>
+      </p:nvGrpSpPr>
+      <p:grpSpPr>
+        <a:xfrm>
+          <a:off x="0" y="0"/>
+          <a:ext cx="0" cy="0"/>
+          <a:chOff x="0" y="0"/>
+          <a:chExt cx="0" cy="0"/>
+        </a:xfrm>
+      </p:grpSpPr>
+      <p:sp>
+        <p:nvSpPr>
+          <p:cNvPr id="51" name="Google Shape;51;p2:notes"/>
+          <p:cNvSpPr txBox="1">
+            <a:spLocks noGrp="1"/>
+          </p:cNvSpPr>
+          <p:nvPr>
+            <p:ph type="body" idx="1"/>
+          </p:nvPr>
+        </p:nvSpPr>
+        <p:spPr>
+          <a:xfrm>
+            <a:off x="685800" y="4400550"/>
+            <a:ext cx="5486400" cy="3600450"/>
+          </a:xfrm>
+          <a:prstGeom prst="rect">
+            <a:avLst/>
+          </a:prstGeom>
+          <a:noFill/>
+          <a:ln>
+            <a:noFill/>
+          </a:ln>
+        </p:spPr>
+        <p:txBody>
+          <a:bodyPr spcFirstLastPara="1" wrap="square" lIns="91425" tIns="45700" rIns="91425" bIns="45700" anchor="t" anchorCtr="0">
+            <a:noAutofit/>
+          </a:bodyPr>
+          <a:lstStyle/>
+          <a:p>
+            <a:pPr marL="0" lvl="0" indent="0" algn="l" rtl="0">
+              <a:lnSpc>
+                <a:spcPct val="100000"/>
+              </a:lnSpc>
+              <a:spcBef>
+                <a:spcPts val="0"/>
+              </a:spcBef>
+              <a:spcAft>
+                <a:spcPts val="0"/>
+              </a:spcAft>
+              <a:buSzPts val="1400"/>
+              <a:buNone/>
+            </a:pPr>
+            <a:endParaRPr/>
+          </a:p>
+        </p:txBody>
+      </p:sp>
+      <p:sp>
+        <p:nvSpPr>
+          <p:cNvPr id="52" name="Google Shape;52;p2:notes"/>
+          <p:cNvSpPr>
+            <a:spLocks noGrp="1" noRot="1" noChangeAspect="1"/>
+          </p:cNvSpPr>
+          <p:nvPr>
+            <p:ph type="sldImg" idx="2"/>
+          </p:nvPr>
+        </p:nvSpPr>
+        <p:spPr>
+          <a:xfrm>
+            <a:off x="685800" y="1143000"/>
+            <a:ext cx="5486400" cy="3086100"/>
+          </a:xfrm>
+          <a:custGeom>
+            <a:avLst/>
+            <a:gdLst/>
+            <a:ahLst/>
+            <a:cxnLst/>
+            <a:rect l="l" t="t" r="r" b="b"/>
+            <a:pathLst>
+              <a:path w="120000" h="120000" extrusionOk="0">
+                <a:moveTo>
+                  <a:pt x="0" y="0"/>
+                </a:moveTo>
+                <a:lnTo>
+                  <a:pt x="120000" y="0"/>
+                </a:lnTo>
+                <a:lnTo>
+                  <a:pt x="120000" y="120000"/>
+                </a:lnTo>
+                <a:lnTo>
+                  <a:pt x="0" y="120000"/>
+                </a:lnTo>
+                <a:close/>
+              </a:path>
+            </a:pathLst>
+          </a:custGeom>
+          <a:noFill/>
+          <a:ln w="12700" cap="flat" cmpd="sng">
+            <a:solidFill>
+              <a:srgbClr val="000000"/>
+            </a:solidFill>
+            <a:prstDash val="solid"/>
+            <a:round/>
+            <a:headEnd type="none" w="sm" len="sm"/>
+            <a:tailEnd type="none" w="sm" len="sm"/>
+          </a:ln>
+        </p:spPr>
+      </p:sp>
+    </p:spTree>
+    <p:extLst>
+      <p:ext uri="{BB962C8B-B14F-4D97-AF65-F5344CB8AC3E}">
+        <p14:creationId xmlns:p14="http://schemas.microsoft.com/office/powerpoint/2010/main" val="517924959"/>
+      </p:ext>
+    </p:extLst>
+  </p:cSld>
+  <p:clrMapOvr>
+    <a:masterClrMapping/>
+  </p:clrMapOvr>
+</p:notes>
+</file>
+
+<file path=ppt/notesSlides/notesSlide17.xml><?xml version="1.0" encoding="utf-8"?>
+<p:notes xmlns:a="http://schemas.openxmlformats.org/drawingml/2006/main" xmlns:r="http://schemas.openxmlformats.org/officeDocument/2006/relationships" xmlns:p="http://schemas.openxmlformats.org/presentationml/2006/main" showMasterSp="0" showMasterPhAnim="0">
+  <p:cSld>
+    <p:spTree>
+      <p:nvGrpSpPr>
+        <p:cNvPr id="1" name="Shape 50"/>
+        <p:cNvGrpSpPr/>
+        <p:nvPr/>
+      </p:nvGrpSpPr>
+      <p:grpSpPr>
+        <a:xfrm>
+          <a:off x="0" y="0"/>
+          <a:ext cx="0" cy="0"/>
+          <a:chOff x="0" y="0"/>
+          <a:chExt cx="0" cy="0"/>
+        </a:xfrm>
+      </p:grpSpPr>
+      <p:sp>
+        <p:nvSpPr>
+          <p:cNvPr id="51" name="Google Shape;51;p2:notes"/>
+          <p:cNvSpPr txBox="1">
+            <a:spLocks noGrp="1"/>
+          </p:cNvSpPr>
+          <p:nvPr>
+            <p:ph type="body" idx="1"/>
+          </p:nvPr>
+        </p:nvSpPr>
+        <p:spPr>
+          <a:xfrm>
+            <a:off x="685800" y="4400550"/>
+            <a:ext cx="5486400" cy="3600450"/>
+          </a:xfrm>
+          <a:prstGeom prst="rect">
+            <a:avLst/>
+          </a:prstGeom>
+          <a:noFill/>
+          <a:ln>
+            <a:noFill/>
+          </a:ln>
+        </p:spPr>
+        <p:txBody>
+          <a:bodyPr spcFirstLastPara="1" wrap="square" lIns="91425" tIns="45700" rIns="91425" bIns="45700" anchor="t" anchorCtr="0">
+            <a:noAutofit/>
+          </a:bodyPr>
+          <a:lstStyle/>
+          <a:p>
+            <a:pPr marL="0" lvl="0" indent="0" algn="l" rtl="0">
+              <a:lnSpc>
+                <a:spcPct val="100000"/>
+              </a:lnSpc>
+              <a:spcBef>
+                <a:spcPts val="0"/>
+              </a:spcBef>
+              <a:spcAft>
+                <a:spcPts val="0"/>
+              </a:spcAft>
+              <a:buSzPts val="1400"/>
+              <a:buNone/>
+            </a:pPr>
+            <a:endParaRPr/>
+          </a:p>
+        </p:txBody>
+      </p:sp>
+      <p:sp>
+        <p:nvSpPr>
+          <p:cNvPr id="52" name="Google Shape;52;p2:notes"/>
+          <p:cNvSpPr>
+            <a:spLocks noGrp="1" noRot="1" noChangeAspect="1"/>
+          </p:cNvSpPr>
+          <p:nvPr>
+            <p:ph type="sldImg" idx="2"/>
+          </p:nvPr>
+        </p:nvSpPr>
+        <p:spPr>
+          <a:xfrm>
+            <a:off x="685800" y="1143000"/>
+            <a:ext cx="5486400" cy="3086100"/>
+          </a:xfrm>
+          <a:custGeom>
+            <a:avLst/>
+            <a:gdLst/>
+            <a:ahLst/>
+            <a:cxnLst/>
+            <a:rect l="l" t="t" r="r" b="b"/>
+            <a:pathLst>
+              <a:path w="120000" h="120000" extrusionOk="0">
+                <a:moveTo>
+                  <a:pt x="0" y="0"/>
+                </a:moveTo>
+                <a:lnTo>
+                  <a:pt x="120000" y="0"/>
+                </a:lnTo>
+                <a:lnTo>
+                  <a:pt x="120000" y="120000"/>
+                </a:lnTo>
+                <a:lnTo>
+                  <a:pt x="0" y="120000"/>
+                </a:lnTo>
+                <a:close/>
+              </a:path>
+            </a:pathLst>
+          </a:custGeom>
+          <a:noFill/>
+          <a:ln w="12700" cap="flat" cmpd="sng">
+            <a:solidFill>
+              <a:srgbClr val="000000"/>
+            </a:solidFill>
+            <a:prstDash val="solid"/>
+            <a:round/>
+            <a:headEnd type="none" w="sm" len="sm"/>
+            <a:tailEnd type="none" w="sm" len="sm"/>
+          </a:ln>
+        </p:spPr>
+      </p:sp>
+    </p:spTree>
+    <p:extLst>
+      <p:ext uri="{BB962C8B-B14F-4D97-AF65-F5344CB8AC3E}">
         <p14:creationId xmlns:p14="http://schemas.microsoft.com/office/powerpoint/2010/main" val="3420892679"/>
+      </p:ext>
+    </p:extLst>
+  </p:cSld>
+  <p:clrMapOvr>
+    <a:masterClrMapping/>
+  </p:clrMapOvr>
+</p:notes>
+</file>
+
+<file path=ppt/notesSlides/notesSlide18.xml><?xml version="1.0" encoding="utf-8"?>
+<p:notes xmlns:a="http://schemas.openxmlformats.org/drawingml/2006/main" xmlns:r="http://schemas.openxmlformats.org/officeDocument/2006/relationships" xmlns:p="http://schemas.openxmlformats.org/presentationml/2006/main" showMasterSp="0" showMasterPhAnim="0">
+  <p:cSld>
+    <p:spTree>
+      <p:nvGrpSpPr>
+        <p:cNvPr id="1" name="Shape 50"/>
+        <p:cNvGrpSpPr/>
+        <p:nvPr/>
+      </p:nvGrpSpPr>
+      <p:grpSpPr>
+        <a:xfrm>
+          <a:off x="0" y="0"/>
+          <a:ext cx="0" cy="0"/>
+          <a:chOff x="0" y="0"/>
+          <a:chExt cx="0" cy="0"/>
+        </a:xfrm>
+      </p:grpSpPr>
+      <p:sp>
+        <p:nvSpPr>
+          <p:cNvPr id="51" name="Google Shape;51;p2:notes"/>
+          <p:cNvSpPr txBox="1">
+            <a:spLocks noGrp="1"/>
+          </p:cNvSpPr>
+          <p:nvPr>
+            <p:ph type="body" idx="1"/>
+          </p:nvPr>
+        </p:nvSpPr>
+        <p:spPr>
+          <a:xfrm>
+            <a:off x="685800" y="4400550"/>
+            <a:ext cx="5486400" cy="3600450"/>
+          </a:xfrm>
+          <a:prstGeom prst="rect">
+            <a:avLst/>
+          </a:prstGeom>
+          <a:noFill/>
+          <a:ln>
+            <a:noFill/>
+          </a:ln>
+        </p:spPr>
+        <p:txBody>
+          <a:bodyPr spcFirstLastPara="1" wrap="square" lIns="91425" tIns="45700" rIns="91425" bIns="45700" anchor="t" anchorCtr="0">
+            <a:noAutofit/>
+          </a:bodyPr>
+          <a:lstStyle/>
+          <a:p>
+            <a:pPr marL="0" lvl="0" indent="0" algn="l" rtl="0">
+              <a:lnSpc>
+                <a:spcPct val="100000"/>
+              </a:lnSpc>
+              <a:spcBef>
+                <a:spcPts val="0"/>
+              </a:spcBef>
+              <a:spcAft>
+                <a:spcPts val="0"/>
+              </a:spcAft>
+              <a:buSzPts val="1400"/>
+              <a:buNone/>
+            </a:pPr>
+            <a:endParaRPr/>
+          </a:p>
+        </p:txBody>
+      </p:sp>
+      <p:sp>
+        <p:nvSpPr>
+          <p:cNvPr id="52" name="Google Shape;52;p2:notes"/>
+          <p:cNvSpPr>
+            <a:spLocks noGrp="1" noRot="1" noChangeAspect="1"/>
+          </p:cNvSpPr>
+          <p:nvPr>
+            <p:ph type="sldImg" idx="2"/>
+          </p:nvPr>
+        </p:nvSpPr>
+        <p:spPr>
+          <a:xfrm>
+            <a:off x="685800" y="1143000"/>
+            <a:ext cx="5486400" cy="3086100"/>
+          </a:xfrm>
+          <a:custGeom>
+            <a:avLst/>
+            <a:gdLst/>
+            <a:ahLst/>
+            <a:cxnLst/>
+            <a:rect l="l" t="t" r="r" b="b"/>
+            <a:pathLst>
+              <a:path w="120000" h="120000" extrusionOk="0">
+                <a:moveTo>
+                  <a:pt x="0" y="0"/>
+                </a:moveTo>
+                <a:lnTo>
+                  <a:pt x="120000" y="0"/>
+                </a:lnTo>
+                <a:lnTo>
+                  <a:pt x="120000" y="120000"/>
+                </a:lnTo>
+                <a:lnTo>
+                  <a:pt x="0" y="120000"/>
+                </a:lnTo>
+                <a:close/>
+              </a:path>
+            </a:pathLst>
+          </a:custGeom>
+          <a:noFill/>
+          <a:ln w="12700" cap="flat" cmpd="sng">
+            <a:solidFill>
+              <a:srgbClr val="000000"/>
+            </a:solidFill>
+            <a:prstDash val="solid"/>
+            <a:round/>
+            <a:headEnd type="none" w="sm" len="sm"/>
+            <a:tailEnd type="none" w="sm" len="sm"/>
+          </a:ln>
+        </p:spPr>
+      </p:sp>
+    </p:spTree>
+    <p:extLst>
+      <p:ext uri="{BB962C8B-B14F-4D97-AF65-F5344CB8AC3E}">
+        <p14:creationId xmlns:p14="http://schemas.microsoft.com/office/powerpoint/2010/main" val="1677594886"/>
       </p:ext>
     </p:extLst>
   </p:cSld>
@@ -8680,12 +9196,15 @@
               <a:buNone/>
             </a:pPr>
             <a:r>
-              <a:rPr lang="en-US" dirty="0"/>
-              <a:t>Titanic </a:t>
+              <a:rPr lang="en-US" altLang="ja-JP" dirty="0"/>
+              <a:t>Titanic data</a:t>
             </a:r>
+            <a:br>
+              <a:rPr lang="en-US" altLang="ja-JP" dirty="0"/>
+            </a:br>
             <a:r>
               <a:rPr lang="ja-JP" altLang="en-US"/>
-              <a:t>データ</a:t>
+              <a:t>データからみる現場の状況</a:t>
             </a:r>
           </a:p>
         </p:txBody>
@@ -8866,9 +9385,28 @@
           </a:bodyPr>
           <a:lstStyle/>
           <a:p>
+            <a:pPr>
+              <a:lnSpc>
+                <a:spcPct val="100000"/>
+              </a:lnSpc>
+            </a:pPr>
+            <a:r>
+              <a:rPr lang="ja-JP" altLang="en-US" sz="2400"/>
+              <a:t>生存の有無で年齢層の</a:t>
+            </a:r>
+            <a:br>
+              <a:rPr lang="en-US" altLang="ja-JP" sz="2400" dirty="0"/>
+            </a:br>
+            <a:r>
+              <a:rPr lang="ja-JP" altLang="en-US" sz="2400"/>
+              <a:t>ばらつきに違いが見られる</a:t>
+            </a:r>
+            <a:endParaRPr lang="en-US" altLang="ja-JP" sz="2400" dirty="0"/>
+          </a:p>
+          <a:p>
             <a:pPr marL="101600" lvl="0" indent="0" algn="l" rtl="0">
               <a:lnSpc>
-                <a:spcPct val="90000"/>
+                <a:spcPct val="100000"/>
               </a:lnSpc>
               <a:spcBef>
                 <a:spcPts val="813"/>
@@ -8880,9 +9418,64 @@
               <a:buFont typeface="Arial"/>
               <a:buNone/>
             </a:pPr>
+            <a:endParaRPr lang="en-US" sz="2400" dirty="0"/>
+          </a:p>
+          <a:p>
+            <a:pPr marL="101600" lvl="0" indent="0" algn="l" rtl="0">
+              <a:lnSpc>
+                <a:spcPct val="100000"/>
+              </a:lnSpc>
+              <a:spcBef>
+                <a:spcPts val="813"/>
+              </a:spcBef>
+              <a:spcAft>
+                <a:spcPts val="0"/>
+              </a:spcAft>
+              <a:buSzPts val="2000"/>
+              <a:buFont typeface="Arial"/>
+              <a:buNone/>
+            </a:pPr>
+            <a:endParaRPr lang="en-US" sz="2400" dirty="0"/>
+          </a:p>
+          <a:p>
+            <a:pPr>
+              <a:lnSpc>
+                <a:spcPct val="100000"/>
+              </a:lnSpc>
+            </a:pPr>
             <a:r>
               <a:rPr lang="ja-JP" altLang="en-US" sz="2400"/>
-              <a:t>生存の有無で年齢層のばらつきに違いが見られる</a:t>
+              <a:t>一方で、何歳以下以上は</a:t>
+            </a:r>
+            <a:br>
+              <a:rPr lang="en-US" altLang="ja-JP" sz="2400" dirty="0"/>
+            </a:br>
+            <a:r>
+              <a:rPr lang="ja-JP" altLang="en-US" sz="2400"/>
+              <a:t>生存</a:t>
+            </a:r>
+            <a:r>
+              <a:rPr lang="en-US" altLang="ja-JP" sz="2400" dirty="0"/>
+              <a:t> or </a:t>
+            </a:r>
+            <a:r>
+              <a:rPr lang="ja-JP" altLang="en-US" sz="2400"/>
+              <a:t>死亡</a:t>
+            </a:r>
+            <a:r>
+              <a:rPr lang="en-US" altLang="ja-JP" sz="2400" dirty="0"/>
+              <a:t> </a:t>
+            </a:r>
+            <a:r>
+              <a:rPr lang="ja-JP" altLang="en-US" sz="2400"/>
+              <a:t>という形で</a:t>
+            </a:r>
+            <a:br>
+              <a:rPr lang="en-US" altLang="ja-JP" sz="2400" dirty="0"/>
+            </a:br>
+            <a:r>
+              <a:rPr lang="ja-JP" altLang="en-US" sz="2400"/>
+              <a:t>綺麗に別れてはいない</a:t>
             </a:r>
             <a:endParaRPr sz="2400" dirty="0"/>
           </a:p>
@@ -8902,7 +9495,7 @@
         </p:nvGrpSpPr>
         <p:grpSpPr>
           <a:xfrm>
-            <a:off x="4467398" y="1249685"/>
+            <a:off x="4198457" y="1083684"/>
             <a:ext cx="7389638" cy="5269717"/>
             <a:chOff x="3997199" y="1024974"/>
             <a:chExt cx="7389638" cy="5269717"/>
@@ -9136,7 +9729,7 @@
             </a:pPr>
             <a:r>
               <a:rPr lang="en-US" dirty="0" err="1"/>
-              <a:t>分析：チケットの料金帯と生存率</a:t>
+              <a:t>分析：家族の人数と生存率</a:t>
             </a:r>
             <a:endParaRPr dirty="0"/>
           </a:p>
@@ -9167,62 +9760,198 @@
           </a:bodyPr>
           <a:lstStyle/>
           <a:p>
+            <a:pPr>
+              <a:lnSpc>
+                <a:spcPct val="100000"/>
+              </a:lnSpc>
+            </a:pPr>
             <a:r>
               <a:rPr lang="ja-JP" altLang="en-US" sz="2400"/>
-              <a:t>チケットの料金帯が高くなるほど</a:t>
+              <a:t>家族の人数を</a:t>
+            </a:r>
+            <a:r>
+              <a:rPr lang="en-US" altLang="ja-JP" sz="2400" dirty="0"/>
+              <a:t>3</a:t>
+            </a:r>
+            <a:r>
+              <a:rPr lang="ja-JP" altLang="en-US" sz="2400"/>
+              <a:t>人以下と</a:t>
+            </a:r>
+            <a:br>
+              <a:rPr lang="en-US" altLang="ja-JP" sz="2400" dirty="0"/>
+            </a:br>
+            <a:r>
+              <a:rPr lang="en-US" altLang="ja-JP" sz="2400" dirty="0"/>
+              <a:t>4</a:t>
+            </a:r>
+            <a:r>
+              <a:rPr lang="ja-JP" altLang="en-US" sz="2400"/>
+              <a:t>人以上に分けると、</a:t>
             </a:r>
             <a:br>
               <a:rPr lang="en-US" altLang="ja-JP" sz="2400" dirty="0"/>
             </a:br>
             <a:r>
               <a:rPr lang="ja-JP" altLang="en-US" sz="2400"/>
-              <a:t>生存率が上がる傾向にある</a:t>
+              <a:t>生存率には異なる傾向が見られる</a:t>
             </a:r>
             <a:endParaRPr lang="en-US" altLang="ja-JP" sz="2400" dirty="0"/>
           </a:p>
           <a:p>
+            <a:pPr>
+              <a:lnSpc>
+                <a:spcPct val="100000"/>
+              </a:lnSpc>
+            </a:pPr>
+            <a:endParaRPr lang="en-US" altLang="ja-JP" sz="2400" dirty="0"/>
+          </a:p>
+          <a:p>
+            <a:pPr>
+              <a:lnSpc>
+                <a:spcPct val="100000"/>
+              </a:lnSpc>
+            </a:pPr>
             <a:r>
               <a:rPr lang="ja-JP" altLang="en-US" sz="2400"/>
-              <a:t>ボリュームゾーン</a:t>
+              <a:t>家族の多い乗客の行動に</a:t>
             </a:r>
-            <a:endParaRPr sz="2400" dirty="0"/>
+            <a:br>
+              <a:rPr lang="en-US" altLang="ja-JP" sz="2400" dirty="0"/>
+            </a:br>
+            <a:r>
+              <a:rPr lang="ja-JP" altLang="en-US" sz="2400"/>
+              <a:t>要因がある可能性がある</a:t>
+            </a:r>
+            <a:endParaRPr lang="en-US" altLang="ja-JP" sz="2400" dirty="0"/>
           </a:p>
         </p:txBody>
       </p:sp>
-      <p:pic>
-        <p:nvPicPr>
-          <p:cNvPr id="7" name="図 6" descr="グラフ, 棒グラフ&#10;&#10;自動的に生成された説明">
+      <p:grpSp>
+        <p:nvGrpSpPr>
+          <p:cNvPr id="2" name="グループ化 1">
             <a:extLst>
               <a:ext uri="{FF2B5EF4-FFF2-40B4-BE49-F238E27FC236}">
-                <a16:creationId xmlns:a16="http://schemas.microsoft.com/office/drawing/2014/main" id="{4900403F-682D-1B6F-525F-0876D4A560E9}"/>
+                <a16:creationId xmlns:a16="http://schemas.microsoft.com/office/drawing/2014/main" id="{8942E3BA-58BE-8BC2-EC6B-0D7CAA8040D6}"/>
               </a:ext>
             </a:extLst>
           </p:cNvPr>
-          <p:cNvPicPr>
-            <a:picLocks noChangeAspect="1"/>
-          </p:cNvPicPr>
+          <p:cNvGrpSpPr/>
           <p:nvPr/>
-        </p:nvPicPr>
-        <p:blipFill>
-          <a:blip r:embed="rId3"/>
-          <a:stretch>
-            <a:fillRect/>
-          </a:stretch>
-        </p:blipFill>
-        <p:spPr>
+        </p:nvGrpSpPr>
+        <p:grpSpPr>
           <a:xfrm>
-            <a:off x="4324350" y="1455169"/>
-            <a:ext cx="7532686" cy="4898232"/>
+            <a:off x="3377262" y="1013594"/>
+            <a:ext cx="8210833" cy="5339807"/>
+            <a:chOff x="3646203" y="961272"/>
+            <a:chExt cx="8210833" cy="5339807"/>
           </a:xfrm>
-          <a:prstGeom prst="rect">
-            <a:avLst/>
-          </a:prstGeom>
-        </p:spPr>
-      </p:pic>
+        </p:grpSpPr>
+        <p:pic>
+          <p:nvPicPr>
+            <p:cNvPr id="7" name="図 6" descr="グラフ, 棒グラフ&#10;&#10;自動的に生成された説明">
+              <a:extLst>
+                <a:ext uri="{FF2B5EF4-FFF2-40B4-BE49-F238E27FC236}">
+                  <a16:creationId xmlns:a16="http://schemas.microsoft.com/office/drawing/2014/main" id="{32FE3DEE-C6CA-1CF6-0462-965A81A186B9}"/>
+                </a:ext>
+              </a:extLst>
+            </p:cNvPr>
+            <p:cNvPicPr>
+              <a:picLocks noChangeAspect="1"/>
+            </p:cNvPicPr>
+            <p:nvPr/>
+          </p:nvPicPr>
+          <p:blipFill>
+            <a:blip r:embed="rId3"/>
+            <a:stretch>
+              <a:fillRect/>
+            </a:stretch>
+          </p:blipFill>
+          <p:spPr>
+            <a:xfrm>
+              <a:off x="5373405" y="961272"/>
+              <a:ext cx="6483631" cy="5173806"/>
+            </a:xfrm>
+            <a:prstGeom prst="rect">
+              <a:avLst/>
+            </a:prstGeom>
+          </p:spPr>
+        </p:pic>
+        <p:pic>
+          <p:nvPicPr>
+            <p:cNvPr id="9" name="図 8" descr="棒グラフ が含まれている画像&#10;&#10;自動的に生成された説明">
+              <a:extLst>
+                <a:ext uri="{FF2B5EF4-FFF2-40B4-BE49-F238E27FC236}">
+                  <a16:creationId xmlns:a16="http://schemas.microsoft.com/office/drawing/2014/main" id="{E6820704-0F13-7272-6B69-595E5C7170BD}"/>
+                </a:ext>
+              </a:extLst>
+            </p:cNvPr>
+            <p:cNvPicPr>
+              <a:picLocks noChangeAspect="1"/>
+            </p:cNvPicPr>
+            <p:nvPr/>
+          </p:nvPicPr>
+          <p:blipFill>
+            <a:blip r:embed="rId4"/>
+            <a:stretch>
+              <a:fillRect/>
+            </a:stretch>
+          </p:blipFill>
+          <p:spPr>
+            <a:xfrm>
+              <a:off x="3646203" y="5035550"/>
+              <a:ext cx="1651000" cy="1079500"/>
+            </a:xfrm>
+            <a:prstGeom prst="rect">
+              <a:avLst/>
+            </a:prstGeom>
+          </p:spPr>
+        </p:pic>
+        <p:sp>
+          <p:nvSpPr>
+            <p:cNvPr id="10" name="テキスト ボックス 9">
+              <a:extLst>
+                <a:ext uri="{FF2B5EF4-FFF2-40B4-BE49-F238E27FC236}">
+                  <a16:creationId xmlns:a16="http://schemas.microsoft.com/office/drawing/2014/main" id="{31F453E5-1BD3-D263-68E3-CFE2FBA14AC7}"/>
+                </a:ext>
+              </a:extLst>
+            </p:cNvPr>
+            <p:cNvSpPr txBox="1"/>
+            <p:nvPr/>
+          </p:nvSpPr>
+          <p:spPr>
+            <a:xfrm>
+              <a:off x="7028086" y="5777859"/>
+              <a:ext cx="3174267" cy="523220"/>
+            </a:xfrm>
+            <a:prstGeom prst="rect">
+              <a:avLst/>
+            </a:prstGeom>
+            <a:solidFill>
+              <a:srgbClr val="FFFFFF"/>
+            </a:solidFill>
+          </p:spPr>
+          <p:txBody>
+            <a:bodyPr wrap="none" rtlCol="0">
+              <a:spAutoFit/>
+            </a:bodyPr>
+            <a:lstStyle/>
+            <a:p>
+              <a:pPr algn="l"/>
+              <a:r>
+                <a:rPr kumimoji="1" lang="ja-JP" altLang="en-US" sz="2800">
+                  <a:latin typeface="Meiryo UI" panose="020B0604030504040204" pitchFamily="34" charset="-128"/>
+                  <a:ea typeface="Meiryo UI" panose="020B0604030504040204" pitchFamily="34" charset="-128"/>
+                </a:rPr>
+                <a:t>同乗した家族の人数</a:t>
+              </a:r>
+            </a:p>
+          </p:txBody>
+        </p:sp>
+      </p:grpSp>
     </p:spTree>
     <p:extLst>
       <p:ext uri="{BB962C8B-B14F-4D97-AF65-F5344CB8AC3E}">
-        <p14:creationId xmlns:p14="http://schemas.microsoft.com/office/powerpoint/2010/main" val="1146834647"/>
+        <p14:creationId xmlns:p14="http://schemas.microsoft.com/office/powerpoint/2010/main" val="1778090542"/>
       </p:ext>
     </p:extLst>
   </p:cSld>
@@ -9293,7 +10022,7 @@
             </a:pPr>
             <a:r>
               <a:rPr lang="en-US" dirty="0" err="1"/>
-              <a:t>分析：家族の人数と生存率</a:t>
+              <a:t>分析：チケットの料金帯と生存率</a:t>
             </a:r>
             <a:endParaRPr dirty="0"/>
           </a:p>
@@ -9324,37 +10053,57 @@
           </a:bodyPr>
           <a:lstStyle/>
           <a:p>
+            <a:pPr>
+              <a:lnSpc>
+                <a:spcPct val="100000"/>
+              </a:lnSpc>
+            </a:pPr>
             <a:r>
               <a:rPr lang="ja-JP" altLang="en-US" sz="2400"/>
-              <a:t>家族の人数を</a:t>
-            </a:r>
-            <a:r>
-              <a:rPr lang="en-US" altLang="ja-JP" sz="2400" dirty="0"/>
-              <a:t>3</a:t>
-            </a:r>
-            <a:r>
-              <a:rPr lang="ja-JP" altLang="en-US" sz="2400"/>
-              <a:t>人以下と</a:t>
-            </a:r>
-            <a:br>
-              <a:rPr lang="en-US" altLang="ja-JP" sz="2400" dirty="0"/>
-            </a:br>
-            <a:r>
-              <a:rPr lang="en-US" altLang="ja-JP" sz="2400" dirty="0"/>
-              <a:t>4</a:t>
-            </a:r>
-            <a:r>
-              <a:rPr lang="ja-JP" altLang="en-US" sz="2400"/>
-              <a:t>人以上に分けると、</a:t>
+              <a:t>チケットの料金帯が高くなるほど</a:t>
             </a:r>
             <a:br>
               <a:rPr lang="en-US" altLang="ja-JP" sz="2400" dirty="0"/>
             </a:br>
             <a:r>
               <a:rPr lang="ja-JP" altLang="en-US" sz="2400"/>
-              <a:t>生存率には異なる傾向が見られる</a:t>
+              <a:t>生存率が上がる傾向にある</a:t>
             </a:r>
             <a:endParaRPr lang="en-US" altLang="ja-JP" sz="2400" dirty="0"/>
+          </a:p>
+          <a:p>
+            <a:pPr>
+              <a:lnSpc>
+                <a:spcPct val="100000"/>
+              </a:lnSpc>
+            </a:pPr>
+            <a:endParaRPr lang="en-US" altLang="ja-JP" sz="2400" dirty="0"/>
+          </a:p>
+          <a:p>
+            <a:pPr>
+              <a:lnSpc>
+                <a:spcPct val="100000"/>
+              </a:lnSpc>
+            </a:pPr>
+            <a:r>
+              <a:rPr lang="ja-JP" altLang="en-US" sz="2400"/>
+              <a:t>ボリュームゾーンである</a:t>
+            </a:r>
+            <a:br>
+              <a:rPr lang="en-US" altLang="ja-JP" sz="2400" dirty="0"/>
+            </a:br>
+            <a:r>
+              <a:rPr lang="ja-JP" altLang="en-US" sz="2400"/>
+              <a:t>低い料金帯の乗客は、</a:t>
+            </a:r>
+            <a:br>
+              <a:rPr lang="en-US" altLang="ja-JP" sz="2400" dirty="0"/>
+            </a:br>
+            <a:r>
+              <a:rPr lang="ja-JP" altLang="en-US" sz="2400"/>
+              <a:t>生存率も低い</a:t>
+            </a:r>
+            <a:endParaRPr sz="2400" dirty="0"/>
           </a:p>
         </p:txBody>
       </p:sp>
@@ -9363,7 +10112,7 @@
           <p:cNvPr id="7" name="図 6" descr="グラフ, 棒グラフ&#10;&#10;自動的に生成された説明">
             <a:extLst>
               <a:ext uri="{FF2B5EF4-FFF2-40B4-BE49-F238E27FC236}">
-                <a16:creationId xmlns:a16="http://schemas.microsoft.com/office/drawing/2014/main" id="{32FE3DEE-C6CA-1CF6-0462-965A81A186B9}"/>
+                <a16:creationId xmlns:a16="http://schemas.microsoft.com/office/drawing/2014/main" id="{4900403F-682D-1B6F-525F-0876D4A560E9}"/>
               </a:ext>
             </a:extLst>
           </p:cNvPr>
@@ -9380,89 +10129,18 @@
         </p:blipFill>
         <p:spPr>
           <a:xfrm>
-            <a:off x="5373405" y="961272"/>
-            <a:ext cx="6483631" cy="5173806"/>
+            <a:off x="4324350" y="1455169"/>
+            <a:ext cx="7532686" cy="4898232"/>
           </a:xfrm>
           <a:prstGeom prst="rect">
             <a:avLst/>
           </a:prstGeom>
         </p:spPr>
       </p:pic>
-      <p:pic>
-        <p:nvPicPr>
-          <p:cNvPr id="9" name="図 8" descr="棒グラフ が含まれている画像&#10;&#10;自動的に生成された説明">
-            <a:extLst>
-              <a:ext uri="{FF2B5EF4-FFF2-40B4-BE49-F238E27FC236}">
-                <a16:creationId xmlns:a16="http://schemas.microsoft.com/office/drawing/2014/main" id="{E6820704-0F13-7272-6B69-595E5C7170BD}"/>
-              </a:ext>
-            </a:extLst>
-          </p:cNvPr>
-          <p:cNvPicPr>
-            <a:picLocks noChangeAspect="1"/>
-          </p:cNvPicPr>
-          <p:nvPr/>
-        </p:nvPicPr>
-        <p:blipFill>
-          <a:blip r:embed="rId4"/>
-          <a:stretch>
-            <a:fillRect/>
-          </a:stretch>
-        </p:blipFill>
-        <p:spPr>
-          <a:xfrm>
-            <a:off x="3646203" y="5035550"/>
-            <a:ext cx="1651000" cy="1079500"/>
-          </a:xfrm>
-          <a:prstGeom prst="rect">
-            <a:avLst/>
-          </a:prstGeom>
-        </p:spPr>
-      </p:pic>
-      <p:sp>
-        <p:nvSpPr>
-          <p:cNvPr id="10" name="テキスト ボックス 9">
-            <a:extLst>
-              <a:ext uri="{FF2B5EF4-FFF2-40B4-BE49-F238E27FC236}">
-                <a16:creationId xmlns:a16="http://schemas.microsoft.com/office/drawing/2014/main" id="{31F453E5-1BD3-D263-68E3-CFE2FBA14AC7}"/>
-              </a:ext>
-            </a:extLst>
-          </p:cNvPr>
-          <p:cNvSpPr txBox="1"/>
-          <p:nvPr/>
-        </p:nvSpPr>
-        <p:spPr>
-          <a:xfrm>
-            <a:off x="7028086" y="5777859"/>
-            <a:ext cx="3174267" cy="523220"/>
-          </a:xfrm>
-          <a:prstGeom prst="rect">
-            <a:avLst/>
-          </a:prstGeom>
-          <a:solidFill>
-            <a:srgbClr val="FFFFFF"/>
-          </a:solidFill>
-        </p:spPr>
-        <p:txBody>
-          <a:bodyPr wrap="none" rtlCol="0">
-            <a:spAutoFit/>
-          </a:bodyPr>
-          <a:lstStyle/>
-          <a:p>
-            <a:pPr algn="l"/>
-            <a:r>
-              <a:rPr kumimoji="1" lang="ja-JP" altLang="en-US" sz="2800">
-                <a:latin typeface="Meiryo UI" panose="020B0604030504040204" pitchFamily="34" charset="-128"/>
-                <a:ea typeface="Meiryo UI" panose="020B0604030504040204" pitchFamily="34" charset="-128"/>
-              </a:rPr>
-              <a:t>同乗した家族の人数</a:t>
-            </a:r>
-          </a:p>
-        </p:txBody>
-      </p:sp>
     </p:spTree>
     <p:extLst>
       <p:ext uri="{BB962C8B-B14F-4D97-AF65-F5344CB8AC3E}">
-        <p14:creationId xmlns:p14="http://schemas.microsoft.com/office/powerpoint/2010/main" val="1778090542"/>
+        <p14:creationId xmlns:p14="http://schemas.microsoft.com/office/powerpoint/2010/main" val="1146834647"/>
       </p:ext>
     </p:extLst>
   </p:cSld>
@@ -9473,6 +10151,314 @@
 </file>
 
 <file path=ppt/slides/slide13.xml><?xml version="1.0" encoding="utf-8"?>
+<p:sld xmlns:a="http://schemas.openxmlformats.org/drawingml/2006/main" xmlns:r="http://schemas.openxmlformats.org/officeDocument/2006/relationships" xmlns:p="http://schemas.openxmlformats.org/presentationml/2006/main">
+  <p:cSld>
+    <p:spTree>
+      <p:nvGrpSpPr>
+        <p:cNvPr id="1" name="Shape 53"/>
+        <p:cNvGrpSpPr/>
+        <p:nvPr/>
+      </p:nvGrpSpPr>
+      <p:grpSpPr>
+        <a:xfrm>
+          <a:off x="0" y="0"/>
+          <a:ext cx="0" cy="0"/>
+          <a:chOff x="0" y="0"/>
+          <a:chExt cx="0" cy="0"/>
+        </a:xfrm>
+      </p:grpSpPr>
+      <p:sp>
+        <p:nvSpPr>
+          <p:cNvPr id="54" name="Google Shape;54;p2"/>
+          <p:cNvSpPr txBox="1">
+            <a:spLocks noGrp="1"/>
+          </p:cNvSpPr>
+          <p:nvPr>
+            <p:ph type="title"/>
+          </p:nvPr>
+        </p:nvSpPr>
+        <p:spPr>
+          <a:prstGeom prst="rect">
+            <a:avLst/>
+          </a:prstGeom>
+          <a:noFill/>
+          <a:ln>
+            <a:noFill/>
+          </a:ln>
+        </p:spPr>
+        <p:txBody>
+          <a:bodyPr spcFirstLastPara="1" wrap="square" lIns="91425" tIns="45700" rIns="91425" bIns="45700" anchor="ctr" anchorCtr="0">
+            <a:normAutofit/>
+          </a:bodyPr>
+          <a:lstStyle/>
+          <a:p>
+            <a:pPr marL="225425" lvl="0" indent="0" algn="l" rtl="0">
+              <a:lnSpc>
+                <a:spcPct val="90000"/>
+              </a:lnSpc>
+              <a:spcBef>
+                <a:spcPts val="0"/>
+              </a:spcBef>
+              <a:spcAft>
+                <a:spcPts val="0"/>
+              </a:spcAft>
+              <a:buClr>
+                <a:schemeClr val="lt1"/>
+              </a:buClr>
+              <a:buSzPts val="1800"/>
+              <a:buFont typeface="Arial"/>
+              <a:buNone/>
+            </a:pPr>
+            <a:r>
+              <a:rPr lang="en-US" dirty="0" err="1"/>
+              <a:t>考察</a:t>
+            </a:r>
+            <a:endParaRPr dirty="0"/>
+          </a:p>
+        </p:txBody>
+      </p:sp>
+      <p:sp>
+        <p:nvSpPr>
+          <p:cNvPr id="55" name="Google Shape;55;p2"/>
+          <p:cNvSpPr txBox="1">
+            <a:spLocks noGrp="1"/>
+          </p:cNvSpPr>
+          <p:nvPr>
+            <p:ph type="body" idx="1"/>
+          </p:nvPr>
+        </p:nvSpPr>
+        <p:spPr>
+          <a:prstGeom prst="rect">
+            <a:avLst/>
+          </a:prstGeom>
+          <a:noFill/>
+          <a:ln>
+            <a:noFill/>
+          </a:ln>
+        </p:spPr>
+        <p:txBody>
+          <a:bodyPr spcFirstLastPara="1" wrap="square" lIns="91425" tIns="45700" rIns="91425" bIns="45700" anchor="t" anchorCtr="0">
+            <a:normAutofit fontScale="77500" lnSpcReduction="20000"/>
+          </a:bodyPr>
+          <a:lstStyle/>
+          <a:p>
+            <a:pPr marL="101600" indent="0">
+              <a:lnSpc>
+                <a:spcPct val="150000"/>
+              </a:lnSpc>
+              <a:buNone/>
+            </a:pPr>
+            <a:r>
+              <a:rPr lang="ja-JP" altLang="en-US" sz="2400" b="1"/>
+              <a:t>性別</a:t>
+            </a:r>
+          </a:p>
+          <a:p>
+            <a:pPr>
+              <a:lnSpc>
+                <a:spcPct val="150000"/>
+              </a:lnSpc>
+            </a:pPr>
+            <a:r>
+              <a:rPr lang="en-US" altLang="ja-JP" sz="2400" dirty="0" err="1"/>
+              <a:t>女性優先の方針通り避難が行われたが</a:t>
+            </a:r>
+            <a:r>
+              <a:rPr lang="en-US" altLang="ja-JP" sz="2400" dirty="0"/>
+              <a:t>、</a:t>
+            </a:r>
+            <a:br>
+              <a:rPr lang="en-US" altLang="ja-JP" sz="2400" dirty="0"/>
+            </a:br>
+            <a:r>
+              <a:rPr lang="en-US" altLang="ja-JP" sz="2400" dirty="0" err="1"/>
+              <a:t>救命ボート運用の失策により、後回しとなった男性の多くが犠牲となった</a:t>
+            </a:r>
+            <a:endParaRPr lang="en-US" altLang="ja-JP" sz="2400" dirty="0"/>
+          </a:p>
+          <a:p>
+            <a:pPr marL="101600" lvl="0" indent="0" algn="l" rtl="0">
+              <a:lnSpc>
+                <a:spcPct val="150000"/>
+              </a:lnSpc>
+              <a:spcBef>
+                <a:spcPts val="813"/>
+              </a:spcBef>
+              <a:spcAft>
+                <a:spcPts val="0"/>
+              </a:spcAft>
+              <a:buSzPts val="2000"/>
+              <a:buFont typeface="Arial"/>
+              <a:buNone/>
+            </a:pPr>
+            <a:r>
+              <a:rPr lang="en-US" altLang="ja-JP" sz="2400" b="1" dirty="0" err="1"/>
+              <a:t>年齢</a:t>
+            </a:r>
+            <a:endParaRPr lang="en-US" altLang="ja-JP" sz="2400" dirty="0"/>
+          </a:p>
+          <a:p>
+            <a:pPr>
+              <a:lnSpc>
+                <a:spcPct val="150000"/>
+              </a:lnSpc>
+            </a:pPr>
+            <a:r>
+              <a:rPr lang="en-US" altLang="ja-JP" sz="2400" dirty="0"/>
+              <a:t>子ども優先の方針により、10歳未満の子どもの高い生存率が見られる</a:t>
+            </a:r>
+          </a:p>
+          <a:p>
+            <a:pPr marL="101600" lvl="0" indent="0" algn="l" rtl="0">
+              <a:lnSpc>
+                <a:spcPct val="150000"/>
+              </a:lnSpc>
+              <a:spcBef>
+                <a:spcPts val="813"/>
+              </a:spcBef>
+              <a:spcAft>
+                <a:spcPts val="0"/>
+              </a:spcAft>
+              <a:buSzPts val="2000"/>
+              <a:buFont typeface="Arial"/>
+              <a:buNone/>
+            </a:pPr>
+            <a:r>
+              <a:rPr lang="en-US" altLang="ja-JP" sz="2400" b="1" dirty="0" err="1"/>
+              <a:t>家族の人数</a:t>
+            </a:r>
+            <a:endParaRPr lang="en-US" altLang="ja-JP" sz="2400" dirty="0"/>
+          </a:p>
+          <a:p>
+            <a:pPr>
+              <a:lnSpc>
+                <a:spcPct val="150000"/>
+              </a:lnSpc>
+            </a:pPr>
+            <a:r>
+              <a:rPr lang="en-US" altLang="ja-JP" sz="2400" dirty="0" err="1"/>
+              <a:t>同乗する家族の人数が一定数を超えると、避難経路の確保が困難になったり</a:t>
+            </a:r>
+            <a:r>
+              <a:rPr lang="en-US" altLang="ja-JP" sz="2400" dirty="0"/>
+              <a:t>、</a:t>
+            </a:r>
+            <a:br>
+              <a:rPr lang="en-US" altLang="ja-JP" sz="2400" dirty="0"/>
+            </a:br>
+            <a:r>
+              <a:rPr lang="en-US" altLang="ja-JP" sz="2400" dirty="0" err="1"/>
+              <a:t>家族の安全確保を優先して救援活動に参加したりといった行動により</a:t>
+            </a:r>
+            <a:r>
+              <a:rPr lang="en-US" altLang="ja-JP" sz="2400" dirty="0"/>
+              <a:t>、</a:t>
+            </a:r>
+            <a:br>
+              <a:rPr lang="en-US" altLang="ja-JP" sz="2400" dirty="0"/>
+            </a:br>
+            <a:r>
+              <a:rPr lang="en-US" altLang="ja-JP" sz="2400" dirty="0" err="1"/>
+              <a:t>生存率の大幅な低下を招いた可能性がある</a:t>
+            </a:r>
+            <a:endParaRPr lang="en-US" altLang="ja-JP" sz="2400" b="1" dirty="0"/>
+          </a:p>
+          <a:p>
+            <a:pPr marL="101600" lvl="0" indent="0" algn="l" rtl="0">
+              <a:lnSpc>
+                <a:spcPct val="150000"/>
+              </a:lnSpc>
+              <a:spcBef>
+                <a:spcPts val="813"/>
+              </a:spcBef>
+              <a:spcAft>
+                <a:spcPts val="0"/>
+              </a:spcAft>
+              <a:buSzPts val="2000"/>
+              <a:buFont typeface="Arial"/>
+              <a:buNone/>
+            </a:pPr>
+            <a:r>
+              <a:rPr lang="en-US" altLang="ja-JP" sz="2400" b="1" dirty="0" err="1"/>
+              <a:t>チケット料金</a:t>
+            </a:r>
+            <a:endParaRPr lang="en-US" altLang="ja-JP" sz="2400" dirty="0"/>
+          </a:p>
+          <a:p>
+            <a:pPr>
+              <a:lnSpc>
+                <a:spcPct val="150000"/>
+              </a:lnSpc>
+            </a:pPr>
+            <a:r>
+              <a:rPr lang="en-US" altLang="ja-JP" sz="2400" dirty="0" err="1"/>
+              <a:t>等級の低いチケットの乗客は、簡素な設備による避難経路へのアクセスの悪さ</a:t>
+            </a:r>
+            <a:r>
+              <a:rPr lang="en-US" altLang="ja-JP" sz="2400" dirty="0"/>
+              <a:t>、</a:t>
+            </a:r>
+            <a:br>
+              <a:rPr lang="en-US" altLang="ja-JP" sz="2400" dirty="0"/>
+            </a:br>
+            <a:r>
+              <a:rPr lang="en-US" altLang="ja-JP" sz="2400" dirty="0" err="1"/>
+              <a:t>アナウンスの遅れなどにより避難が遅れた状況が予想される</a:t>
+            </a:r>
+            <a:endParaRPr lang="en-US" altLang="ja-JP" sz="2400" dirty="0"/>
+          </a:p>
+          <a:p>
+            <a:pPr marL="101600" indent="0">
+              <a:buNone/>
+            </a:pPr>
+            <a:endParaRPr lang="en-US" altLang="ja-JP" sz="2400" dirty="0"/>
+          </a:p>
+        </p:txBody>
+      </p:sp>
+      <p:pic>
+        <p:nvPicPr>
+          <p:cNvPr id="2" name="図 1" descr="グラフ, 棒グラフ&#10;&#10;自動的に生成された説明">
+            <a:extLst>
+              <a:ext uri="{FF2B5EF4-FFF2-40B4-BE49-F238E27FC236}">
+                <a16:creationId xmlns:a16="http://schemas.microsoft.com/office/drawing/2014/main" id="{0D38E822-7804-6E9B-FDD2-A78E3DC12D3A}"/>
+              </a:ext>
+            </a:extLst>
+          </p:cNvPr>
+          <p:cNvPicPr>
+            <a:picLocks noChangeAspect="1"/>
+          </p:cNvPicPr>
+          <p:nvPr/>
+        </p:nvPicPr>
+        <p:blipFill>
+          <a:blip r:embed="rId3"/>
+          <a:stretch>
+            <a:fillRect/>
+          </a:stretch>
+        </p:blipFill>
+        <p:spPr>
+          <a:xfrm>
+            <a:off x="8811257" y="966452"/>
+            <a:ext cx="2642366" cy="1467465"/>
+          </a:xfrm>
+          <a:prstGeom prst="rect">
+            <a:avLst/>
+          </a:prstGeom>
+        </p:spPr>
+      </p:pic>
+    </p:spTree>
+    <p:extLst>
+      <p:ext uri="{BB962C8B-B14F-4D97-AF65-F5344CB8AC3E}">
+        <p14:creationId xmlns:p14="http://schemas.microsoft.com/office/powerpoint/2010/main" val="3659850061"/>
+      </p:ext>
+    </p:extLst>
+  </p:cSld>
+  <p:clrMapOvr>
+    <a:masterClrMapping/>
+  </p:clrMapOvr>
+</p:sld>
+</file>
+
+<file path=ppt/slides/slide14.xml><?xml version="1.0" encoding="utf-8"?>
 <p:sld xmlns:a="http://schemas.openxmlformats.org/drawingml/2006/main" xmlns:r="http://schemas.openxmlformats.org/officeDocument/2006/relationships" xmlns:p="http://schemas.openxmlformats.org/presentationml/2006/main">
   <p:cSld>
     <p:spTree>
@@ -9646,6 +10632,61 @@
               <a:buNone/>
             </a:pPr>
             <a:r>
+              <a:rPr lang="en-US" altLang="ja-JP" sz="2400" b="1" dirty="0" err="1"/>
+              <a:t>家族の人数</a:t>
+            </a:r>
+            <a:endParaRPr lang="en-US" altLang="ja-JP" sz="2400" dirty="0"/>
+          </a:p>
+          <a:p>
+            <a:pPr>
+              <a:lnSpc>
+                <a:spcPct val="150000"/>
+              </a:lnSpc>
+            </a:pPr>
+            <a:r>
+              <a:rPr lang="en-US" altLang="ja-JP" sz="2400" dirty="0" err="1"/>
+              <a:t>同乗する家族の人数が一定数を超えると、避難経路の確保が困難になったり</a:t>
+            </a:r>
+            <a:r>
+              <a:rPr lang="en-US" altLang="ja-JP" sz="2400" dirty="0"/>
+              <a:t>、</a:t>
+            </a:r>
+            <a:br>
+              <a:rPr lang="en-US" altLang="ja-JP" sz="2400" dirty="0"/>
+            </a:br>
+            <a:r>
+              <a:rPr lang="en-US" altLang="ja-JP" sz="2400" dirty="0" err="1"/>
+              <a:t>家族の安全確保を優先して救援活動に参加したりといった行動により</a:t>
+            </a:r>
+            <a:r>
+              <a:rPr lang="en-US" altLang="ja-JP" sz="2400" dirty="0"/>
+              <a:t>、</a:t>
+            </a:r>
+            <a:br>
+              <a:rPr lang="en-US" altLang="ja-JP" sz="2400" dirty="0"/>
+            </a:br>
+            <a:r>
+              <a:rPr lang="en-US" altLang="ja-JP" sz="2400" dirty="0" err="1"/>
+              <a:t>生存率の大幅な低下を招いた可能性がある</a:t>
+            </a:r>
+            <a:endParaRPr lang="en-US" sz="2400" b="1" dirty="0"/>
+          </a:p>
+          <a:p>
+            <a:pPr marL="101600" lvl="0" indent="0" algn="l" rtl="0">
+              <a:lnSpc>
+                <a:spcPct val="150000"/>
+              </a:lnSpc>
+              <a:spcBef>
+                <a:spcPts val="813"/>
+              </a:spcBef>
+              <a:spcAft>
+                <a:spcPts val="0"/>
+              </a:spcAft>
+              <a:buSzPts val="2000"/>
+              <a:buFont typeface="Arial"/>
+              <a:buNone/>
+            </a:pPr>
+            <a:r>
               <a:rPr lang="en-US" sz="2400" b="1" dirty="0" err="1"/>
               <a:t>チケット料金</a:t>
             </a:r>
@@ -9675,6 +10716,342 @@
             <a:endParaRPr lang="en-US" sz="2400" dirty="0"/>
           </a:p>
           <a:p>
+            <a:pPr marL="101600" indent="0">
+              <a:buNone/>
+            </a:pPr>
+            <a:endParaRPr lang="en-US" altLang="ja-JP" sz="2400" dirty="0"/>
+          </a:p>
+        </p:txBody>
+      </p:sp>
+      <p:grpSp>
+        <p:nvGrpSpPr>
+          <p:cNvPr id="2" name="グループ化 1">
+            <a:extLst>
+              <a:ext uri="{FF2B5EF4-FFF2-40B4-BE49-F238E27FC236}">
+                <a16:creationId xmlns:a16="http://schemas.microsoft.com/office/drawing/2014/main" id="{38D9C0B9-9864-1CEA-10D3-DF959E3D7345}"/>
+              </a:ext>
+            </a:extLst>
+          </p:cNvPr>
+          <p:cNvGrpSpPr/>
+          <p:nvPr/>
+        </p:nvGrpSpPr>
+        <p:grpSpPr>
+          <a:xfrm>
+            <a:off x="8116254" y="1444044"/>
+            <a:ext cx="3740782" cy="2233600"/>
+            <a:chOff x="3985785" y="1024974"/>
+            <a:chExt cx="7401052" cy="5488736"/>
+          </a:xfrm>
+        </p:grpSpPr>
+        <p:pic>
+          <p:nvPicPr>
+            <p:cNvPr id="3" name="図 2" descr="グラフ, 散布図&#10;&#10;自動的に生成された説明">
+              <a:extLst>
+                <a:ext uri="{FF2B5EF4-FFF2-40B4-BE49-F238E27FC236}">
+                  <a16:creationId xmlns:a16="http://schemas.microsoft.com/office/drawing/2014/main" id="{83631BBB-FD85-BF3C-2D1C-A6E7F9C142BF}"/>
+                </a:ext>
+              </a:extLst>
+            </p:cNvPr>
+            <p:cNvPicPr>
+              <a:picLocks noChangeAspect="1"/>
+            </p:cNvPicPr>
+            <p:nvPr/>
+          </p:nvPicPr>
+          <p:blipFill>
+            <a:blip r:embed="rId3"/>
+            <a:stretch>
+              <a:fillRect/>
+            </a:stretch>
+          </p:blipFill>
+          <p:spPr>
+            <a:xfrm>
+              <a:off x="4683513" y="1024974"/>
+              <a:ext cx="6703324" cy="5090076"/>
+            </a:xfrm>
+            <a:prstGeom prst="rect">
+              <a:avLst/>
+            </a:prstGeom>
+          </p:spPr>
+        </p:pic>
+        <p:sp>
+          <p:nvSpPr>
+            <p:cNvPr id="4" name="テキスト ボックス 3">
+              <a:extLst>
+                <a:ext uri="{FF2B5EF4-FFF2-40B4-BE49-F238E27FC236}">
+                  <a16:creationId xmlns:a16="http://schemas.microsoft.com/office/drawing/2014/main" id="{357D98AC-EB29-150A-5109-B266D400DCED}"/>
+                </a:ext>
+              </a:extLst>
+            </p:cNvPr>
+            <p:cNvSpPr txBox="1"/>
+            <p:nvPr/>
+          </p:nvSpPr>
+          <p:spPr>
+            <a:xfrm>
+              <a:off x="9368854" y="5833027"/>
+              <a:ext cx="974287" cy="680683"/>
+            </a:xfrm>
+            <a:prstGeom prst="rect">
+              <a:avLst/>
+            </a:prstGeom>
+            <a:solidFill>
+              <a:srgbClr val="FFFFFF"/>
+            </a:solidFill>
+          </p:spPr>
+          <p:txBody>
+            <a:bodyPr wrap="none" rtlCol="0">
+              <a:spAutoFit/>
+            </a:bodyPr>
+            <a:lstStyle/>
+            <a:p>
+              <a:pPr algn="l"/>
+              <a:r>
+                <a:rPr kumimoji="1" lang="ja-JP" altLang="en-US" sz="1200">
+                  <a:solidFill>
+                    <a:schemeClr val="tx1">
+                      <a:lumMod val="75000"/>
+                    </a:schemeClr>
+                  </a:solidFill>
+                  <a:latin typeface="Meiryo UI" panose="020B0604030504040204" pitchFamily="34" charset="-128"/>
+                  <a:ea typeface="Meiryo UI" panose="020B0604030504040204" pitchFamily="34" charset="-128"/>
+                </a:rPr>
+                <a:t>生存</a:t>
+              </a:r>
+            </a:p>
+          </p:txBody>
+        </p:sp>
+        <p:sp>
+          <p:nvSpPr>
+            <p:cNvPr id="5" name="テキスト ボックス 4">
+              <a:extLst>
+                <a:ext uri="{FF2B5EF4-FFF2-40B4-BE49-F238E27FC236}">
+                  <a16:creationId xmlns:a16="http://schemas.microsoft.com/office/drawing/2014/main" id="{C5E481B3-4C94-891E-71D8-860CC1543383}"/>
+                </a:ext>
+              </a:extLst>
+            </p:cNvPr>
+            <p:cNvSpPr txBox="1"/>
+            <p:nvPr/>
+          </p:nvSpPr>
+          <p:spPr>
+            <a:xfrm>
+              <a:off x="6225963" y="5819386"/>
+              <a:ext cx="974287" cy="680683"/>
+            </a:xfrm>
+            <a:prstGeom prst="rect">
+              <a:avLst/>
+            </a:prstGeom>
+            <a:solidFill>
+              <a:srgbClr val="FFFFFF"/>
+            </a:solidFill>
+          </p:spPr>
+          <p:txBody>
+            <a:bodyPr wrap="none" rtlCol="0">
+              <a:spAutoFit/>
+            </a:bodyPr>
+            <a:lstStyle/>
+            <a:p>
+              <a:pPr algn="l"/>
+              <a:r>
+                <a:rPr kumimoji="1" lang="ja-JP" altLang="en-US" sz="1200">
+                  <a:solidFill>
+                    <a:schemeClr val="tx1">
+                      <a:lumMod val="75000"/>
+                    </a:schemeClr>
+                  </a:solidFill>
+                  <a:latin typeface="Meiryo UI" panose="020B0604030504040204" pitchFamily="34" charset="-128"/>
+                  <a:ea typeface="Meiryo UI" panose="020B0604030504040204" pitchFamily="34" charset="-128"/>
+                </a:rPr>
+                <a:t>死亡</a:t>
+              </a:r>
+            </a:p>
+          </p:txBody>
+        </p:sp>
+        <p:sp>
+          <p:nvSpPr>
+            <p:cNvPr id="6" name="テキスト ボックス 5">
+              <a:extLst>
+                <a:ext uri="{FF2B5EF4-FFF2-40B4-BE49-F238E27FC236}">
+                  <a16:creationId xmlns:a16="http://schemas.microsoft.com/office/drawing/2014/main" id="{A2491723-BEF5-F103-8B8A-975E8454E224}"/>
+                </a:ext>
+              </a:extLst>
+            </p:cNvPr>
+            <p:cNvSpPr txBox="1"/>
+            <p:nvPr/>
+          </p:nvSpPr>
+          <p:spPr>
+            <a:xfrm rot="16200000">
+              <a:off x="3557012" y="3182813"/>
+              <a:ext cx="1588261" cy="730715"/>
+            </a:xfrm>
+            <a:prstGeom prst="rect">
+              <a:avLst/>
+            </a:prstGeom>
+            <a:solidFill>
+              <a:srgbClr val="FFFFFF"/>
+            </a:solidFill>
+          </p:spPr>
+          <p:txBody>
+            <a:bodyPr wrap="none" rtlCol="0">
+              <a:spAutoFit/>
+            </a:bodyPr>
+            <a:lstStyle/>
+            <a:p>
+              <a:pPr algn="l"/>
+              <a:r>
+                <a:rPr kumimoji="1" lang="ja-JP" altLang="en-US" sz="1800">
+                  <a:solidFill>
+                    <a:schemeClr val="tx1">
+                      <a:lumMod val="75000"/>
+                    </a:schemeClr>
+                  </a:solidFill>
+                  <a:latin typeface="Meiryo UI" panose="020B0604030504040204" pitchFamily="34" charset="-128"/>
+                  <a:ea typeface="Meiryo UI" panose="020B0604030504040204" pitchFamily="34" charset="-128"/>
+                </a:rPr>
+                <a:t>年齢</a:t>
+              </a:r>
+            </a:p>
+          </p:txBody>
+        </p:sp>
+      </p:grpSp>
+    </p:spTree>
+    <p:extLst>
+      <p:ext uri="{BB962C8B-B14F-4D97-AF65-F5344CB8AC3E}">
+        <p14:creationId xmlns:p14="http://schemas.microsoft.com/office/powerpoint/2010/main" val="345273127"/>
+      </p:ext>
+    </p:extLst>
+  </p:cSld>
+  <p:clrMapOvr>
+    <a:masterClrMapping/>
+  </p:clrMapOvr>
+</p:sld>
+</file>
+
+<file path=ppt/slides/slide15.xml><?xml version="1.0" encoding="utf-8"?>
+<p:sld xmlns:a="http://schemas.openxmlformats.org/drawingml/2006/main" xmlns:r="http://schemas.openxmlformats.org/officeDocument/2006/relationships" xmlns:p="http://schemas.openxmlformats.org/presentationml/2006/main">
+  <p:cSld>
+    <p:spTree>
+      <p:nvGrpSpPr>
+        <p:cNvPr id="1" name="Shape 53"/>
+        <p:cNvGrpSpPr/>
+        <p:nvPr/>
+      </p:nvGrpSpPr>
+      <p:grpSpPr>
+        <a:xfrm>
+          <a:off x="0" y="0"/>
+          <a:ext cx="0" cy="0"/>
+          <a:chOff x="0" y="0"/>
+          <a:chExt cx="0" cy="0"/>
+        </a:xfrm>
+      </p:grpSpPr>
+      <p:sp>
+        <p:nvSpPr>
+          <p:cNvPr id="54" name="Google Shape;54;p2"/>
+          <p:cNvSpPr txBox="1">
+            <a:spLocks noGrp="1"/>
+          </p:cNvSpPr>
+          <p:nvPr>
+            <p:ph type="title"/>
+          </p:nvPr>
+        </p:nvSpPr>
+        <p:spPr>
+          <a:prstGeom prst="rect">
+            <a:avLst/>
+          </a:prstGeom>
+          <a:noFill/>
+          <a:ln>
+            <a:noFill/>
+          </a:ln>
+        </p:spPr>
+        <p:txBody>
+          <a:bodyPr spcFirstLastPara="1" wrap="square" lIns="91425" tIns="45700" rIns="91425" bIns="45700" anchor="ctr" anchorCtr="0">
+            <a:normAutofit/>
+          </a:bodyPr>
+          <a:lstStyle/>
+          <a:p>
+            <a:pPr marL="225425" lvl="0" indent="0" algn="l" rtl="0">
+              <a:lnSpc>
+                <a:spcPct val="90000"/>
+              </a:lnSpc>
+              <a:spcBef>
+                <a:spcPts val="0"/>
+              </a:spcBef>
+              <a:spcAft>
+                <a:spcPts val="0"/>
+              </a:spcAft>
+              <a:buClr>
+                <a:schemeClr val="lt1"/>
+              </a:buClr>
+              <a:buSzPts val="1800"/>
+              <a:buFont typeface="Arial"/>
+              <a:buNone/>
+            </a:pPr>
+            <a:r>
+              <a:rPr lang="en-US" dirty="0" err="1"/>
+              <a:t>考察</a:t>
+            </a:r>
+            <a:endParaRPr dirty="0"/>
+          </a:p>
+        </p:txBody>
+      </p:sp>
+      <p:sp>
+        <p:nvSpPr>
+          <p:cNvPr id="55" name="Google Shape;55;p2"/>
+          <p:cNvSpPr txBox="1">
+            <a:spLocks noGrp="1"/>
+          </p:cNvSpPr>
+          <p:nvPr>
+            <p:ph type="body" idx="1"/>
+          </p:nvPr>
+        </p:nvSpPr>
+        <p:spPr>
+          <a:prstGeom prst="rect">
+            <a:avLst/>
+          </a:prstGeom>
+          <a:noFill/>
+          <a:ln>
+            <a:noFill/>
+          </a:ln>
+        </p:spPr>
+        <p:txBody>
+          <a:bodyPr spcFirstLastPara="1" wrap="square" lIns="91425" tIns="45700" rIns="91425" bIns="45700" anchor="t" anchorCtr="0">
+            <a:normAutofit fontScale="77500" lnSpcReduction="20000"/>
+          </a:bodyPr>
+          <a:lstStyle/>
+          <a:p>
+            <a:pPr marL="101600" indent="0">
+              <a:lnSpc>
+                <a:spcPct val="150000"/>
+              </a:lnSpc>
+              <a:buNone/>
+            </a:pPr>
+            <a:r>
+              <a:rPr lang="ja-JP" altLang="en-US" sz="2400" b="1"/>
+              <a:t>性別</a:t>
+            </a:r>
+          </a:p>
+          <a:p>
+            <a:pPr>
+              <a:lnSpc>
+                <a:spcPct val="150000"/>
+              </a:lnSpc>
+            </a:pPr>
+            <a:r>
+              <a:rPr lang="en-US" altLang="ja-JP" sz="2400" dirty="0" err="1"/>
+              <a:t>女性優先の方針通り避難が行われたが</a:t>
+            </a:r>
+            <a:r>
+              <a:rPr lang="en-US" altLang="ja-JP" sz="2400" dirty="0"/>
+              <a:t>、</a:t>
+            </a:r>
+            <a:br>
+              <a:rPr lang="en-US" altLang="ja-JP" sz="2400" dirty="0"/>
+            </a:br>
+            <a:r>
+              <a:rPr lang="en-US" altLang="ja-JP" sz="2400" dirty="0" err="1"/>
+              <a:t>救命ボート運用の失策により、後回しとなった男性の多くが犠牲となった</a:t>
+            </a:r>
+            <a:endParaRPr lang="en-US" altLang="ja-JP" sz="2400" dirty="0"/>
+          </a:p>
+          <a:p>
             <a:pPr marL="101600" lvl="0" indent="0" algn="l" rtl="0">
               <a:lnSpc>
                 <a:spcPct val="150000"/>
@@ -9690,10 +11067,10 @@
               <a:buNone/>
             </a:pPr>
             <a:r>
-              <a:rPr lang="en-US" sz="2400" b="1" dirty="0" err="1"/>
-              <a:t>家族の人数</a:t>
+              <a:rPr lang="en-US" altLang="ja-JP" sz="2400" b="1" dirty="0" err="1"/>
+              <a:t>年齢</a:t>
             </a:r>
-            <a:endParaRPr lang="en-US" sz="2400" dirty="0"/>
+            <a:endParaRPr lang="en-US" altLang="ja-JP" sz="2400" dirty="0"/>
           </a:p>
           <a:p>
             <a:pPr>
@@ -9702,32 +11079,108 @@
               </a:lnSpc>
             </a:pPr>
             <a:r>
-              <a:rPr lang="en-US" sz="2400" dirty="0" err="1"/>
+              <a:rPr lang="en-US" altLang="ja-JP" sz="2400" dirty="0"/>
+              <a:t>子ども優先の方針により、10歳未満の子どもの高い生存率が見られる</a:t>
+            </a:r>
+          </a:p>
+          <a:p>
+            <a:pPr marL="101600" lvl="0" indent="0" algn="l" rtl="0">
+              <a:lnSpc>
+                <a:spcPct val="150000"/>
+              </a:lnSpc>
+              <a:spcBef>
+                <a:spcPts val="813"/>
+              </a:spcBef>
+              <a:spcAft>
+                <a:spcPts val="0"/>
+              </a:spcAft>
+              <a:buSzPts val="2000"/>
+              <a:buFont typeface="Arial"/>
+              <a:buNone/>
+            </a:pPr>
+            <a:r>
+              <a:rPr lang="en-US" altLang="ja-JP" sz="2400" b="1" dirty="0" err="1"/>
+              <a:t>家族の人数</a:t>
+            </a:r>
+            <a:endParaRPr lang="en-US" altLang="ja-JP" sz="2400" dirty="0"/>
+          </a:p>
+          <a:p>
+            <a:pPr>
+              <a:lnSpc>
+                <a:spcPct val="150000"/>
+              </a:lnSpc>
+            </a:pPr>
+            <a:r>
+              <a:rPr lang="en-US" altLang="ja-JP" sz="2400" dirty="0" err="1"/>
               <a:t>同乗する家族の人数が一定数を超えると、避難経路の確保が困難になったり</a:t>
             </a:r>
             <a:r>
-              <a:rPr lang="en-US" sz="2400" dirty="0"/>
+              <a:rPr lang="en-US" altLang="ja-JP" sz="2400" dirty="0"/>
               <a:t>、</a:t>
             </a:r>
             <a:br>
-              <a:rPr lang="en-US" sz="2400" dirty="0"/>
+              <a:rPr lang="en-US" altLang="ja-JP" sz="2400" dirty="0"/>
             </a:br>
             <a:r>
-              <a:rPr lang="en-US" sz="2400" dirty="0" err="1"/>
+              <a:rPr lang="en-US" altLang="ja-JP" sz="2400" dirty="0" err="1"/>
               <a:t>家族の安全確保を優先して救援活動に参加したりといった行動により</a:t>
             </a:r>
             <a:r>
-              <a:rPr lang="en-US" sz="2400" dirty="0"/>
+              <a:rPr lang="en-US" altLang="ja-JP" sz="2400" dirty="0"/>
               <a:t>、</a:t>
             </a:r>
             <a:br>
-              <a:rPr lang="en-US" sz="2400" dirty="0"/>
+              <a:rPr lang="en-US" altLang="ja-JP" sz="2400" dirty="0"/>
             </a:br>
             <a:r>
-              <a:rPr lang="en-US" sz="2400" dirty="0" err="1"/>
+              <a:rPr lang="en-US" altLang="ja-JP" sz="2400" dirty="0" err="1"/>
               <a:t>生存率の大幅な低下を招いた可能性がある</a:t>
             </a:r>
-            <a:endParaRPr lang="en-US" sz="2400" dirty="0"/>
+            <a:endParaRPr lang="en-US" altLang="ja-JP" sz="2400" b="1" dirty="0"/>
+          </a:p>
+          <a:p>
+            <a:pPr marL="101600" lvl="0" indent="0" algn="l" rtl="0">
+              <a:lnSpc>
+                <a:spcPct val="150000"/>
+              </a:lnSpc>
+              <a:spcBef>
+                <a:spcPts val="813"/>
+              </a:spcBef>
+              <a:spcAft>
+                <a:spcPts val="0"/>
+              </a:spcAft>
+              <a:buSzPts val="2000"/>
+              <a:buFont typeface="Arial"/>
+              <a:buNone/>
+            </a:pPr>
+            <a:r>
+              <a:rPr lang="en-US" altLang="ja-JP" sz="2400" b="1" dirty="0" err="1"/>
+              <a:t>チケット料金</a:t>
+            </a:r>
+            <a:endParaRPr lang="en-US" altLang="ja-JP" sz="2400" dirty="0"/>
+          </a:p>
+          <a:p>
+            <a:pPr>
+              <a:lnSpc>
+                <a:spcPct val="150000"/>
+              </a:lnSpc>
+            </a:pPr>
+            <a:r>
+              <a:rPr lang="en-US" altLang="ja-JP" sz="2400" dirty="0" err="1"/>
+              <a:t>等級の低いチケットの乗客は、簡素な設備による避難経路へのアクセスの悪さ</a:t>
+            </a:r>
+            <a:r>
+              <a:rPr lang="en-US" altLang="ja-JP" sz="2400" dirty="0"/>
+              <a:t>、</a:t>
+            </a:r>
+            <a:br>
+              <a:rPr lang="en-US" altLang="ja-JP" sz="2400" dirty="0"/>
+            </a:br>
+            <a:r>
+              <a:rPr lang="en-US" altLang="ja-JP" sz="2400" dirty="0" err="1"/>
+              <a:t>アナウンスの遅れなどにより避難が遅れた状況が予想される</a:t>
+            </a:r>
+            <a:endParaRPr lang="en-US" altLang="ja-JP" sz="2400" dirty="0"/>
           </a:p>
           <a:p>
             <a:pPr marL="101600" indent="0">
@@ -9737,10 +11190,132 @@
           </a:p>
         </p:txBody>
       </p:sp>
+      <p:grpSp>
+        <p:nvGrpSpPr>
+          <p:cNvPr id="2" name="グループ化 1">
+            <a:extLst>
+              <a:ext uri="{FF2B5EF4-FFF2-40B4-BE49-F238E27FC236}">
+                <a16:creationId xmlns:a16="http://schemas.microsoft.com/office/drawing/2014/main" id="{A3A974C9-71CD-7E69-4711-5D6FEB2C5F46}"/>
+              </a:ext>
+            </a:extLst>
+          </p:cNvPr>
+          <p:cNvGrpSpPr/>
+          <p:nvPr/>
+        </p:nvGrpSpPr>
+        <p:grpSpPr>
+          <a:xfrm>
+            <a:off x="8987804" y="2958354"/>
+            <a:ext cx="2869232" cy="2208192"/>
+            <a:chOff x="5313914" y="961272"/>
+            <a:chExt cx="6543122" cy="6111647"/>
+          </a:xfrm>
+        </p:grpSpPr>
+        <p:pic>
+          <p:nvPicPr>
+            <p:cNvPr id="3" name="図 2" descr="グラフ, 棒グラフ&#10;&#10;自動的に生成された説明">
+              <a:extLst>
+                <a:ext uri="{FF2B5EF4-FFF2-40B4-BE49-F238E27FC236}">
+                  <a16:creationId xmlns:a16="http://schemas.microsoft.com/office/drawing/2014/main" id="{8BD72E0A-EBF8-2787-B9D6-EA27D419E25F}"/>
+                </a:ext>
+              </a:extLst>
+            </p:cNvPr>
+            <p:cNvPicPr>
+              <a:picLocks noChangeAspect="1"/>
+            </p:cNvPicPr>
+            <p:nvPr/>
+          </p:nvPicPr>
+          <p:blipFill>
+            <a:blip r:embed="rId3"/>
+            <a:stretch>
+              <a:fillRect/>
+            </a:stretch>
+          </p:blipFill>
+          <p:spPr>
+            <a:xfrm>
+              <a:off x="5373405" y="961272"/>
+              <a:ext cx="6483631" cy="5173806"/>
+            </a:xfrm>
+            <a:prstGeom prst="rect">
+              <a:avLst/>
+            </a:prstGeom>
+          </p:spPr>
+        </p:pic>
+        <p:pic>
+          <p:nvPicPr>
+            <p:cNvPr id="4" name="図 3" descr="棒グラフ が含まれている画像&#10;&#10;自動的に生成された説明">
+              <a:extLst>
+                <a:ext uri="{FF2B5EF4-FFF2-40B4-BE49-F238E27FC236}">
+                  <a16:creationId xmlns:a16="http://schemas.microsoft.com/office/drawing/2014/main" id="{7A8D1F88-51BF-9829-933F-4F81BECEC5D4}"/>
+                </a:ext>
+              </a:extLst>
+            </p:cNvPr>
+            <p:cNvPicPr>
+              <a:picLocks noChangeAspect="1"/>
+            </p:cNvPicPr>
+            <p:nvPr/>
+          </p:nvPicPr>
+          <p:blipFill>
+            <a:blip r:embed="rId4"/>
+            <a:stretch>
+              <a:fillRect/>
+            </a:stretch>
+          </p:blipFill>
+          <p:spPr>
+            <a:xfrm>
+              <a:off x="5313914" y="5993419"/>
+              <a:ext cx="1651000" cy="1079500"/>
+            </a:xfrm>
+            <a:prstGeom prst="rect">
+              <a:avLst/>
+            </a:prstGeom>
+          </p:spPr>
+        </p:pic>
+        <p:sp>
+          <p:nvSpPr>
+            <p:cNvPr id="5" name="テキスト ボックス 4">
+              <a:extLst>
+                <a:ext uri="{FF2B5EF4-FFF2-40B4-BE49-F238E27FC236}">
+                  <a16:creationId xmlns:a16="http://schemas.microsoft.com/office/drawing/2014/main" id="{F1A315C1-315E-700B-EA68-ED6F05945369}"/>
+                </a:ext>
+              </a:extLst>
+            </p:cNvPr>
+            <p:cNvSpPr txBox="1"/>
+            <p:nvPr/>
+          </p:nvSpPr>
+          <p:spPr>
+            <a:xfrm>
+              <a:off x="6905424" y="5681332"/>
+              <a:ext cx="3828101" cy="851839"/>
+            </a:xfrm>
+            <a:prstGeom prst="rect">
+              <a:avLst/>
+            </a:prstGeom>
+            <a:solidFill>
+              <a:srgbClr val="FFFFFF"/>
+            </a:solidFill>
+          </p:spPr>
+          <p:txBody>
+            <a:bodyPr wrap="none" rtlCol="0">
+              <a:spAutoFit/>
+            </a:bodyPr>
+            <a:lstStyle/>
+            <a:p>
+              <a:pPr algn="l"/>
+              <a:r>
+                <a:rPr kumimoji="1" lang="ja-JP" altLang="en-US">
+                  <a:latin typeface="Meiryo UI" panose="020B0604030504040204" pitchFamily="34" charset="-128"/>
+                  <a:ea typeface="Meiryo UI" panose="020B0604030504040204" pitchFamily="34" charset="-128"/>
+                </a:rPr>
+                <a:t>同乗した家族の人数</a:t>
+              </a:r>
+            </a:p>
+          </p:txBody>
+        </p:sp>
+      </p:grpSp>
     </p:spTree>
     <p:extLst>
       <p:ext uri="{BB962C8B-B14F-4D97-AF65-F5344CB8AC3E}">
-        <p14:creationId xmlns:p14="http://schemas.microsoft.com/office/powerpoint/2010/main" val="3659850061"/>
+        <p14:creationId xmlns:p14="http://schemas.microsoft.com/office/powerpoint/2010/main" val="3033150490"/>
       </p:ext>
     </p:extLst>
   </p:cSld>
@@ -9750,7 +11325,319 @@
 </p:sld>
 </file>
 
-<file path=ppt/slides/slide14.xml><?xml version="1.0" encoding="utf-8"?>
+<file path=ppt/slides/slide16.xml><?xml version="1.0" encoding="utf-8"?>
+<p:sld xmlns:a="http://schemas.openxmlformats.org/drawingml/2006/main" xmlns:r="http://schemas.openxmlformats.org/officeDocument/2006/relationships" xmlns:p="http://schemas.openxmlformats.org/presentationml/2006/main">
+  <p:cSld>
+    <p:spTree>
+      <p:nvGrpSpPr>
+        <p:cNvPr id="1" name="Shape 53"/>
+        <p:cNvGrpSpPr/>
+        <p:nvPr/>
+      </p:nvGrpSpPr>
+      <p:grpSpPr>
+        <a:xfrm>
+          <a:off x="0" y="0"/>
+          <a:ext cx="0" cy="0"/>
+          <a:chOff x="0" y="0"/>
+          <a:chExt cx="0" cy="0"/>
+        </a:xfrm>
+      </p:grpSpPr>
+      <p:sp>
+        <p:nvSpPr>
+          <p:cNvPr id="54" name="Google Shape;54;p2"/>
+          <p:cNvSpPr txBox="1">
+            <a:spLocks noGrp="1"/>
+          </p:cNvSpPr>
+          <p:nvPr>
+            <p:ph type="title"/>
+          </p:nvPr>
+        </p:nvSpPr>
+        <p:spPr>
+          <a:prstGeom prst="rect">
+            <a:avLst/>
+          </a:prstGeom>
+          <a:noFill/>
+          <a:ln>
+            <a:noFill/>
+          </a:ln>
+        </p:spPr>
+        <p:txBody>
+          <a:bodyPr spcFirstLastPara="1" wrap="square" lIns="91425" tIns="45700" rIns="91425" bIns="45700" anchor="ctr" anchorCtr="0">
+            <a:normAutofit/>
+          </a:bodyPr>
+          <a:lstStyle/>
+          <a:p>
+            <a:pPr marL="225425" lvl="0" indent="0" algn="l" rtl="0">
+              <a:lnSpc>
+                <a:spcPct val="90000"/>
+              </a:lnSpc>
+              <a:spcBef>
+                <a:spcPts val="0"/>
+              </a:spcBef>
+              <a:spcAft>
+                <a:spcPts val="0"/>
+              </a:spcAft>
+              <a:buClr>
+                <a:schemeClr val="lt1"/>
+              </a:buClr>
+              <a:buSzPts val="1800"/>
+              <a:buFont typeface="Arial"/>
+              <a:buNone/>
+            </a:pPr>
+            <a:r>
+              <a:rPr lang="en-US" dirty="0" err="1"/>
+              <a:t>考察</a:t>
+            </a:r>
+            <a:endParaRPr dirty="0"/>
+          </a:p>
+        </p:txBody>
+      </p:sp>
+      <p:sp>
+        <p:nvSpPr>
+          <p:cNvPr id="55" name="Google Shape;55;p2"/>
+          <p:cNvSpPr txBox="1">
+            <a:spLocks noGrp="1"/>
+          </p:cNvSpPr>
+          <p:nvPr>
+            <p:ph type="body" idx="1"/>
+          </p:nvPr>
+        </p:nvSpPr>
+        <p:spPr>
+          <a:prstGeom prst="rect">
+            <a:avLst/>
+          </a:prstGeom>
+          <a:noFill/>
+          <a:ln>
+            <a:noFill/>
+          </a:ln>
+        </p:spPr>
+        <p:txBody>
+          <a:bodyPr spcFirstLastPara="1" wrap="square" lIns="91425" tIns="45700" rIns="91425" bIns="45700" anchor="t" anchorCtr="0">
+            <a:normAutofit fontScale="77500" lnSpcReduction="20000"/>
+          </a:bodyPr>
+          <a:lstStyle/>
+          <a:p>
+            <a:pPr marL="101600" indent="0">
+              <a:lnSpc>
+                <a:spcPct val="150000"/>
+              </a:lnSpc>
+              <a:buNone/>
+            </a:pPr>
+            <a:r>
+              <a:rPr lang="ja-JP" altLang="en-US" sz="2400" b="1"/>
+              <a:t>性別</a:t>
+            </a:r>
+          </a:p>
+          <a:p>
+            <a:pPr>
+              <a:lnSpc>
+                <a:spcPct val="150000"/>
+              </a:lnSpc>
+            </a:pPr>
+            <a:r>
+              <a:rPr lang="en-US" altLang="ja-JP" sz="2400" dirty="0" err="1"/>
+              <a:t>女性優先の方針通り避難が行われたが</a:t>
+            </a:r>
+            <a:r>
+              <a:rPr lang="en-US" altLang="ja-JP" sz="2400" dirty="0"/>
+              <a:t>、</a:t>
+            </a:r>
+            <a:br>
+              <a:rPr lang="en-US" altLang="ja-JP" sz="2400" dirty="0"/>
+            </a:br>
+            <a:r>
+              <a:rPr lang="en-US" altLang="ja-JP" sz="2400" dirty="0" err="1"/>
+              <a:t>救命ボート運用の失策により、後回しとなった男性の多くが犠牲となった</a:t>
+            </a:r>
+            <a:endParaRPr lang="en-US" altLang="ja-JP" sz="2400" dirty="0"/>
+          </a:p>
+          <a:p>
+            <a:pPr marL="101600" lvl="0" indent="0" algn="l" rtl="0">
+              <a:lnSpc>
+                <a:spcPct val="150000"/>
+              </a:lnSpc>
+              <a:spcBef>
+                <a:spcPts val="813"/>
+              </a:spcBef>
+              <a:spcAft>
+                <a:spcPts val="0"/>
+              </a:spcAft>
+              <a:buSzPts val="2000"/>
+              <a:buFont typeface="Arial"/>
+              <a:buNone/>
+            </a:pPr>
+            <a:r>
+              <a:rPr lang="en-US" altLang="ja-JP" sz="2400" b="1" dirty="0" err="1"/>
+              <a:t>年齢</a:t>
+            </a:r>
+            <a:endParaRPr lang="en-US" altLang="ja-JP" sz="2400" dirty="0"/>
+          </a:p>
+          <a:p>
+            <a:pPr>
+              <a:lnSpc>
+                <a:spcPct val="150000"/>
+              </a:lnSpc>
+            </a:pPr>
+            <a:r>
+              <a:rPr lang="en-US" altLang="ja-JP" sz="2400" dirty="0"/>
+              <a:t>子ども優先の方針により、10歳未満の子どもの高い生存率が見られる</a:t>
+            </a:r>
+          </a:p>
+          <a:p>
+            <a:pPr marL="101600" lvl="0" indent="0" algn="l" rtl="0">
+              <a:lnSpc>
+                <a:spcPct val="150000"/>
+              </a:lnSpc>
+              <a:spcBef>
+                <a:spcPts val="813"/>
+              </a:spcBef>
+              <a:spcAft>
+                <a:spcPts val="0"/>
+              </a:spcAft>
+              <a:buSzPts val="2000"/>
+              <a:buFont typeface="Arial"/>
+              <a:buNone/>
+            </a:pPr>
+            <a:r>
+              <a:rPr lang="en-US" altLang="ja-JP" sz="2400" b="1" dirty="0" err="1"/>
+              <a:t>家族の人数</a:t>
+            </a:r>
+            <a:endParaRPr lang="en-US" altLang="ja-JP" sz="2400" dirty="0"/>
+          </a:p>
+          <a:p>
+            <a:pPr>
+              <a:lnSpc>
+                <a:spcPct val="150000"/>
+              </a:lnSpc>
+            </a:pPr>
+            <a:r>
+              <a:rPr lang="en-US" altLang="ja-JP" sz="2400" dirty="0" err="1"/>
+              <a:t>同乗する家族の人数が一定数を超えると、避難経路の確保が困難になったり</a:t>
+            </a:r>
+            <a:r>
+              <a:rPr lang="en-US" altLang="ja-JP" sz="2400" dirty="0"/>
+              <a:t>、</a:t>
+            </a:r>
+            <a:br>
+              <a:rPr lang="en-US" altLang="ja-JP" sz="2400" dirty="0"/>
+            </a:br>
+            <a:r>
+              <a:rPr lang="en-US" altLang="ja-JP" sz="2400" dirty="0" err="1"/>
+              <a:t>家族の安全確保を優先して救援活動に参加したりといった行動により</a:t>
+            </a:r>
+            <a:r>
+              <a:rPr lang="en-US" altLang="ja-JP" sz="2400" dirty="0"/>
+              <a:t>、</a:t>
+            </a:r>
+            <a:br>
+              <a:rPr lang="en-US" altLang="ja-JP" sz="2400" dirty="0"/>
+            </a:br>
+            <a:r>
+              <a:rPr lang="en-US" altLang="ja-JP" sz="2400" dirty="0" err="1"/>
+              <a:t>生存率の大幅な低下を招いた可能性がある</a:t>
+            </a:r>
+            <a:endParaRPr lang="en-US" altLang="ja-JP" sz="2400" b="1" dirty="0"/>
+          </a:p>
+          <a:p>
+            <a:pPr marL="101600" lvl="0" indent="0" algn="l" rtl="0">
+              <a:lnSpc>
+                <a:spcPct val="150000"/>
+              </a:lnSpc>
+              <a:spcBef>
+                <a:spcPts val="813"/>
+              </a:spcBef>
+              <a:spcAft>
+                <a:spcPts val="0"/>
+              </a:spcAft>
+              <a:buSzPts val="2000"/>
+              <a:buFont typeface="Arial"/>
+              <a:buNone/>
+            </a:pPr>
+            <a:r>
+              <a:rPr lang="en-US" altLang="ja-JP" sz="2400" b="1" dirty="0" err="1"/>
+              <a:t>チケット料金</a:t>
+            </a:r>
+            <a:endParaRPr lang="en-US" altLang="ja-JP" sz="2400" dirty="0"/>
+          </a:p>
+          <a:p>
+            <a:pPr>
+              <a:lnSpc>
+                <a:spcPct val="150000"/>
+              </a:lnSpc>
+            </a:pPr>
+            <a:r>
+              <a:rPr lang="ja-JP" altLang="en-US" sz="2400"/>
+              <a:t>料金帯</a:t>
+            </a:r>
+            <a:r>
+              <a:rPr lang="en-US" altLang="ja-JP" sz="2400" dirty="0" err="1"/>
+              <a:t>の低いチケットの乗客は、簡素な設備による避難経路へのアクセスの悪さ</a:t>
+            </a:r>
+            <a:r>
+              <a:rPr lang="en-US" altLang="ja-JP" sz="2400" dirty="0"/>
+              <a:t>、</a:t>
+            </a:r>
+            <a:br>
+              <a:rPr lang="en-US" altLang="ja-JP" sz="2400" dirty="0"/>
+            </a:br>
+            <a:r>
+              <a:rPr lang="en-US" altLang="ja-JP" sz="2400" dirty="0" err="1"/>
+              <a:t>アナウンスの遅れなどにより避難が遅れた状況が予想される</a:t>
+            </a:r>
+            <a:endParaRPr lang="en-US" altLang="ja-JP" sz="2400" dirty="0"/>
+          </a:p>
+          <a:p>
+            <a:pPr marL="101600" indent="0">
+              <a:buNone/>
+            </a:pPr>
+            <a:endParaRPr lang="en-US" altLang="ja-JP" sz="2400" dirty="0"/>
+          </a:p>
+        </p:txBody>
+      </p:sp>
+      <p:pic>
+        <p:nvPicPr>
+          <p:cNvPr id="2" name="図 1" descr="グラフ, 棒グラフ&#10;&#10;自動的に生成された説明">
+            <a:extLst>
+              <a:ext uri="{FF2B5EF4-FFF2-40B4-BE49-F238E27FC236}">
+                <a16:creationId xmlns:a16="http://schemas.microsoft.com/office/drawing/2014/main" id="{DB1B69B5-F37B-29F2-1C2B-3F99FFD1F816}"/>
+              </a:ext>
+            </a:extLst>
+          </p:cNvPr>
+          <p:cNvPicPr>
+            <a:picLocks noChangeAspect="1"/>
+          </p:cNvPicPr>
+          <p:nvPr/>
+        </p:nvPicPr>
+        <p:blipFill>
+          <a:blip r:embed="rId3"/>
+          <a:stretch>
+            <a:fillRect/>
+          </a:stretch>
+        </p:blipFill>
+        <p:spPr>
+          <a:xfrm>
+            <a:off x="8646459" y="4265679"/>
+            <a:ext cx="3210577" cy="2087722"/>
+          </a:xfrm>
+          <a:prstGeom prst="rect">
+            <a:avLst/>
+          </a:prstGeom>
+        </p:spPr>
+      </p:pic>
+    </p:spTree>
+    <p:extLst>
+      <p:ext uri="{BB962C8B-B14F-4D97-AF65-F5344CB8AC3E}">
+        <p14:creationId xmlns:p14="http://schemas.microsoft.com/office/powerpoint/2010/main" val="3779254153"/>
+      </p:ext>
+    </p:extLst>
+  </p:cSld>
+  <p:clrMapOvr>
+    <a:masterClrMapping/>
+  </p:clrMapOvr>
+</p:sld>
+</file>
+
+<file path=ppt/slides/slide17.xml><?xml version="1.0" encoding="utf-8"?>
 <p:sld xmlns:a="http://schemas.openxmlformats.org/drawingml/2006/main" xmlns:r="http://schemas.openxmlformats.org/officeDocument/2006/relationships" xmlns:p="http://schemas.openxmlformats.org/presentationml/2006/main">
   <p:cSld>
     <p:spTree>
@@ -9970,7 +11857,7 @@
             </a:pPr>
             <a:r>
               <a:rPr lang="ja-JP" altLang="en-US" sz="2400"/>
-              <a:t>家族のいる乗客の避難の遅れなど、</a:t>
+              <a:t>家族の多い乗客特有の行動による避難の遅れなど</a:t>
             </a:r>
             <a:endParaRPr lang="en-US" altLang="ja-JP" sz="2400" dirty="0"/>
           </a:p>
@@ -10040,7 +11927,7 @@
 </p:sld>
 </file>
 
-<file path=ppt/slides/slide15.xml><?xml version="1.0" encoding="utf-8"?>
+<file path=ppt/slides/slide18.xml><?xml version="1.0" encoding="utf-8"?>
 <p:sld xmlns:a="http://schemas.openxmlformats.org/drawingml/2006/main" xmlns:r="http://schemas.openxmlformats.org/officeDocument/2006/relationships" xmlns:p="http://schemas.openxmlformats.org/presentationml/2006/main">
   <p:cSld>
     <p:spTree>
@@ -10078,7 +11965,14 @@
           <a:bodyPr/>
           <a:lstStyle/>
           <a:p>
-            <a:endParaRPr kumimoji="1" lang="ja-JP" altLang="en-US"/>
+            <a:r>
+              <a:rPr lang="ja-JP" altLang="en-US"/>
+              <a:t>　お</a:t>
+            </a:r>
+            <a:r>
+              <a:rPr kumimoji="1" lang="ja-JP" altLang="en-US"/>
+              <a:t>わりに</a:t>
+            </a:r>
           </a:p>
         </p:txBody>
       </p:sp>
@@ -10133,7 +12027,2962 @@
 </p:sld>
 </file>
 
-<file path=ppt/slides/slide16.xml><?xml version="1.0" encoding="utf-8"?>
+<file path=ppt/slides/slide19.xml><?xml version="1.0" encoding="utf-8"?>
+<p:sld xmlns:a="http://schemas.openxmlformats.org/drawingml/2006/main" xmlns:r="http://schemas.openxmlformats.org/officeDocument/2006/relationships" xmlns:p="http://schemas.openxmlformats.org/presentationml/2006/main" show="0">
+  <p:cSld>
+    <p:spTree>
+      <p:nvGrpSpPr>
+        <p:cNvPr id="1" name="Shape 53"/>
+        <p:cNvGrpSpPr/>
+        <p:nvPr/>
+      </p:nvGrpSpPr>
+      <p:grpSpPr>
+        <a:xfrm>
+          <a:off x="0" y="0"/>
+          <a:ext cx="0" cy="0"/>
+          <a:chOff x="0" y="0"/>
+          <a:chExt cx="0" cy="0"/>
+        </a:xfrm>
+      </p:grpSpPr>
+      <p:sp>
+        <p:nvSpPr>
+          <p:cNvPr id="54" name="Google Shape;54;p2"/>
+          <p:cNvSpPr txBox="1">
+            <a:spLocks noGrp="1"/>
+          </p:cNvSpPr>
+          <p:nvPr>
+            <p:ph type="title"/>
+          </p:nvPr>
+        </p:nvSpPr>
+        <p:spPr>
+          <a:prstGeom prst="rect">
+            <a:avLst/>
+          </a:prstGeom>
+          <a:noFill/>
+          <a:ln>
+            <a:noFill/>
+          </a:ln>
+        </p:spPr>
+        <p:txBody>
+          <a:bodyPr spcFirstLastPara="1" wrap="square" lIns="91425" tIns="45700" rIns="91425" bIns="45700" anchor="ctr" anchorCtr="0">
+            <a:normAutofit/>
+          </a:bodyPr>
+          <a:lstStyle/>
+          <a:p>
+            <a:pPr marL="225425" lvl="0" indent="0" algn="l" rtl="0">
+              <a:lnSpc>
+                <a:spcPct val="90000"/>
+              </a:lnSpc>
+              <a:spcBef>
+                <a:spcPts val="0"/>
+              </a:spcBef>
+              <a:spcAft>
+                <a:spcPts val="0"/>
+              </a:spcAft>
+              <a:buClr>
+                <a:schemeClr val="lt1"/>
+              </a:buClr>
+              <a:buSzPts val="1800"/>
+              <a:buFont typeface="Arial"/>
+              <a:buNone/>
+            </a:pPr>
+            <a:r>
+              <a:rPr lang="en-US" dirty="0" err="1"/>
+              <a:t>実データ</a:t>
+            </a:r>
+            <a:endParaRPr dirty="0"/>
+          </a:p>
+        </p:txBody>
+      </p:sp>
+      <p:sp>
+        <p:nvSpPr>
+          <p:cNvPr id="55" name="Google Shape;55;p2"/>
+          <p:cNvSpPr txBox="1">
+            <a:spLocks noGrp="1"/>
+          </p:cNvSpPr>
+          <p:nvPr>
+            <p:ph type="body" idx="1"/>
+          </p:nvPr>
+        </p:nvSpPr>
+        <p:spPr>
+          <a:prstGeom prst="rect">
+            <a:avLst/>
+          </a:prstGeom>
+          <a:noFill/>
+          <a:ln>
+            <a:noFill/>
+          </a:ln>
+        </p:spPr>
+        <p:txBody>
+          <a:bodyPr spcFirstLastPara="1" wrap="square" lIns="91425" tIns="45700" rIns="91425" bIns="45700" anchor="t" anchorCtr="0">
+            <a:normAutofit/>
+          </a:bodyPr>
+          <a:lstStyle/>
+          <a:p>
+            <a:pPr marL="101600" lvl="0" indent="0" algn="l" rtl="0">
+              <a:lnSpc>
+                <a:spcPct val="90000"/>
+              </a:lnSpc>
+              <a:spcBef>
+                <a:spcPts val="813"/>
+              </a:spcBef>
+              <a:spcAft>
+                <a:spcPts val="0"/>
+              </a:spcAft>
+              <a:buSzPts val="2000"/>
+              <a:buFont typeface="Arial"/>
+              <a:buNone/>
+            </a:pPr>
+            <a:r>
+              <a:rPr lang="ja-JP" altLang="en-US" sz="2400"/>
+              <a:t>実際のデータは、以下のように格納されている</a:t>
+            </a:r>
+            <a:endParaRPr sz="2400" dirty="0"/>
+          </a:p>
+        </p:txBody>
+      </p:sp>
+      <p:graphicFrame>
+        <p:nvGraphicFramePr>
+          <p:cNvPr id="3" name="表 2">
+            <a:extLst>
+              <a:ext uri="{FF2B5EF4-FFF2-40B4-BE49-F238E27FC236}">
+                <a16:creationId xmlns:a16="http://schemas.microsoft.com/office/drawing/2014/main" id="{76249C6D-B5BD-2C26-5724-D207CE41782A}"/>
+              </a:ext>
+            </a:extLst>
+          </p:cNvPr>
+          <p:cNvGraphicFramePr>
+            <a:graphicFrameLocks noGrp="1"/>
+          </p:cNvGraphicFramePr>
+          <p:nvPr>
+            <p:extLst>
+              <p:ext uri="{D42A27DB-BD31-4B8C-83A1-F6EECF244321}">
+                <p14:modId xmlns:p14="http://schemas.microsoft.com/office/powerpoint/2010/main" val="741326459"/>
+              </p:ext>
+            </p:extLst>
+          </p:nvPr>
+        </p:nvGraphicFramePr>
+        <p:xfrm>
+          <a:off x="2032790" y="3955273"/>
+          <a:ext cx="9688701" cy="2040168"/>
+        </p:xfrm>
+        <a:graphic>
+          <a:graphicData uri="http://schemas.openxmlformats.org/drawingml/2006/table">
+            <a:tbl>
+              <a:tblPr/>
+              <a:tblGrid>
+                <a:gridCol w="2993364">
+                  <a:extLst>
+                    <a:ext uri="{9D8B030D-6E8A-4147-A177-3AD203B41FA5}">
+                      <a16:colId xmlns:a16="http://schemas.microsoft.com/office/drawing/2014/main" val="2269475007"/>
+                    </a:ext>
+                  </a:extLst>
+                </a:gridCol>
+                <a:gridCol w="993373">
+                  <a:extLst>
+                    <a:ext uri="{9D8B030D-6E8A-4147-A177-3AD203B41FA5}">
+                      <a16:colId xmlns:a16="http://schemas.microsoft.com/office/drawing/2014/main" val="645141256"/>
+                    </a:ext>
+                  </a:extLst>
+                </a:gridCol>
+                <a:gridCol w="609270">
+                  <a:extLst>
+                    <a:ext uri="{9D8B030D-6E8A-4147-A177-3AD203B41FA5}">
+                      <a16:colId xmlns:a16="http://schemas.microsoft.com/office/drawing/2014/main" val="3337041074"/>
+                    </a:ext>
+                  </a:extLst>
+                </a:gridCol>
+                <a:gridCol w="649004">
+                  <a:extLst>
+                    <a:ext uri="{9D8B030D-6E8A-4147-A177-3AD203B41FA5}">
+                      <a16:colId xmlns:a16="http://schemas.microsoft.com/office/drawing/2014/main" val="3135254946"/>
+                    </a:ext>
+                  </a:extLst>
+                </a:gridCol>
+                <a:gridCol w="490064">
+                  <a:extLst>
+                    <a:ext uri="{9D8B030D-6E8A-4147-A177-3AD203B41FA5}">
+                      <a16:colId xmlns:a16="http://schemas.microsoft.com/office/drawing/2014/main" val="2968417896"/>
+                    </a:ext>
+                  </a:extLst>
+                </a:gridCol>
+                <a:gridCol w="993373">
+                  <a:extLst>
+                    <a:ext uri="{9D8B030D-6E8A-4147-A177-3AD203B41FA5}">
+                      <a16:colId xmlns:a16="http://schemas.microsoft.com/office/drawing/2014/main" val="2999266411"/>
+                    </a:ext>
+                  </a:extLst>
+                </a:gridCol>
+                <a:gridCol w="993373">
+                  <a:extLst>
+                    <a:ext uri="{9D8B030D-6E8A-4147-A177-3AD203B41FA5}">
+                      <a16:colId xmlns:a16="http://schemas.microsoft.com/office/drawing/2014/main" val="3859069998"/>
+                    </a:ext>
+                  </a:extLst>
+                </a:gridCol>
+                <a:gridCol w="983440">
+                  <a:extLst>
+                    <a:ext uri="{9D8B030D-6E8A-4147-A177-3AD203B41FA5}">
+                      <a16:colId xmlns:a16="http://schemas.microsoft.com/office/drawing/2014/main" val="2495920591"/>
+                    </a:ext>
+                  </a:extLst>
+                </a:gridCol>
+                <a:gridCol w="983440">
+                  <a:extLst>
+                    <a:ext uri="{9D8B030D-6E8A-4147-A177-3AD203B41FA5}">
+                      <a16:colId xmlns:a16="http://schemas.microsoft.com/office/drawing/2014/main" val="205505515"/>
+                    </a:ext>
+                  </a:extLst>
+                </a:gridCol>
+              </a:tblGrid>
+              <a:tr h="581627">
+                <a:tc>
+                  <a:txBody>
+                    <a:bodyPr/>
+                    <a:lstStyle/>
+                    <a:p>
+                      <a:pPr algn="ctr" fontAlgn="ctr"/>
+                      <a:r>
+                        <a:rPr lang="en" sz="1800" b="1" i="0" u="none" strike="noStrike" dirty="0">
+                          <a:solidFill>
+                            <a:srgbClr val="FFFFFF"/>
+                          </a:solidFill>
+                          <a:effectLst/>
+                          <a:latin typeface="Helvetica Neue" panose="02000503000000020004" pitchFamily="2" charset="0"/>
+                          <a:ea typeface="游ゴシック" panose="020B0400000000000000" pitchFamily="34" charset="-128"/>
+                        </a:rPr>
+                        <a:t>Name</a:t>
+                      </a:r>
+                    </a:p>
+                  </a:txBody>
+                  <a:tcPr marL="8572" marR="8572" marT="8572" marB="0" anchor="ctr">
+                    <a:lnL>
+                      <a:noFill/>
+                    </a:lnL>
+                    <a:lnR>
+                      <a:noFill/>
+                    </a:lnR>
+                    <a:lnT w="6350" cap="flat" cmpd="sng" algn="ctr">
+                      <a:solidFill>
+                        <a:srgbClr val="5B9BD5"/>
+                      </a:solidFill>
+                      <a:prstDash val="solid"/>
+                      <a:round/>
+                      <a:headEnd type="none" w="med" len="med"/>
+                      <a:tailEnd type="none" w="med" len="med"/>
+                    </a:lnT>
+                    <a:lnB w="6350" cap="flat" cmpd="sng" algn="ctr">
+                      <a:solidFill>
+                        <a:srgbClr val="5B9BD5"/>
+                      </a:solidFill>
+                      <a:prstDash val="solid"/>
+                      <a:round/>
+                      <a:headEnd type="none" w="med" len="med"/>
+                      <a:tailEnd type="none" w="med" len="med"/>
+                    </a:lnB>
+                    <a:solidFill>
+                      <a:srgbClr val="203764"/>
+                    </a:solidFill>
+                  </a:tcPr>
+                </a:tc>
+                <a:tc>
+                  <a:txBody>
+                    <a:bodyPr/>
+                    <a:lstStyle/>
+                    <a:p>
+                      <a:pPr algn="ctr" fontAlgn="ctr"/>
+                      <a:r>
+                        <a:rPr lang="en" sz="1800" b="1" i="0" u="none" strike="noStrike">
+                          <a:solidFill>
+                            <a:srgbClr val="FFFFFF"/>
+                          </a:solidFill>
+                          <a:effectLst/>
+                          <a:latin typeface="Helvetica Neue" panose="02000503000000020004" pitchFamily="2" charset="0"/>
+                          <a:ea typeface="游ゴシック" panose="020B0400000000000000" pitchFamily="34" charset="-128"/>
+                        </a:rPr>
+                        <a:t>Sex</a:t>
+                      </a:r>
+                      <a:endParaRPr lang="en" sz="1800" b="1" i="0" u="none" strike="noStrike" dirty="0">
+                        <a:solidFill>
+                          <a:srgbClr val="FFFFFF"/>
+                        </a:solidFill>
+                        <a:effectLst/>
+                        <a:latin typeface="Helvetica Neue" panose="02000503000000020004" pitchFamily="2" charset="0"/>
+                        <a:ea typeface="游ゴシック" panose="020B0400000000000000" pitchFamily="34" charset="-128"/>
+                      </a:endParaRPr>
+                    </a:p>
+                  </a:txBody>
+                  <a:tcPr marL="8572" marR="8572" marT="8572" marB="0" anchor="ctr">
+                    <a:lnL>
+                      <a:noFill/>
+                    </a:lnL>
+                    <a:lnR>
+                      <a:noFill/>
+                    </a:lnR>
+                    <a:lnT w="6350" cap="flat" cmpd="sng" algn="ctr">
+                      <a:solidFill>
+                        <a:srgbClr val="5B9BD5"/>
+                      </a:solidFill>
+                      <a:prstDash val="solid"/>
+                      <a:round/>
+                      <a:headEnd type="none" w="med" len="med"/>
+                      <a:tailEnd type="none" w="med" len="med"/>
+                    </a:lnT>
+                    <a:lnB w="6350" cap="flat" cmpd="sng" algn="ctr">
+                      <a:solidFill>
+                        <a:srgbClr val="5B9BD5"/>
+                      </a:solidFill>
+                      <a:prstDash val="solid"/>
+                      <a:round/>
+                      <a:headEnd type="none" w="med" len="med"/>
+                      <a:tailEnd type="none" w="med" len="med"/>
+                    </a:lnB>
+                    <a:solidFill>
+                      <a:srgbClr val="203764"/>
+                    </a:solidFill>
+                  </a:tcPr>
+                </a:tc>
+                <a:tc>
+                  <a:txBody>
+                    <a:bodyPr/>
+                    <a:lstStyle/>
+                    <a:p>
+                      <a:pPr algn="ctr" fontAlgn="ctr"/>
+                      <a:r>
+                        <a:rPr lang="en" sz="1800" b="1" i="0" u="none" strike="noStrike">
+                          <a:solidFill>
+                            <a:srgbClr val="FFFFFF"/>
+                          </a:solidFill>
+                          <a:effectLst/>
+                          <a:latin typeface="Helvetica Neue" panose="02000503000000020004" pitchFamily="2" charset="0"/>
+                          <a:ea typeface="游ゴシック" panose="020B0400000000000000" pitchFamily="34" charset="-128"/>
+                        </a:rPr>
+                        <a:t>Age</a:t>
+                      </a:r>
+                    </a:p>
+                  </a:txBody>
+                  <a:tcPr marL="8572" marR="8572" marT="8572" marB="0" anchor="ctr">
+                    <a:lnL>
+                      <a:noFill/>
+                    </a:lnL>
+                    <a:lnR>
+                      <a:noFill/>
+                    </a:lnR>
+                    <a:lnT w="6350" cap="flat" cmpd="sng" algn="ctr">
+                      <a:solidFill>
+                        <a:srgbClr val="5B9BD5"/>
+                      </a:solidFill>
+                      <a:prstDash val="solid"/>
+                      <a:round/>
+                      <a:headEnd type="none" w="med" len="med"/>
+                      <a:tailEnd type="none" w="med" len="med"/>
+                    </a:lnT>
+                    <a:lnB w="6350" cap="flat" cmpd="sng" algn="ctr">
+                      <a:solidFill>
+                        <a:srgbClr val="5B9BD5"/>
+                      </a:solidFill>
+                      <a:prstDash val="solid"/>
+                      <a:round/>
+                      <a:headEnd type="none" w="med" len="med"/>
+                      <a:tailEnd type="none" w="med" len="med"/>
+                    </a:lnB>
+                    <a:solidFill>
+                      <a:srgbClr val="203764"/>
+                    </a:solidFill>
+                  </a:tcPr>
+                </a:tc>
+                <a:tc>
+                  <a:txBody>
+                    <a:bodyPr/>
+                    <a:lstStyle/>
+                    <a:p>
+                      <a:pPr algn="ctr" fontAlgn="ctr"/>
+                      <a:r>
+                        <a:rPr lang="en" sz="1800" b="1" i="0" u="none" strike="noStrike">
+                          <a:solidFill>
+                            <a:srgbClr val="FFFFFF"/>
+                          </a:solidFill>
+                          <a:effectLst/>
+                          <a:latin typeface="Helvetica Neue" panose="02000503000000020004" pitchFamily="2" charset="0"/>
+                          <a:ea typeface="游ゴシック" panose="020B0400000000000000" pitchFamily="34" charset="-128"/>
+                        </a:rPr>
+                        <a:t>SibSp</a:t>
+                      </a:r>
+                      <a:endParaRPr lang="en" sz="1800" b="1" i="0" u="none" strike="noStrike" dirty="0">
+                        <a:solidFill>
+                          <a:srgbClr val="FFFFFF"/>
+                        </a:solidFill>
+                        <a:effectLst/>
+                        <a:latin typeface="Helvetica Neue" panose="02000503000000020004" pitchFamily="2" charset="0"/>
+                        <a:ea typeface="游ゴシック" panose="020B0400000000000000" pitchFamily="34" charset="-128"/>
+                      </a:endParaRPr>
+                    </a:p>
+                  </a:txBody>
+                  <a:tcPr marL="8572" marR="8572" marT="8572" marB="0" anchor="ctr">
+                    <a:lnL>
+                      <a:noFill/>
+                    </a:lnL>
+                    <a:lnR>
+                      <a:noFill/>
+                    </a:lnR>
+                    <a:lnT w="6350" cap="flat" cmpd="sng" algn="ctr">
+                      <a:solidFill>
+                        <a:srgbClr val="5B9BD5"/>
+                      </a:solidFill>
+                      <a:prstDash val="solid"/>
+                      <a:round/>
+                      <a:headEnd type="none" w="med" len="med"/>
+                      <a:tailEnd type="none" w="med" len="med"/>
+                    </a:lnT>
+                    <a:lnB w="6350" cap="flat" cmpd="sng" algn="ctr">
+                      <a:solidFill>
+                        <a:srgbClr val="5B9BD5"/>
+                      </a:solidFill>
+                      <a:prstDash val="solid"/>
+                      <a:round/>
+                      <a:headEnd type="none" w="med" len="med"/>
+                      <a:tailEnd type="none" w="med" len="med"/>
+                    </a:lnB>
+                    <a:solidFill>
+                      <a:srgbClr val="203764"/>
+                    </a:solidFill>
+                  </a:tcPr>
+                </a:tc>
+                <a:tc>
+                  <a:txBody>
+                    <a:bodyPr/>
+                    <a:lstStyle/>
+                    <a:p>
+                      <a:pPr algn="ctr" fontAlgn="ctr"/>
+                      <a:r>
+                        <a:rPr lang="en" sz="1800" b="1" i="0" u="none" strike="noStrike">
+                          <a:solidFill>
+                            <a:srgbClr val="FFFFFF"/>
+                          </a:solidFill>
+                          <a:effectLst/>
+                          <a:latin typeface="Helvetica Neue" panose="02000503000000020004" pitchFamily="2" charset="0"/>
+                          <a:ea typeface="游ゴシック" panose="020B0400000000000000" pitchFamily="34" charset="-128"/>
+                        </a:rPr>
+                        <a:t>Parch</a:t>
+                      </a:r>
+                      <a:endParaRPr lang="en" sz="1800" b="1" i="0" u="none" strike="noStrike" dirty="0">
+                        <a:solidFill>
+                          <a:srgbClr val="FFFFFF"/>
+                        </a:solidFill>
+                        <a:effectLst/>
+                        <a:latin typeface="Helvetica Neue" panose="02000503000000020004" pitchFamily="2" charset="0"/>
+                        <a:ea typeface="游ゴシック" panose="020B0400000000000000" pitchFamily="34" charset="-128"/>
+                      </a:endParaRPr>
+                    </a:p>
+                  </a:txBody>
+                  <a:tcPr marL="8572" marR="8572" marT="8572" marB="0" anchor="ctr">
+                    <a:lnL>
+                      <a:noFill/>
+                    </a:lnL>
+                    <a:lnR>
+                      <a:noFill/>
+                    </a:lnR>
+                    <a:lnT w="6350" cap="flat" cmpd="sng" algn="ctr">
+                      <a:solidFill>
+                        <a:srgbClr val="5B9BD5"/>
+                      </a:solidFill>
+                      <a:prstDash val="solid"/>
+                      <a:round/>
+                      <a:headEnd type="none" w="med" len="med"/>
+                      <a:tailEnd type="none" w="med" len="med"/>
+                    </a:lnT>
+                    <a:lnB w="6350" cap="flat" cmpd="sng" algn="ctr">
+                      <a:solidFill>
+                        <a:srgbClr val="5B9BD5"/>
+                      </a:solidFill>
+                      <a:prstDash val="solid"/>
+                      <a:round/>
+                      <a:headEnd type="none" w="med" len="med"/>
+                      <a:tailEnd type="none" w="med" len="med"/>
+                    </a:lnB>
+                    <a:solidFill>
+                      <a:srgbClr val="203764"/>
+                    </a:solidFill>
+                  </a:tcPr>
+                </a:tc>
+                <a:tc>
+                  <a:txBody>
+                    <a:bodyPr/>
+                    <a:lstStyle/>
+                    <a:p>
+                      <a:pPr algn="ctr" fontAlgn="ctr"/>
+                      <a:r>
+                        <a:rPr lang="en" sz="1800" b="1" i="0" u="none" strike="noStrike">
+                          <a:solidFill>
+                            <a:srgbClr val="FFFFFF"/>
+                          </a:solidFill>
+                          <a:effectLst/>
+                          <a:latin typeface="Helvetica Neue" panose="02000503000000020004" pitchFamily="2" charset="0"/>
+                          <a:ea typeface="游ゴシック" panose="020B0400000000000000" pitchFamily="34" charset="-128"/>
+                        </a:rPr>
+                        <a:t>Ticket</a:t>
+                      </a:r>
+                      <a:endParaRPr lang="en" sz="1800" b="1" i="0" u="none" strike="noStrike" dirty="0">
+                        <a:solidFill>
+                          <a:srgbClr val="FFFFFF"/>
+                        </a:solidFill>
+                        <a:effectLst/>
+                        <a:latin typeface="Helvetica Neue" panose="02000503000000020004" pitchFamily="2" charset="0"/>
+                        <a:ea typeface="游ゴシック" panose="020B0400000000000000" pitchFamily="34" charset="-128"/>
+                      </a:endParaRPr>
+                    </a:p>
+                  </a:txBody>
+                  <a:tcPr marL="8572" marR="8572" marT="8572" marB="0" anchor="ctr">
+                    <a:lnL>
+                      <a:noFill/>
+                    </a:lnL>
+                    <a:lnR>
+                      <a:noFill/>
+                    </a:lnR>
+                    <a:lnT w="6350" cap="flat" cmpd="sng" algn="ctr">
+                      <a:solidFill>
+                        <a:srgbClr val="5B9BD5"/>
+                      </a:solidFill>
+                      <a:prstDash val="solid"/>
+                      <a:round/>
+                      <a:headEnd type="none" w="med" len="med"/>
+                      <a:tailEnd type="none" w="med" len="med"/>
+                    </a:lnT>
+                    <a:lnB w="6350" cap="flat" cmpd="sng" algn="ctr">
+                      <a:solidFill>
+                        <a:srgbClr val="5B9BD5"/>
+                      </a:solidFill>
+                      <a:prstDash val="solid"/>
+                      <a:round/>
+                      <a:headEnd type="none" w="med" len="med"/>
+                      <a:tailEnd type="none" w="med" len="med"/>
+                    </a:lnB>
+                    <a:solidFill>
+                      <a:srgbClr val="203764"/>
+                    </a:solidFill>
+                  </a:tcPr>
+                </a:tc>
+                <a:tc>
+                  <a:txBody>
+                    <a:bodyPr/>
+                    <a:lstStyle/>
+                    <a:p>
+                      <a:pPr algn="ctr" fontAlgn="ctr"/>
+                      <a:r>
+                        <a:rPr lang="en" sz="1800" b="1" i="0" u="none" strike="noStrike">
+                          <a:solidFill>
+                            <a:srgbClr val="FFFFFF"/>
+                          </a:solidFill>
+                          <a:effectLst/>
+                          <a:latin typeface="Helvetica Neue" panose="02000503000000020004" pitchFamily="2" charset="0"/>
+                          <a:ea typeface="游ゴシック" panose="020B0400000000000000" pitchFamily="34" charset="-128"/>
+                        </a:rPr>
+                        <a:t>Fare</a:t>
+                      </a:r>
+                    </a:p>
+                  </a:txBody>
+                  <a:tcPr marL="8572" marR="8572" marT="8572" marB="0" anchor="ctr">
+                    <a:lnL>
+                      <a:noFill/>
+                    </a:lnL>
+                    <a:lnR>
+                      <a:noFill/>
+                    </a:lnR>
+                    <a:lnT w="6350" cap="flat" cmpd="sng" algn="ctr">
+                      <a:solidFill>
+                        <a:srgbClr val="5B9BD5"/>
+                      </a:solidFill>
+                      <a:prstDash val="solid"/>
+                      <a:round/>
+                      <a:headEnd type="none" w="med" len="med"/>
+                      <a:tailEnd type="none" w="med" len="med"/>
+                    </a:lnT>
+                    <a:lnB w="6350" cap="flat" cmpd="sng" algn="ctr">
+                      <a:solidFill>
+                        <a:srgbClr val="5B9BD5"/>
+                      </a:solidFill>
+                      <a:prstDash val="solid"/>
+                      <a:round/>
+                      <a:headEnd type="none" w="med" len="med"/>
+                      <a:tailEnd type="none" w="med" len="med"/>
+                    </a:lnB>
+                    <a:solidFill>
+                      <a:srgbClr val="203764"/>
+                    </a:solidFill>
+                  </a:tcPr>
+                </a:tc>
+                <a:tc>
+                  <a:txBody>
+                    <a:bodyPr/>
+                    <a:lstStyle/>
+                    <a:p>
+                      <a:pPr algn="ctr" fontAlgn="ctr"/>
+                      <a:r>
+                        <a:rPr lang="en" sz="1800" b="1" i="0" u="none" strike="noStrike">
+                          <a:solidFill>
+                            <a:srgbClr val="FFFFFF"/>
+                          </a:solidFill>
+                          <a:effectLst/>
+                          <a:latin typeface="Helvetica Neue" panose="02000503000000020004" pitchFamily="2" charset="0"/>
+                          <a:ea typeface="游ゴシック" panose="020B0400000000000000" pitchFamily="34" charset="-128"/>
+                        </a:rPr>
+                        <a:t>Cabin</a:t>
+                      </a:r>
+                    </a:p>
+                  </a:txBody>
+                  <a:tcPr marL="8572" marR="8572" marT="8572" marB="0" anchor="ctr">
+                    <a:lnL>
+                      <a:noFill/>
+                    </a:lnL>
+                    <a:lnR>
+                      <a:noFill/>
+                    </a:lnR>
+                    <a:lnT w="6350" cap="flat" cmpd="sng" algn="ctr">
+                      <a:solidFill>
+                        <a:srgbClr val="5B9BD5"/>
+                      </a:solidFill>
+                      <a:prstDash val="solid"/>
+                      <a:round/>
+                      <a:headEnd type="none" w="med" len="med"/>
+                      <a:tailEnd type="none" w="med" len="med"/>
+                    </a:lnT>
+                    <a:lnB w="6350" cap="flat" cmpd="sng" algn="ctr">
+                      <a:solidFill>
+                        <a:srgbClr val="5B9BD5"/>
+                      </a:solidFill>
+                      <a:prstDash val="solid"/>
+                      <a:round/>
+                      <a:headEnd type="none" w="med" len="med"/>
+                      <a:tailEnd type="none" w="med" len="med"/>
+                    </a:lnB>
+                    <a:solidFill>
+                      <a:srgbClr val="203764"/>
+                    </a:solidFill>
+                  </a:tcPr>
+                </a:tc>
+                <a:tc>
+                  <a:txBody>
+                    <a:bodyPr/>
+                    <a:lstStyle/>
+                    <a:p>
+                      <a:pPr algn="ctr" fontAlgn="ctr"/>
+                      <a:r>
+                        <a:rPr lang="en" sz="1800" b="1" i="0" u="none" strike="noStrike">
+                          <a:solidFill>
+                            <a:srgbClr val="FFFFFF"/>
+                          </a:solidFill>
+                          <a:effectLst/>
+                          <a:latin typeface="Helvetica Neue" panose="02000503000000020004" pitchFamily="2" charset="0"/>
+                          <a:ea typeface="游ゴシック" panose="020B0400000000000000" pitchFamily="34" charset="-128"/>
+                        </a:rPr>
+                        <a:t>Embarked</a:t>
+                      </a:r>
+                    </a:p>
+                  </a:txBody>
+                  <a:tcPr marL="8572" marR="8572" marT="8572" marB="0" anchor="ctr">
+                    <a:lnL>
+                      <a:noFill/>
+                    </a:lnL>
+                    <a:lnR w="6350" cap="flat" cmpd="sng" algn="ctr">
+                      <a:solidFill>
+                        <a:srgbClr val="5B9BD5"/>
+                      </a:solidFill>
+                      <a:prstDash val="solid"/>
+                      <a:round/>
+                      <a:headEnd type="none" w="med" len="med"/>
+                      <a:tailEnd type="none" w="med" len="med"/>
+                    </a:lnR>
+                    <a:lnT w="6350" cap="flat" cmpd="sng" algn="ctr">
+                      <a:solidFill>
+                        <a:srgbClr val="5B9BD5"/>
+                      </a:solidFill>
+                      <a:prstDash val="solid"/>
+                      <a:round/>
+                      <a:headEnd type="none" w="med" len="med"/>
+                      <a:tailEnd type="none" w="med" len="med"/>
+                    </a:lnT>
+                    <a:lnB w="6350" cap="flat" cmpd="sng" algn="ctr">
+                      <a:solidFill>
+                        <a:srgbClr val="5B9BD5"/>
+                      </a:solidFill>
+                      <a:prstDash val="solid"/>
+                      <a:round/>
+                      <a:headEnd type="none" w="med" len="med"/>
+                      <a:tailEnd type="none" w="med" len="med"/>
+                    </a:lnB>
+                    <a:solidFill>
+                      <a:srgbClr val="203764"/>
+                    </a:solidFill>
+                  </a:tcPr>
+                </a:tc>
+                <a:extLst>
+                  <a:ext uri="{0D108BD9-81ED-4DB2-BD59-A6C34878D82A}">
+                    <a16:rowId xmlns:a16="http://schemas.microsoft.com/office/drawing/2014/main" val="1612014265"/>
+                  </a:ext>
+                </a:extLst>
+              </a:tr>
+              <a:tr h="581627">
+                <a:tc>
+                  <a:txBody>
+                    <a:bodyPr/>
+                    <a:lstStyle/>
+                    <a:p>
+                      <a:pPr algn="ctr" fontAlgn="ctr"/>
+                      <a:r>
+                        <a:rPr lang="en" sz="1800" b="0" i="0" u="none" strike="noStrike">
+                          <a:solidFill>
+                            <a:srgbClr val="000000"/>
+                          </a:solidFill>
+                          <a:effectLst/>
+                          <a:latin typeface="Helvetica Neue" panose="02000503000000020004" pitchFamily="2" charset="0"/>
+                          <a:ea typeface="游ゴシック" panose="020B0400000000000000" pitchFamily="34" charset="-128"/>
+                        </a:rPr>
+                        <a:t>Thomas, Master. Assad Alexander</a:t>
+                      </a:r>
+                    </a:p>
+                  </a:txBody>
+                  <a:tcPr marL="8572" marR="8572" marT="8572" marB="0" anchor="ctr">
+                    <a:lnL>
+                      <a:noFill/>
+                    </a:lnL>
+                    <a:lnR>
+                      <a:noFill/>
+                    </a:lnR>
+                    <a:lnT w="6350" cap="flat" cmpd="sng" algn="ctr">
+                      <a:solidFill>
+                        <a:srgbClr val="5B9BD5"/>
+                      </a:solidFill>
+                      <a:prstDash val="solid"/>
+                      <a:round/>
+                      <a:headEnd type="none" w="med" len="med"/>
+                      <a:tailEnd type="none" w="med" len="med"/>
+                    </a:lnT>
+                    <a:lnB w="6350" cap="flat" cmpd="sng" algn="ctr">
+                      <a:solidFill>
+                        <a:srgbClr val="5B9BD5"/>
+                      </a:solidFill>
+                      <a:prstDash val="solid"/>
+                      <a:round/>
+                      <a:headEnd type="none" w="med" len="med"/>
+                      <a:tailEnd type="none" w="med" len="med"/>
+                    </a:lnB>
+                  </a:tcPr>
+                </a:tc>
+                <a:tc>
+                  <a:txBody>
+                    <a:bodyPr/>
+                    <a:lstStyle/>
+                    <a:p>
+                      <a:pPr algn="ctr" fontAlgn="ctr"/>
+                      <a:r>
+                        <a:rPr lang="en" sz="1800" b="0" i="0" u="none" strike="noStrike">
+                          <a:solidFill>
+                            <a:srgbClr val="000000"/>
+                          </a:solidFill>
+                          <a:effectLst/>
+                          <a:latin typeface="Helvetica Neue" panose="02000503000000020004" pitchFamily="2" charset="0"/>
+                          <a:ea typeface="游ゴシック" panose="020B0400000000000000" pitchFamily="34" charset="-128"/>
+                        </a:rPr>
+                        <a:t>male</a:t>
+                      </a:r>
+                      <a:endParaRPr lang="en" sz="1800" b="0" i="0" u="none" strike="noStrike" dirty="0">
+                        <a:solidFill>
+                          <a:srgbClr val="000000"/>
+                        </a:solidFill>
+                        <a:effectLst/>
+                        <a:latin typeface="Helvetica Neue" panose="02000503000000020004" pitchFamily="2" charset="0"/>
+                        <a:ea typeface="游ゴシック" panose="020B0400000000000000" pitchFamily="34" charset="-128"/>
+                      </a:endParaRPr>
+                    </a:p>
+                  </a:txBody>
+                  <a:tcPr marL="8572" marR="8572" marT="8572" marB="0" anchor="ctr">
+                    <a:lnL>
+                      <a:noFill/>
+                    </a:lnL>
+                    <a:lnR>
+                      <a:noFill/>
+                    </a:lnR>
+                    <a:lnT w="6350" cap="flat" cmpd="sng" algn="ctr">
+                      <a:solidFill>
+                        <a:srgbClr val="5B9BD5"/>
+                      </a:solidFill>
+                      <a:prstDash val="solid"/>
+                      <a:round/>
+                      <a:headEnd type="none" w="med" len="med"/>
+                      <a:tailEnd type="none" w="med" len="med"/>
+                    </a:lnT>
+                    <a:lnB w="6350" cap="flat" cmpd="sng" algn="ctr">
+                      <a:solidFill>
+                        <a:srgbClr val="5B9BD5"/>
+                      </a:solidFill>
+                      <a:prstDash val="solid"/>
+                      <a:round/>
+                      <a:headEnd type="none" w="med" len="med"/>
+                      <a:tailEnd type="none" w="med" len="med"/>
+                    </a:lnB>
+                  </a:tcPr>
+                </a:tc>
+                <a:tc>
+                  <a:txBody>
+                    <a:bodyPr/>
+                    <a:lstStyle/>
+                    <a:p>
+                      <a:pPr algn="r" fontAlgn="ctr"/>
+                      <a:r>
+                        <a:rPr lang="en-US" altLang="ja-JP" sz="1800" b="0" i="0" u="none" strike="noStrike">
+                          <a:solidFill>
+                            <a:srgbClr val="000000"/>
+                          </a:solidFill>
+                          <a:effectLst/>
+                          <a:latin typeface="Helvetica Neue" panose="02000503000000020004" pitchFamily="2" charset="0"/>
+                          <a:ea typeface="游ゴシック" panose="020B0400000000000000" pitchFamily="34" charset="-128"/>
+                        </a:rPr>
+                        <a:t>0.42</a:t>
+                      </a:r>
+                      <a:endParaRPr lang="en-US" altLang="ja-JP" sz="1800" b="0" i="0" u="none" strike="noStrike" dirty="0">
+                        <a:solidFill>
+                          <a:srgbClr val="000000"/>
+                        </a:solidFill>
+                        <a:effectLst/>
+                        <a:latin typeface="Helvetica Neue" panose="02000503000000020004" pitchFamily="2" charset="0"/>
+                        <a:ea typeface="游ゴシック" panose="020B0400000000000000" pitchFamily="34" charset="-128"/>
+                      </a:endParaRPr>
+                    </a:p>
+                  </a:txBody>
+                  <a:tcPr marL="8572" marR="8572" marT="8572" marB="0" anchor="ctr">
+                    <a:lnL>
+                      <a:noFill/>
+                    </a:lnL>
+                    <a:lnR>
+                      <a:noFill/>
+                    </a:lnR>
+                    <a:lnT w="6350" cap="flat" cmpd="sng" algn="ctr">
+                      <a:solidFill>
+                        <a:srgbClr val="5B9BD5"/>
+                      </a:solidFill>
+                      <a:prstDash val="solid"/>
+                      <a:round/>
+                      <a:headEnd type="none" w="med" len="med"/>
+                      <a:tailEnd type="none" w="med" len="med"/>
+                    </a:lnT>
+                    <a:lnB w="6350" cap="flat" cmpd="sng" algn="ctr">
+                      <a:solidFill>
+                        <a:srgbClr val="5B9BD5"/>
+                      </a:solidFill>
+                      <a:prstDash val="solid"/>
+                      <a:round/>
+                      <a:headEnd type="none" w="med" len="med"/>
+                      <a:tailEnd type="none" w="med" len="med"/>
+                    </a:lnB>
+                  </a:tcPr>
+                </a:tc>
+                <a:tc>
+                  <a:txBody>
+                    <a:bodyPr/>
+                    <a:lstStyle/>
+                    <a:p>
+                      <a:pPr algn="r" fontAlgn="ctr"/>
+                      <a:r>
+                        <a:rPr lang="en-US" altLang="ja-JP" sz="1800" b="0" i="0" u="none" strike="noStrike">
+                          <a:solidFill>
+                            <a:srgbClr val="000000"/>
+                          </a:solidFill>
+                          <a:effectLst/>
+                          <a:latin typeface="Helvetica Neue" panose="02000503000000020004" pitchFamily="2" charset="0"/>
+                          <a:ea typeface="游ゴシック" panose="020B0400000000000000" pitchFamily="34" charset="-128"/>
+                        </a:rPr>
+                        <a:t>0</a:t>
+                      </a:r>
+                      <a:endParaRPr lang="en-US" altLang="ja-JP" sz="1800" b="0" i="0" u="none" strike="noStrike" dirty="0">
+                        <a:solidFill>
+                          <a:srgbClr val="000000"/>
+                        </a:solidFill>
+                        <a:effectLst/>
+                        <a:latin typeface="Helvetica Neue" panose="02000503000000020004" pitchFamily="2" charset="0"/>
+                        <a:ea typeface="游ゴシック" panose="020B0400000000000000" pitchFamily="34" charset="-128"/>
+                      </a:endParaRPr>
+                    </a:p>
+                  </a:txBody>
+                  <a:tcPr marL="8572" marR="8572" marT="8572" marB="0" anchor="ctr">
+                    <a:lnL>
+                      <a:noFill/>
+                    </a:lnL>
+                    <a:lnR>
+                      <a:noFill/>
+                    </a:lnR>
+                    <a:lnT w="6350" cap="flat" cmpd="sng" algn="ctr">
+                      <a:solidFill>
+                        <a:srgbClr val="5B9BD5"/>
+                      </a:solidFill>
+                      <a:prstDash val="solid"/>
+                      <a:round/>
+                      <a:headEnd type="none" w="med" len="med"/>
+                      <a:tailEnd type="none" w="med" len="med"/>
+                    </a:lnT>
+                    <a:lnB w="6350" cap="flat" cmpd="sng" algn="ctr">
+                      <a:solidFill>
+                        <a:srgbClr val="5B9BD5"/>
+                      </a:solidFill>
+                      <a:prstDash val="solid"/>
+                      <a:round/>
+                      <a:headEnd type="none" w="med" len="med"/>
+                      <a:tailEnd type="none" w="med" len="med"/>
+                    </a:lnB>
+                  </a:tcPr>
+                </a:tc>
+                <a:tc>
+                  <a:txBody>
+                    <a:bodyPr/>
+                    <a:lstStyle/>
+                    <a:p>
+                      <a:pPr algn="r" fontAlgn="ctr"/>
+                      <a:r>
+                        <a:rPr lang="en-US" altLang="ja-JP" sz="1800" b="0" i="0" u="none" strike="noStrike">
+                          <a:solidFill>
+                            <a:srgbClr val="000000"/>
+                          </a:solidFill>
+                          <a:effectLst/>
+                          <a:latin typeface="Helvetica Neue" panose="02000503000000020004" pitchFamily="2" charset="0"/>
+                          <a:ea typeface="游ゴシック" panose="020B0400000000000000" pitchFamily="34" charset="-128"/>
+                        </a:rPr>
+                        <a:t>1</a:t>
+                      </a:r>
+                    </a:p>
+                  </a:txBody>
+                  <a:tcPr marL="8572" marR="8572" marT="8572" marB="0" anchor="ctr">
+                    <a:lnL>
+                      <a:noFill/>
+                    </a:lnL>
+                    <a:lnR>
+                      <a:noFill/>
+                    </a:lnR>
+                    <a:lnT w="6350" cap="flat" cmpd="sng" algn="ctr">
+                      <a:solidFill>
+                        <a:srgbClr val="5B9BD5"/>
+                      </a:solidFill>
+                      <a:prstDash val="solid"/>
+                      <a:round/>
+                      <a:headEnd type="none" w="med" len="med"/>
+                      <a:tailEnd type="none" w="med" len="med"/>
+                    </a:lnT>
+                    <a:lnB w="6350" cap="flat" cmpd="sng" algn="ctr">
+                      <a:solidFill>
+                        <a:srgbClr val="5B9BD5"/>
+                      </a:solidFill>
+                      <a:prstDash val="solid"/>
+                      <a:round/>
+                      <a:headEnd type="none" w="med" len="med"/>
+                      <a:tailEnd type="none" w="med" len="med"/>
+                    </a:lnB>
+                  </a:tcPr>
+                </a:tc>
+                <a:tc>
+                  <a:txBody>
+                    <a:bodyPr/>
+                    <a:lstStyle/>
+                    <a:p>
+                      <a:pPr algn="r" fontAlgn="ctr"/>
+                      <a:r>
+                        <a:rPr lang="en-US" altLang="ja-JP" sz="1800" b="0" i="0" u="none" strike="noStrike">
+                          <a:solidFill>
+                            <a:srgbClr val="000000"/>
+                          </a:solidFill>
+                          <a:effectLst/>
+                          <a:latin typeface="Helvetica Neue" panose="02000503000000020004" pitchFamily="2" charset="0"/>
+                          <a:ea typeface="游ゴシック" panose="020B0400000000000000" pitchFamily="34" charset="-128"/>
+                        </a:rPr>
+                        <a:t>2625</a:t>
+                      </a:r>
+                      <a:endParaRPr lang="en-US" altLang="ja-JP" sz="1800" b="0" i="0" u="none" strike="noStrike" dirty="0">
+                        <a:solidFill>
+                          <a:srgbClr val="000000"/>
+                        </a:solidFill>
+                        <a:effectLst/>
+                        <a:latin typeface="Helvetica Neue" panose="02000503000000020004" pitchFamily="2" charset="0"/>
+                        <a:ea typeface="游ゴシック" panose="020B0400000000000000" pitchFamily="34" charset="-128"/>
+                      </a:endParaRPr>
+                    </a:p>
+                  </a:txBody>
+                  <a:tcPr marL="8572" marR="8572" marT="8572" marB="0" anchor="ctr">
+                    <a:lnL>
+                      <a:noFill/>
+                    </a:lnL>
+                    <a:lnR>
+                      <a:noFill/>
+                    </a:lnR>
+                    <a:lnT w="6350" cap="flat" cmpd="sng" algn="ctr">
+                      <a:solidFill>
+                        <a:srgbClr val="5B9BD5"/>
+                      </a:solidFill>
+                      <a:prstDash val="solid"/>
+                      <a:round/>
+                      <a:headEnd type="none" w="med" len="med"/>
+                      <a:tailEnd type="none" w="med" len="med"/>
+                    </a:lnT>
+                    <a:lnB w="6350" cap="flat" cmpd="sng" algn="ctr">
+                      <a:solidFill>
+                        <a:srgbClr val="5B9BD5"/>
+                      </a:solidFill>
+                      <a:prstDash val="solid"/>
+                      <a:round/>
+                      <a:headEnd type="none" w="med" len="med"/>
+                      <a:tailEnd type="none" w="med" len="med"/>
+                    </a:lnB>
+                  </a:tcPr>
+                </a:tc>
+                <a:tc>
+                  <a:txBody>
+                    <a:bodyPr/>
+                    <a:lstStyle/>
+                    <a:p>
+                      <a:pPr algn="r" fontAlgn="ctr"/>
+                      <a:r>
+                        <a:rPr lang="en-US" altLang="ja-JP" sz="1800" b="0" i="0" u="none" strike="noStrike">
+                          <a:solidFill>
+                            <a:srgbClr val="000000"/>
+                          </a:solidFill>
+                          <a:effectLst/>
+                          <a:latin typeface="Helvetica Neue" panose="02000503000000020004" pitchFamily="2" charset="0"/>
+                          <a:ea typeface="游ゴシック" panose="020B0400000000000000" pitchFamily="34" charset="-128"/>
+                        </a:rPr>
+                        <a:t>8.5167</a:t>
+                      </a:r>
+                      <a:endParaRPr lang="en-US" altLang="ja-JP" sz="1800" b="0" i="0" u="none" strike="noStrike" dirty="0">
+                        <a:solidFill>
+                          <a:srgbClr val="000000"/>
+                        </a:solidFill>
+                        <a:effectLst/>
+                        <a:latin typeface="Helvetica Neue" panose="02000503000000020004" pitchFamily="2" charset="0"/>
+                        <a:ea typeface="游ゴシック" panose="020B0400000000000000" pitchFamily="34" charset="-128"/>
+                      </a:endParaRPr>
+                    </a:p>
+                  </a:txBody>
+                  <a:tcPr marL="8572" marR="8572" marT="8572" marB="0" anchor="ctr">
+                    <a:lnL>
+                      <a:noFill/>
+                    </a:lnL>
+                    <a:lnR>
+                      <a:noFill/>
+                    </a:lnR>
+                    <a:lnT w="6350" cap="flat" cmpd="sng" algn="ctr">
+                      <a:solidFill>
+                        <a:srgbClr val="5B9BD5"/>
+                      </a:solidFill>
+                      <a:prstDash val="solid"/>
+                      <a:round/>
+                      <a:headEnd type="none" w="med" len="med"/>
+                      <a:tailEnd type="none" w="med" len="med"/>
+                    </a:lnT>
+                    <a:lnB w="6350" cap="flat" cmpd="sng" algn="ctr">
+                      <a:solidFill>
+                        <a:srgbClr val="5B9BD5"/>
+                      </a:solidFill>
+                      <a:prstDash val="solid"/>
+                      <a:round/>
+                      <a:headEnd type="none" w="med" len="med"/>
+                      <a:tailEnd type="none" w="med" len="med"/>
+                    </a:lnB>
+                  </a:tcPr>
+                </a:tc>
+                <a:tc>
+                  <a:txBody>
+                    <a:bodyPr/>
+                    <a:lstStyle/>
+                    <a:p>
+                      <a:pPr algn="ctr" fontAlgn="ctr"/>
+                      <a:r>
+                        <a:rPr lang="en" sz="1800" b="0" i="0" u="none" strike="noStrike">
+                          <a:solidFill>
+                            <a:srgbClr val="000000"/>
+                          </a:solidFill>
+                          <a:effectLst/>
+                          <a:latin typeface="Helvetica Neue" panose="02000503000000020004" pitchFamily="2" charset="0"/>
+                          <a:ea typeface="游ゴシック" panose="020B0400000000000000" pitchFamily="34" charset="-128"/>
+                        </a:rPr>
+                        <a:t>NaN</a:t>
+                      </a:r>
+                    </a:p>
+                  </a:txBody>
+                  <a:tcPr marL="8572" marR="8572" marT="8572" marB="0" anchor="ctr">
+                    <a:lnL>
+                      <a:noFill/>
+                    </a:lnL>
+                    <a:lnR>
+                      <a:noFill/>
+                    </a:lnR>
+                    <a:lnT w="6350" cap="flat" cmpd="sng" algn="ctr">
+                      <a:solidFill>
+                        <a:srgbClr val="5B9BD5"/>
+                      </a:solidFill>
+                      <a:prstDash val="solid"/>
+                      <a:round/>
+                      <a:headEnd type="none" w="med" len="med"/>
+                      <a:tailEnd type="none" w="med" len="med"/>
+                    </a:lnT>
+                    <a:lnB w="6350" cap="flat" cmpd="sng" algn="ctr">
+                      <a:solidFill>
+                        <a:srgbClr val="5B9BD5"/>
+                      </a:solidFill>
+                      <a:prstDash val="solid"/>
+                      <a:round/>
+                      <a:headEnd type="none" w="med" len="med"/>
+                      <a:tailEnd type="none" w="med" len="med"/>
+                    </a:lnB>
+                  </a:tcPr>
+                </a:tc>
+                <a:tc>
+                  <a:txBody>
+                    <a:bodyPr/>
+                    <a:lstStyle/>
+                    <a:p>
+                      <a:pPr algn="ctr" fontAlgn="ctr"/>
+                      <a:r>
+                        <a:rPr lang="en" sz="1800" b="0" i="0" u="none" strike="noStrike">
+                          <a:solidFill>
+                            <a:srgbClr val="000000"/>
+                          </a:solidFill>
+                          <a:effectLst/>
+                          <a:latin typeface="Helvetica Neue" panose="02000503000000020004" pitchFamily="2" charset="0"/>
+                          <a:ea typeface="游ゴシック" panose="020B0400000000000000" pitchFamily="34" charset="-128"/>
+                        </a:rPr>
+                        <a:t>C</a:t>
+                      </a:r>
+                    </a:p>
+                  </a:txBody>
+                  <a:tcPr marL="8572" marR="8572" marT="8572" marB="0" anchor="ctr">
+                    <a:lnL>
+                      <a:noFill/>
+                    </a:lnL>
+                    <a:lnR w="6350" cap="flat" cmpd="sng" algn="ctr">
+                      <a:solidFill>
+                        <a:srgbClr val="5B9BD5"/>
+                      </a:solidFill>
+                      <a:prstDash val="solid"/>
+                      <a:round/>
+                      <a:headEnd type="none" w="med" len="med"/>
+                      <a:tailEnd type="none" w="med" len="med"/>
+                    </a:lnR>
+                    <a:lnT w="6350" cap="flat" cmpd="sng" algn="ctr">
+                      <a:solidFill>
+                        <a:srgbClr val="5B9BD5"/>
+                      </a:solidFill>
+                      <a:prstDash val="solid"/>
+                      <a:round/>
+                      <a:headEnd type="none" w="med" len="med"/>
+                      <a:tailEnd type="none" w="med" len="med"/>
+                    </a:lnT>
+                    <a:lnB w="6350" cap="flat" cmpd="sng" algn="ctr">
+                      <a:solidFill>
+                        <a:srgbClr val="5B9BD5"/>
+                      </a:solidFill>
+                      <a:prstDash val="solid"/>
+                      <a:round/>
+                      <a:headEnd type="none" w="med" len="med"/>
+                      <a:tailEnd type="none" w="med" len="med"/>
+                    </a:lnB>
+                  </a:tcPr>
+                </a:tc>
+                <a:extLst>
+                  <a:ext uri="{0D108BD9-81ED-4DB2-BD59-A6C34878D82A}">
+                    <a16:rowId xmlns:a16="http://schemas.microsoft.com/office/drawing/2014/main" val="1779923753"/>
+                  </a:ext>
+                </a:extLst>
+              </a:tr>
+              <a:tr h="581627">
+                <a:tc>
+                  <a:txBody>
+                    <a:bodyPr/>
+                    <a:lstStyle/>
+                    <a:p>
+                      <a:pPr algn="ctr" fontAlgn="ctr"/>
+                      <a:r>
+                        <a:rPr lang="en" sz="1800" b="0" i="0" u="none" strike="noStrike">
+                          <a:solidFill>
+                            <a:srgbClr val="000000"/>
+                          </a:solidFill>
+                          <a:effectLst/>
+                          <a:latin typeface="Helvetica Neue" panose="02000503000000020004" pitchFamily="2" charset="0"/>
+                          <a:ea typeface="游ゴシック" panose="020B0400000000000000" pitchFamily="34" charset="-128"/>
+                        </a:rPr>
+                        <a:t>Hamalainen, Master. Viljo</a:t>
+                      </a:r>
+                    </a:p>
+                  </a:txBody>
+                  <a:tcPr marL="8572" marR="8572" marT="8572" marB="0" anchor="ctr">
+                    <a:lnL>
+                      <a:noFill/>
+                    </a:lnL>
+                    <a:lnR>
+                      <a:noFill/>
+                    </a:lnR>
+                    <a:lnT w="6350" cap="flat" cmpd="sng" algn="ctr">
+                      <a:solidFill>
+                        <a:srgbClr val="5B9BD5"/>
+                      </a:solidFill>
+                      <a:prstDash val="solid"/>
+                      <a:round/>
+                      <a:headEnd type="none" w="med" len="med"/>
+                      <a:tailEnd type="none" w="med" len="med"/>
+                    </a:lnT>
+                    <a:lnB w="6350" cap="flat" cmpd="sng" algn="ctr">
+                      <a:solidFill>
+                        <a:srgbClr val="5B9BD5"/>
+                      </a:solidFill>
+                      <a:prstDash val="solid"/>
+                      <a:round/>
+                      <a:headEnd type="none" w="med" len="med"/>
+                      <a:tailEnd type="none" w="med" len="med"/>
+                    </a:lnB>
+                  </a:tcPr>
+                </a:tc>
+                <a:tc>
+                  <a:txBody>
+                    <a:bodyPr/>
+                    <a:lstStyle/>
+                    <a:p>
+                      <a:pPr algn="ctr" fontAlgn="ctr"/>
+                      <a:r>
+                        <a:rPr lang="en" sz="1800" b="0" i="0" u="none" strike="noStrike">
+                          <a:solidFill>
+                            <a:srgbClr val="000000"/>
+                          </a:solidFill>
+                          <a:effectLst/>
+                          <a:latin typeface="Helvetica Neue" panose="02000503000000020004" pitchFamily="2" charset="0"/>
+                          <a:ea typeface="游ゴシック" panose="020B0400000000000000" pitchFamily="34" charset="-128"/>
+                        </a:rPr>
+                        <a:t>male</a:t>
+                      </a:r>
+                    </a:p>
+                  </a:txBody>
+                  <a:tcPr marL="8572" marR="8572" marT="8572" marB="0" anchor="ctr">
+                    <a:lnL>
+                      <a:noFill/>
+                    </a:lnL>
+                    <a:lnR>
+                      <a:noFill/>
+                    </a:lnR>
+                    <a:lnT w="6350" cap="flat" cmpd="sng" algn="ctr">
+                      <a:solidFill>
+                        <a:srgbClr val="5B9BD5"/>
+                      </a:solidFill>
+                      <a:prstDash val="solid"/>
+                      <a:round/>
+                      <a:headEnd type="none" w="med" len="med"/>
+                      <a:tailEnd type="none" w="med" len="med"/>
+                    </a:lnT>
+                    <a:lnB w="6350" cap="flat" cmpd="sng" algn="ctr">
+                      <a:solidFill>
+                        <a:srgbClr val="5B9BD5"/>
+                      </a:solidFill>
+                      <a:prstDash val="solid"/>
+                      <a:round/>
+                      <a:headEnd type="none" w="med" len="med"/>
+                      <a:tailEnd type="none" w="med" len="med"/>
+                    </a:lnB>
+                  </a:tcPr>
+                </a:tc>
+                <a:tc>
+                  <a:txBody>
+                    <a:bodyPr/>
+                    <a:lstStyle/>
+                    <a:p>
+                      <a:pPr algn="r" fontAlgn="ctr"/>
+                      <a:r>
+                        <a:rPr lang="en-US" altLang="ja-JP" sz="1800" b="0" i="0" u="none" strike="noStrike">
+                          <a:solidFill>
+                            <a:srgbClr val="000000"/>
+                          </a:solidFill>
+                          <a:effectLst/>
+                          <a:latin typeface="Helvetica Neue" panose="02000503000000020004" pitchFamily="2" charset="0"/>
+                          <a:ea typeface="游ゴシック" panose="020B0400000000000000" pitchFamily="34" charset="-128"/>
+                        </a:rPr>
+                        <a:t>0.67</a:t>
+                      </a:r>
+                    </a:p>
+                  </a:txBody>
+                  <a:tcPr marL="8572" marR="8572" marT="8572" marB="0" anchor="ctr">
+                    <a:lnL>
+                      <a:noFill/>
+                    </a:lnL>
+                    <a:lnR>
+                      <a:noFill/>
+                    </a:lnR>
+                    <a:lnT w="6350" cap="flat" cmpd="sng" algn="ctr">
+                      <a:solidFill>
+                        <a:srgbClr val="5B9BD5"/>
+                      </a:solidFill>
+                      <a:prstDash val="solid"/>
+                      <a:round/>
+                      <a:headEnd type="none" w="med" len="med"/>
+                      <a:tailEnd type="none" w="med" len="med"/>
+                    </a:lnT>
+                    <a:lnB w="6350" cap="flat" cmpd="sng" algn="ctr">
+                      <a:solidFill>
+                        <a:srgbClr val="5B9BD5"/>
+                      </a:solidFill>
+                      <a:prstDash val="solid"/>
+                      <a:round/>
+                      <a:headEnd type="none" w="med" len="med"/>
+                      <a:tailEnd type="none" w="med" len="med"/>
+                    </a:lnB>
+                  </a:tcPr>
+                </a:tc>
+                <a:tc>
+                  <a:txBody>
+                    <a:bodyPr/>
+                    <a:lstStyle/>
+                    <a:p>
+                      <a:pPr algn="r" fontAlgn="ctr"/>
+                      <a:r>
+                        <a:rPr lang="en-US" altLang="ja-JP" sz="1800" b="0" i="0" u="none" strike="noStrike">
+                          <a:solidFill>
+                            <a:srgbClr val="000000"/>
+                          </a:solidFill>
+                          <a:effectLst/>
+                          <a:latin typeface="Helvetica Neue" panose="02000503000000020004" pitchFamily="2" charset="0"/>
+                          <a:ea typeface="游ゴシック" panose="020B0400000000000000" pitchFamily="34" charset="-128"/>
+                        </a:rPr>
+                        <a:t>1</a:t>
+                      </a:r>
+                    </a:p>
+                  </a:txBody>
+                  <a:tcPr marL="8572" marR="8572" marT="8572" marB="0" anchor="ctr">
+                    <a:lnL>
+                      <a:noFill/>
+                    </a:lnL>
+                    <a:lnR>
+                      <a:noFill/>
+                    </a:lnR>
+                    <a:lnT w="6350" cap="flat" cmpd="sng" algn="ctr">
+                      <a:solidFill>
+                        <a:srgbClr val="5B9BD5"/>
+                      </a:solidFill>
+                      <a:prstDash val="solid"/>
+                      <a:round/>
+                      <a:headEnd type="none" w="med" len="med"/>
+                      <a:tailEnd type="none" w="med" len="med"/>
+                    </a:lnT>
+                    <a:lnB w="6350" cap="flat" cmpd="sng" algn="ctr">
+                      <a:solidFill>
+                        <a:srgbClr val="5B9BD5"/>
+                      </a:solidFill>
+                      <a:prstDash val="solid"/>
+                      <a:round/>
+                      <a:headEnd type="none" w="med" len="med"/>
+                      <a:tailEnd type="none" w="med" len="med"/>
+                    </a:lnB>
+                  </a:tcPr>
+                </a:tc>
+                <a:tc>
+                  <a:txBody>
+                    <a:bodyPr/>
+                    <a:lstStyle/>
+                    <a:p>
+                      <a:pPr algn="r" fontAlgn="ctr"/>
+                      <a:r>
+                        <a:rPr lang="en-US" altLang="ja-JP" sz="1800" b="0" i="0" u="none" strike="noStrike">
+                          <a:solidFill>
+                            <a:srgbClr val="000000"/>
+                          </a:solidFill>
+                          <a:effectLst/>
+                          <a:latin typeface="Helvetica Neue" panose="02000503000000020004" pitchFamily="2" charset="0"/>
+                          <a:ea typeface="游ゴシック" panose="020B0400000000000000" pitchFamily="34" charset="-128"/>
+                        </a:rPr>
+                        <a:t>1</a:t>
+                      </a:r>
+                    </a:p>
+                  </a:txBody>
+                  <a:tcPr marL="8572" marR="8572" marT="8572" marB="0" anchor="ctr">
+                    <a:lnL>
+                      <a:noFill/>
+                    </a:lnL>
+                    <a:lnR>
+                      <a:noFill/>
+                    </a:lnR>
+                    <a:lnT w="6350" cap="flat" cmpd="sng" algn="ctr">
+                      <a:solidFill>
+                        <a:srgbClr val="5B9BD5"/>
+                      </a:solidFill>
+                      <a:prstDash val="solid"/>
+                      <a:round/>
+                      <a:headEnd type="none" w="med" len="med"/>
+                      <a:tailEnd type="none" w="med" len="med"/>
+                    </a:lnT>
+                    <a:lnB w="6350" cap="flat" cmpd="sng" algn="ctr">
+                      <a:solidFill>
+                        <a:srgbClr val="5B9BD5"/>
+                      </a:solidFill>
+                      <a:prstDash val="solid"/>
+                      <a:round/>
+                      <a:headEnd type="none" w="med" len="med"/>
+                      <a:tailEnd type="none" w="med" len="med"/>
+                    </a:lnB>
+                  </a:tcPr>
+                </a:tc>
+                <a:tc>
+                  <a:txBody>
+                    <a:bodyPr/>
+                    <a:lstStyle/>
+                    <a:p>
+                      <a:pPr algn="r" fontAlgn="ctr"/>
+                      <a:r>
+                        <a:rPr lang="en-US" altLang="ja-JP" sz="1800" b="0" i="0" u="none" strike="noStrike">
+                          <a:solidFill>
+                            <a:srgbClr val="000000"/>
+                          </a:solidFill>
+                          <a:effectLst/>
+                          <a:latin typeface="Helvetica Neue" panose="02000503000000020004" pitchFamily="2" charset="0"/>
+                          <a:ea typeface="游ゴシック" panose="020B0400000000000000" pitchFamily="34" charset="-128"/>
+                        </a:rPr>
+                        <a:t>250649</a:t>
+                      </a:r>
+                      <a:endParaRPr lang="en-US" altLang="ja-JP" sz="1800" b="0" i="0" u="none" strike="noStrike" dirty="0">
+                        <a:solidFill>
+                          <a:srgbClr val="000000"/>
+                        </a:solidFill>
+                        <a:effectLst/>
+                        <a:latin typeface="Helvetica Neue" panose="02000503000000020004" pitchFamily="2" charset="0"/>
+                        <a:ea typeface="游ゴシック" panose="020B0400000000000000" pitchFamily="34" charset="-128"/>
+                      </a:endParaRPr>
+                    </a:p>
+                  </a:txBody>
+                  <a:tcPr marL="8572" marR="8572" marT="8572" marB="0" anchor="ctr">
+                    <a:lnL>
+                      <a:noFill/>
+                    </a:lnL>
+                    <a:lnR>
+                      <a:noFill/>
+                    </a:lnR>
+                    <a:lnT w="6350" cap="flat" cmpd="sng" algn="ctr">
+                      <a:solidFill>
+                        <a:srgbClr val="5B9BD5"/>
+                      </a:solidFill>
+                      <a:prstDash val="solid"/>
+                      <a:round/>
+                      <a:headEnd type="none" w="med" len="med"/>
+                      <a:tailEnd type="none" w="med" len="med"/>
+                    </a:lnT>
+                    <a:lnB w="6350" cap="flat" cmpd="sng" algn="ctr">
+                      <a:solidFill>
+                        <a:srgbClr val="5B9BD5"/>
+                      </a:solidFill>
+                      <a:prstDash val="solid"/>
+                      <a:round/>
+                      <a:headEnd type="none" w="med" len="med"/>
+                      <a:tailEnd type="none" w="med" len="med"/>
+                    </a:lnB>
+                  </a:tcPr>
+                </a:tc>
+                <a:tc>
+                  <a:txBody>
+                    <a:bodyPr/>
+                    <a:lstStyle/>
+                    <a:p>
+                      <a:pPr algn="r" fontAlgn="ctr"/>
+                      <a:r>
+                        <a:rPr lang="en-US" altLang="ja-JP" sz="1800" b="0" i="0" u="none" strike="noStrike">
+                          <a:solidFill>
+                            <a:srgbClr val="000000"/>
+                          </a:solidFill>
+                          <a:effectLst/>
+                          <a:latin typeface="Helvetica Neue" panose="02000503000000020004" pitchFamily="2" charset="0"/>
+                          <a:ea typeface="游ゴシック" panose="020B0400000000000000" pitchFamily="34" charset="-128"/>
+                        </a:rPr>
+                        <a:t>14.5</a:t>
+                      </a:r>
+                      <a:endParaRPr lang="en-US" altLang="ja-JP" sz="1800" b="0" i="0" u="none" strike="noStrike" dirty="0">
+                        <a:solidFill>
+                          <a:srgbClr val="000000"/>
+                        </a:solidFill>
+                        <a:effectLst/>
+                        <a:latin typeface="Helvetica Neue" panose="02000503000000020004" pitchFamily="2" charset="0"/>
+                        <a:ea typeface="游ゴシック" panose="020B0400000000000000" pitchFamily="34" charset="-128"/>
+                      </a:endParaRPr>
+                    </a:p>
+                  </a:txBody>
+                  <a:tcPr marL="8572" marR="8572" marT="8572" marB="0" anchor="ctr">
+                    <a:lnL>
+                      <a:noFill/>
+                    </a:lnL>
+                    <a:lnR>
+                      <a:noFill/>
+                    </a:lnR>
+                    <a:lnT w="6350" cap="flat" cmpd="sng" algn="ctr">
+                      <a:solidFill>
+                        <a:srgbClr val="5B9BD5"/>
+                      </a:solidFill>
+                      <a:prstDash val="solid"/>
+                      <a:round/>
+                      <a:headEnd type="none" w="med" len="med"/>
+                      <a:tailEnd type="none" w="med" len="med"/>
+                    </a:lnT>
+                    <a:lnB w="6350" cap="flat" cmpd="sng" algn="ctr">
+                      <a:solidFill>
+                        <a:srgbClr val="5B9BD5"/>
+                      </a:solidFill>
+                      <a:prstDash val="solid"/>
+                      <a:round/>
+                      <a:headEnd type="none" w="med" len="med"/>
+                      <a:tailEnd type="none" w="med" len="med"/>
+                    </a:lnB>
+                  </a:tcPr>
+                </a:tc>
+                <a:tc>
+                  <a:txBody>
+                    <a:bodyPr/>
+                    <a:lstStyle/>
+                    <a:p>
+                      <a:pPr algn="ctr" fontAlgn="ctr"/>
+                      <a:r>
+                        <a:rPr lang="en" sz="1800" b="0" i="0" u="none" strike="noStrike">
+                          <a:solidFill>
+                            <a:srgbClr val="000000"/>
+                          </a:solidFill>
+                          <a:effectLst/>
+                          <a:latin typeface="Helvetica Neue" panose="02000503000000020004" pitchFamily="2" charset="0"/>
+                          <a:ea typeface="游ゴシック" panose="020B0400000000000000" pitchFamily="34" charset="-128"/>
+                        </a:rPr>
+                        <a:t>NaN</a:t>
+                      </a:r>
+                    </a:p>
+                  </a:txBody>
+                  <a:tcPr marL="8572" marR="8572" marT="8572" marB="0" anchor="ctr">
+                    <a:lnL>
+                      <a:noFill/>
+                    </a:lnL>
+                    <a:lnR>
+                      <a:noFill/>
+                    </a:lnR>
+                    <a:lnT w="6350" cap="flat" cmpd="sng" algn="ctr">
+                      <a:solidFill>
+                        <a:srgbClr val="5B9BD5"/>
+                      </a:solidFill>
+                      <a:prstDash val="solid"/>
+                      <a:round/>
+                      <a:headEnd type="none" w="med" len="med"/>
+                      <a:tailEnd type="none" w="med" len="med"/>
+                    </a:lnT>
+                    <a:lnB w="6350" cap="flat" cmpd="sng" algn="ctr">
+                      <a:solidFill>
+                        <a:srgbClr val="5B9BD5"/>
+                      </a:solidFill>
+                      <a:prstDash val="solid"/>
+                      <a:round/>
+                      <a:headEnd type="none" w="med" len="med"/>
+                      <a:tailEnd type="none" w="med" len="med"/>
+                    </a:lnB>
+                  </a:tcPr>
+                </a:tc>
+                <a:tc>
+                  <a:txBody>
+                    <a:bodyPr/>
+                    <a:lstStyle/>
+                    <a:p>
+                      <a:pPr algn="ctr" fontAlgn="ctr"/>
+                      <a:r>
+                        <a:rPr lang="en" sz="1800" b="0" i="0" u="none" strike="noStrike">
+                          <a:solidFill>
+                            <a:srgbClr val="000000"/>
+                          </a:solidFill>
+                          <a:effectLst/>
+                          <a:latin typeface="Helvetica Neue" panose="02000503000000020004" pitchFamily="2" charset="0"/>
+                          <a:ea typeface="游ゴシック" panose="020B0400000000000000" pitchFamily="34" charset="-128"/>
+                        </a:rPr>
+                        <a:t>S</a:t>
+                      </a:r>
+                    </a:p>
+                  </a:txBody>
+                  <a:tcPr marL="8572" marR="8572" marT="8572" marB="0" anchor="ctr">
+                    <a:lnL>
+                      <a:noFill/>
+                    </a:lnL>
+                    <a:lnR w="6350" cap="flat" cmpd="sng" algn="ctr">
+                      <a:solidFill>
+                        <a:srgbClr val="5B9BD5"/>
+                      </a:solidFill>
+                      <a:prstDash val="solid"/>
+                      <a:round/>
+                      <a:headEnd type="none" w="med" len="med"/>
+                      <a:tailEnd type="none" w="med" len="med"/>
+                    </a:lnR>
+                    <a:lnT w="6350" cap="flat" cmpd="sng" algn="ctr">
+                      <a:solidFill>
+                        <a:srgbClr val="5B9BD5"/>
+                      </a:solidFill>
+                      <a:prstDash val="solid"/>
+                      <a:round/>
+                      <a:headEnd type="none" w="med" len="med"/>
+                      <a:tailEnd type="none" w="med" len="med"/>
+                    </a:lnT>
+                    <a:lnB w="6350" cap="flat" cmpd="sng" algn="ctr">
+                      <a:solidFill>
+                        <a:srgbClr val="5B9BD5"/>
+                      </a:solidFill>
+                      <a:prstDash val="solid"/>
+                      <a:round/>
+                      <a:headEnd type="none" w="med" len="med"/>
+                      <a:tailEnd type="none" w="med" len="med"/>
+                    </a:lnB>
+                  </a:tcPr>
+                </a:tc>
+                <a:extLst>
+                  <a:ext uri="{0D108BD9-81ED-4DB2-BD59-A6C34878D82A}">
+                    <a16:rowId xmlns:a16="http://schemas.microsoft.com/office/drawing/2014/main" val="3526823768"/>
+                  </a:ext>
+                </a:extLst>
+              </a:tr>
+              <a:tr h="295287">
+                <a:tc>
+                  <a:txBody>
+                    <a:bodyPr/>
+                    <a:lstStyle/>
+                    <a:p>
+                      <a:pPr algn="ctr" fontAlgn="ctr"/>
+                      <a:r>
+                        <a:rPr lang="en" sz="1800" b="0" i="0" u="none" strike="noStrike">
+                          <a:solidFill>
+                            <a:srgbClr val="000000"/>
+                          </a:solidFill>
+                          <a:effectLst/>
+                          <a:latin typeface="Helvetica Neue" panose="02000503000000020004" pitchFamily="2" charset="0"/>
+                          <a:ea typeface="游ゴシック" panose="020B0400000000000000" pitchFamily="34" charset="-128"/>
+                        </a:rPr>
+                        <a:t>Baclini, Miss. Eugenie</a:t>
+                      </a:r>
+                    </a:p>
+                  </a:txBody>
+                  <a:tcPr marL="8572" marR="8572" marT="8572" marB="0" anchor="ctr">
+                    <a:lnL>
+                      <a:noFill/>
+                    </a:lnL>
+                    <a:lnR>
+                      <a:noFill/>
+                    </a:lnR>
+                    <a:lnT w="6350" cap="flat" cmpd="sng" algn="ctr">
+                      <a:solidFill>
+                        <a:srgbClr val="5B9BD5"/>
+                      </a:solidFill>
+                      <a:prstDash val="solid"/>
+                      <a:round/>
+                      <a:headEnd type="none" w="med" len="med"/>
+                      <a:tailEnd type="none" w="med" len="med"/>
+                    </a:lnT>
+                    <a:lnB w="6350" cap="flat" cmpd="sng" algn="ctr">
+                      <a:solidFill>
+                        <a:srgbClr val="5B9BD5"/>
+                      </a:solidFill>
+                      <a:prstDash val="solid"/>
+                      <a:round/>
+                      <a:headEnd type="none" w="med" len="med"/>
+                      <a:tailEnd type="none" w="med" len="med"/>
+                    </a:lnB>
+                  </a:tcPr>
+                </a:tc>
+                <a:tc>
+                  <a:txBody>
+                    <a:bodyPr/>
+                    <a:lstStyle/>
+                    <a:p>
+                      <a:pPr algn="ctr" fontAlgn="ctr"/>
+                      <a:r>
+                        <a:rPr lang="en" sz="1800" b="0" i="0" u="none" strike="noStrike" dirty="0">
+                          <a:solidFill>
+                            <a:srgbClr val="000000"/>
+                          </a:solidFill>
+                          <a:effectLst/>
+                          <a:latin typeface="Helvetica Neue" panose="02000503000000020004" pitchFamily="2" charset="0"/>
+                          <a:ea typeface="游ゴシック" panose="020B0400000000000000" pitchFamily="34" charset="-128"/>
+                        </a:rPr>
+                        <a:t>female</a:t>
+                      </a:r>
+                    </a:p>
+                  </a:txBody>
+                  <a:tcPr marL="8572" marR="8572" marT="8572" marB="0" anchor="ctr">
+                    <a:lnL>
+                      <a:noFill/>
+                    </a:lnL>
+                    <a:lnR>
+                      <a:noFill/>
+                    </a:lnR>
+                    <a:lnT w="6350" cap="flat" cmpd="sng" algn="ctr">
+                      <a:solidFill>
+                        <a:srgbClr val="5B9BD5"/>
+                      </a:solidFill>
+                      <a:prstDash val="solid"/>
+                      <a:round/>
+                      <a:headEnd type="none" w="med" len="med"/>
+                      <a:tailEnd type="none" w="med" len="med"/>
+                    </a:lnT>
+                    <a:lnB w="6350" cap="flat" cmpd="sng" algn="ctr">
+                      <a:solidFill>
+                        <a:srgbClr val="5B9BD5"/>
+                      </a:solidFill>
+                      <a:prstDash val="solid"/>
+                      <a:round/>
+                      <a:headEnd type="none" w="med" len="med"/>
+                      <a:tailEnd type="none" w="med" len="med"/>
+                    </a:lnB>
+                  </a:tcPr>
+                </a:tc>
+                <a:tc>
+                  <a:txBody>
+                    <a:bodyPr/>
+                    <a:lstStyle/>
+                    <a:p>
+                      <a:pPr algn="r" fontAlgn="ctr"/>
+                      <a:r>
+                        <a:rPr lang="en-US" altLang="ja-JP" sz="1800" b="0" i="0" u="none" strike="noStrike">
+                          <a:solidFill>
+                            <a:srgbClr val="000000"/>
+                          </a:solidFill>
+                          <a:effectLst/>
+                          <a:latin typeface="Helvetica Neue" panose="02000503000000020004" pitchFamily="2" charset="0"/>
+                          <a:ea typeface="游ゴシック" panose="020B0400000000000000" pitchFamily="34" charset="-128"/>
+                        </a:rPr>
+                        <a:t>0.75</a:t>
+                      </a:r>
+                    </a:p>
+                  </a:txBody>
+                  <a:tcPr marL="8572" marR="8572" marT="8572" marB="0" anchor="ctr">
+                    <a:lnL>
+                      <a:noFill/>
+                    </a:lnL>
+                    <a:lnR>
+                      <a:noFill/>
+                    </a:lnR>
+                    <a:lnT w="6350" cap="flat" cmpd="sng" algn="ctr">
+                      <a:solidFill>
+                        <a:srgbClr val="5B9BD5"/>
+                      </a:solidFill>
+                      <a:prstDash val="solid"/>
+                      <a:round/>
+                      <a:headEnd type="none" w="med" len="med"/>
+                      <a:tailEnd type="none" w="med" len="med"/>
+                    </a:lnT>
+                    <a:lnB w="6350" cap="flat" cmpd="sng" algn="ctr">
+                      <a:solidFill>
+                        <a:srgbClr val="5B9BD5"/>
+                      </a:solidFill>
+                      <a:prstDash val="solid"/>
+                      <a:round/>
+                      <a:headEnd type="none" w="med" len="med"/>
+                      <a:tailEnd type="none" w="med" len="med"/>
+                    </a:lnB>
+                  </a:tcPr>
+                </a:tc>
+                <a:tc>
+                  <a:txBody>
+                    <a:bodyPr/>
+                    <a:lstStyle/>
+                    <a:p>
+                      <a:pPr algn="r" fontAlgn="ctr"/>
+                      <a:r>
+                        <a:rPr lang="en-US" altLang="ja-JP" sz="1800" b="0" i="0" u="none" strike="noStrike">
+                          <a:solidFill>
+                            <a:srgbClr val="000000"/>
+                          </a:solidFill>
+                          <a:effectLst/>
+                          <a:latin typeface="Helvetica Neue" panose="02000503000000020004" pitchFamily="2" charset="0"/>
+                          <a:ea typeface="游ゴシック" panose="020B0400000000000000" pitchFamily="34" charset="-128"/>
+                        </a:rPr>
+                        <a:t>2</a:t>
+                      </a:r>
+                    </a:p>
+                  </a:txBody>
+                  <a:tcPr marL="8572" marR="8572" marT="8572" marB="0" anchor="ctr">
+                    <a:lnL>
+                      <a:noFill/>
+                    </a:lnL>
+                    <a:lnR>
+                      <a:noFill/>
+                    </a:lnR>
+                    <a:lnT w="6350" cap="flat" cmpd="sng" algn="ctr">
+                      <a:solidFill>
+                        <a:srgbClr val="5B9BD5"/>
+                      </a:solidFill>
+                      <a:prstDash val="solid"/>
+                      <a:round/>
+                      <a:headEnd type="none" w="med" len="med"/>
+                      <a:tailEnd type="none" w="med" len="med"/>
+                    </a:lnT>
+                    <a:lnB w="6350" cap="flat" cmpd="sng" algn="ctr">
+                      <a:solidFill>
+                        <a:srgbClr val="5B9BD5"/>
+                      </a:solidFill>
+                      <a:prstDash val="solid"/>
+                      <a:round/>
+                      <a:headEnd type="none" w="med" len="med"/>
+                      <a:tailEnd type="none" w="med" len="med"/>
+                    </a:lnB>
+                  </a:tcPr>
+                </a:tc>
+                <a:tc>
+                  <a:txBody>
+                    <a:bodyPr/>
+                    <a:lstStyle/>
+                    <a:p>
+                      <a:pPr algn="r" fontAlgn="ctr"/>
+                      <a:r>
+                        <a:rPr lang="en-US" altLang="ja-JP" sz="1800" b="0" i="0" u="none" strike="noStrike">
+                          <a:solidFill>
+                            <a:srgbClr val="000000"/>
+                          </a:solidFill>
+                          <a:effectLst/>
+                          <a:latin typeface="Helvetica Neue" panose="02000503000000020004" pitchFamily="2" charset="0"/>
+                          <a:ea typeface="游ゴシック" panose="020B0400000000000000" pitchFamily="34" charset="-128"/>
+                        </a:rPr>
+                        <a:t>1</a:t>
+                      </a:r>
+                    </a:p>
+                  </a:txBody>
+                  <a:tcPr marL="8572" marR="8572" marT="8572" marB="0" anchor="ctr">
+                    <a:lnL>
+                      <a:noFill/>
+                    </a:lnL>
+                    <a:lnR>
+                      <a:noFill/>
+                    </a:lnR>
+                    <a:lnT w="6350" cap="flat" cmpd="sng" algn="ctr">
+                      <a:solidFill>
+                        <a:srgbClr val="5B9BD5"/>
+                      </a:solidFill>
+                      <a:prstDash val="solid"/>
+                      <a:round/>
+                      <a:headEnd type="none" w="med" len="med"/>
+                      <a:tailEnd type="none" w="med" len="med"/>
+                    </a:lnT>
+                    <a:lnB w="6350" cap="flat" cmpd="sng" algn="ctr">
+                      <a:solidFill>
+                        <a:srgbClr val="5B9BD5"/>
+                      </a:solidFill>
+                      <a:prstDash val="solid"/>
+                      <a:round/>
+                      <a:headEnd type="none" w="med" len="med"/>
+                      <a:tailEnd type="none" w="med" len="med"/>
+                    </a:lnB>
+                  </a:tcPr>
+                </a:tc>
+                <a:tc>
+                  <a:txBody>
+                    <a:bodyPr/>
+                    <a:lstStyle/>
+                    <a:p>
+                      <a:pPr algn="r" fontAlgn="ctr"/>
+                      <a:r>
+                        <a:rPr lang="en-US" altLang="ja-JP" sz="1800" b="0" i="0" u="none" strike="noStrike" dirty="0">
+                          <a:solidFill>
+                            <a:srgbClr val="000000"/>
+                          </a:solidFill>
+                          <a:effectLst/>
+                          <a:latin typeface="Helvetica Neue" panose="02000503000000020004" pitchFamily="2" charset="0"/>
+                          <a:ea typeface="游ゴシック" panose="020B0400000000000000" pitchFamily="34" charset="-128"/>
+                        </a:rPr>
+                        <a:t>2666</a:t>
+                      </a:r>
+                    </a:p>
+                  </a:txBody>
+                  <a:tcPr marL="8572" marR="8572" marT="8572" marB="0" anchor="ctr">
+                    <a:lnL>
+                      <a:noFill/>
+                    </a:lnL>
+                    <a:lnR>
+                      <a:noFill/>
+                    </a:lnR>
+                    <a:lnT w="6350" cap="flat" cmpd="sng" algn="ctr">
+                      <a:solidFill>
+                        <a:srgbClr val="5B9BD5"/>
+                      </a:solidFill>
+                      <a:prstDash val="solid"/>
+                      <a:round/>
+                      <a:headEnd type="none" w="med" len="med"/>
+                      <a:tailEnd type="none" w="med" len="med"/>
+                    </a:lnT>
+                    <a:lnB w="6350" cap="flat" cmpd="sng" algn="ctr">
+                      <a:solidFill>
+                        <a:srgbClr val="5B9BD5"/>
+                      </a:solidFill>
+                      <a:prstDash val="solid"/>
+                      <a:round/>
+                      <a:headEnd type="none" w="med" len="med"/>
+                      <a:tailEnd type="none" w="med" len="med"/>
+                    </a:lnB>
+                  </a:tcPr>
+                </a:tc>
+                <a:tc>
+                  <a:txBody>
+                    <a:bodyPr/>
+                    <a:lstStyle/>
+                    <a:p>
+                      <a:pPr algn="r" fontAlgn="ctr"/>
+                      <a:r>
+                        <a:rPr lang="en-US" altLang="ja-JP" sz="1800" b="0" i="0" u="none" strike="noStrike">
+                          <a:solidFill>
+                            <a:srgbClr val="000000"/>
+                          </a:solidFill>
+                          <a:effectLst/>
+                          <a:latin typeface="Helvetica Neue" panose="02000503000000020004" pitchFamily="2" charset="0"/>
+                          <a:ea typeface="游ゴシック" panose="020B0400000000000000" pitchFamily="34" charset="-128"/>
+                        </a:rPr>
+                        <a:t>19.2583</a:t>
+                      </a:r>
+                    </a:p>
+                  </a:txBody>
+                  <a:tcPr marL="8572" marR="8572" marT="8572" marB="0" anchor="ctr">
+                    <a:lnL>
+                      <a:noFill/>
+                    </a:lnL>
+                    <a:lnR>
+                      <a:noFill/>
+                    </a:lnR>
+                    <a:lnT w="6350" cap="flat" cmpd="sng" algn="ctr">
+                      <a:solidFill>
+                        <a:srgbClr val="5B9BD5"/>
+                      </a:solidFill>
+                      <a:prstDash val="solid"/>
+                      <a:round/>
+                      <a:headEnd type="none" w="med" len="med"/>
+                      <a:tailEnd type="none" w="med" len="med"/>
+                    </a:lnT>
+                    <a:lnB w="6350" cap="flat" cmpd="sng" algn="ctr">
+                      <a:solidFill>
+                        <a:srgbClr val="5B9BD5"/>
+                      </a:solidFill>
+                      <a:prstDash val="solid"/>
+                      <a:round/>
+                      <a:headEnd type="none" w="med" len="med"/>
+                      <a:tailEnd type="none" w="med" len="med"/>
+                    </a:lnB>
+                  </a:tcPr>
+                </a:tc>
+                <a:tc>
+                  <a:txBody>
+                    <a:bodyPr/>
+                    <a:lstStyle/>
+                    <a:p>
+                      <a:pPr algn="ctr" fontAlgn="ctr"/>
+                      <a:r>
+                        <a:rPr lang="en" sz="1800" b="0" i="0" u="none" strike="noStrike">
+                          <a:solidFill>
+                            <a:srgbClr val="000000"/>
+                          </a:solidFill>
+                          <a:effectLst/>
+                          <a:latin typeface="Helvetica Neue" panose="02000503000000020004" pitchFamily="2" charset="0"/>
+                          <a:ea typeface="游ゴシック" panose="020B0400000000000000" pitchFamily="34" charset="-128"/>
+                        </a:rPr>
+                        <a:t>NaN</a:t>
+                      </a:r>
+                      <a:endParaRPr lang="en" sz="1800" b="0" i="0" u="none" strike="noStrike" dirty="0">
+                        <a:solidFill>
+                          <a:srgbClr val="000000"/>
+                        </a:solidFill>
+                        <a:effectLst/>
+                        <a:latin typeface="Helvetica Neue" panose="02000503000000020004" pitchFamily="2" charset="0"/>
+                        <a:ea typeface="游ゴシック" panose="020B0400000000000000" pitchFamily="34" charset="-128"/>
+                      </a:endParaRPr>
+                    </a:p>
+                  </a:txBody>
+                  <a:tcPr marL="8572" marR="8572" marT="8572" marB="0" anchor="ctr">
+                    <a:lnL>
+                      <a:noFill/>
+                    </a:lnL>
+                    <a:lnR>
+                      <a:noFill/>
+                    </a:lnR>
+                    <a:lnT w="6350" cap="flat" cmpd="sng" algn="ctr">
+                      <a:solidFill>
+                        <a:srgbClr val="5B9BD5"/>
+                      </a:solidFill>
+                      <a:prstDash val="solid"/>
+                      <a:round/>
+                      <a:headEnd type="none" w="med" len="med"/>
+                      <a:tailEnd type="none" w="med" len="med"/>
+                    </a:lnT>
+                    <a:lnB w="6350" cap="flat" cmpd="sng" algn="ctr">
+                      <a:solidFill>
+                        <a:srgbClr val="5B9BD5"/>
+                      </a:solidFill>
+                      <a:prstDash val="solid"/>
+                      <a:round/>
+                      <a:headEnd type="none" w="med" len="med"/>
+                      <a:tailEnd type="none" w="med" len="med"/>
+                    </a:lnB>
+                  </a:tcPr>
+                </a:tc>
+                <a:tc>
+                  <a:txBody>
+                    <a:bodyPr/>
+                    <a:lstStyle/>
+                    <a:p>
+                      <a:pPr algn="ctr" fontAlgn="ctr"/>
+                      <a:r>
+                        <a:rPr lang="en" sz="1800" b="0" i="0" u="none" strike="noStrike" dirty="0">
+                          <a:solidFill>
+                            <a:srgbClr val="000000"/>
+                          </a:solidFill>
+                          <a:effectLst/>
+                          <a:latin typeface="Helvetica Neue" panose="02000503000000020004" pitchFamily="2" charset="0"/>
+                          <a:ea typeface="游ゴシック" panose="020B0400000000000000" pitchFamily="34" charset="-128"/>
+                        </a:rPr>
+                        <a:t>C</a:t>
+                      </a:r>
+                    </a:p>
+                  </a:txBody>
+                  <a:tcPr marL="8572" marR="8572" marT="8572" marB="0" anchor="ctr">
+                    <a:lnL>
+                      <a:noFill/>
+                    </a:lnL>
+                    <a:lnR w="6350" cap="flat" cmpd="sng" algn="ctr">
+                      <a:solidFill>
+                        <a:srgbClr val="5B9BD5"/>
+                      </a:solidFill>
+                      <a:prstDash val="solid"/>
+                      <a:round/>
+                      <a:headEnd type="none" w="med" len="med"/>
+                      <a:tailEnd type="none" w="med" len="med"/>
+                    </a:lnR>
+                    <a:lnT w="6350" cap="flat" cmpd="sng" algn="ctr">
+                      <a:solidFill>
+                        <a:srgbClr val="5B9BD5"/>
+                      </a:solidFill>
+                      <a:prstDash val="solid"/>
+                      <a:round/>
+                      <a:headEnd type="none" w="med" len="med"/>
+                      <a:tailEnd type="none" w="med" len="med"/>
+                    </a:lnT>
+                    <a:lnB w="6350" cap="flat" cmpd="sng" algn="ctr">
+                      <a:solidFill>
+                        <a:srgbClr val="5B9BD5"/>
+                      </a:solidFill>
+                      <a:prstDash val="solid"/>
+                      <a:round/>
+                      <a:headEnd type="none" w="med" len="med"/>
+                      <a:tailEnd type="none" w="med" len="med"/>
+                    </a:lnB>
+                  </a:tcPr>
+                </a:tc>
+                <a:extLst>
+                  <a:ext uri="{0D108BD9-81ED-4DB2-BD59-A6C34878D82A}">
+                    <a16:rowId xmlns:a16="http://schemas.microsoft.com/office/drawing/2014/main" val="4202445982"/>
+                  </a:ext>
+                </a:extLst>
+              </a:tr>
+            </a:tbl>
+          </a:graphicData>
+        </a:graphic>
+      </p:graphicFrame>
+      <p:graphicFrame>
+        <p:nvGraphicFramePr>
+          <p:cNvPr id="4" name="表 3">
+            <a:extLst>
+              <a:ext uri="{FF2B5EF4-FFF2-40B4-BE49-F238E27FC236}">
+                <a16:creationId xmlns:a16="http://schemas.microsoft.com/office/drawing/2014/main" id="{D2D8E26B-381E-B426-8D8F-933D9347676B}"/>
+              </a:ext>
+            </a:extLst>
+          </p:cNvPr>
+          <p:cNvGraphicFramePr>
+            <a:graphicFrameLocks noGrp="1"/>
+          </p:cNvGraphicFramePr>
+          <p:nvPr>
+            <p:extLst>
+              <p:ext uri="{D42A27DB-BD31-4B8C-83A1-F6EECF244321}">
+                <p14:modId xmlns:p14="http://schemas.microsoft.com/office/powerpoint/2010/main" val="1685279435"/>
+              </p:ext>
+            </p:extLst>
+          </p:nvPr>
+        </p:nvGraphicFramePr>
+        <p:xfrm>
+          <a:off x="572805" y="1612175"/>
+          <a:ext cx="2503301" cy="2040168"/>
+        </p:xfrm>
+        <a:graphic>
+          <a:graphicData uri="http://schemas.openxmlformats.org/drawingml/2006/table">
+            <a:tbl>
+              <a:tblPr/>
+              <a:tblGrid>
+                <a:gridCol w="993373">
+                  <a:extLst>
+                    <a:ext uri="{9D8B030D-6E8A-4147-A177-3AD203B41FA5}">
+                      <a16:colId xmlns:a16="http://schemas.microsoft.com/office/drawing/2014/main" val="4055541363"/>
+                    </a:ext>
+                  </a:extLst>
+                </a:gridCol>
+                <a:gridCol w="754964">
+                  <a:extLst>
+                    <a:ext uri="{9D8B030D-6E8A-4147-A177-3AD203B41FA5}">
+                      <a16:colId xmlns:a16="http://schemas.microsoft.com/office/drawing/2014/main" val="954005725"/>
+                    </a:ext>
+                  </a:extLst>
+                </a:gridCol>
+                <a:gridCol w="754964">
+                  <a:extLst>
+                    <a:ext uri="{9D8B030D-6E8A-4147-A177-3AD203B41FA5}">
+                      <a16:colId xmlns:a16="http://schemas.microsoft.com/office/drawing/2014/main" val="2145626213"/>
+                    </a:ext>
+                  </a:extLst>
+                </a:gridCol>
+              </a:tblGrid>
+              <a:tr h="581627">
+                <a:tc>
+                  <a:txBody>
+                    <a:bodyPr/>
+                    <a:lstStyle/>
+                    <a:p>
+                      <a:pPr algn="ctr" fontAlgn="ctr"/>
+                      <a:r>
+                        <a:rPr lang="en" sz="1800" b="1" i="0" u="none" strike="noStrike" dirty="0" err="1">
+                          <a:solidFill>
+                            <a:srgbClr val="FFFFFF"/>
+                          </a:solidFill>
+                          <a:effectLst/>
+                          <a:latin typeface="Helvetica Neue" panose="02000503000000020004" pitchFamily="2" charset="0"/>
+                          <a:ea typeface="游ゴシック" panose="020B0400000000000000" pitchFamily="34" charset="-128"/>
+                        </a:rPr>
+                        <a:t>PassengerId</a:t>
+                      </a:r>
+                      <a:endParaRPr lang="en" sz="1800" b="1" i="0" u="none" strike="noStrike" dirty="0">
+                        <a:solidFill>
+                          <a:srgbClr val="FFFFFF"/>
+                        </a:solidFill>
+                        <a:effectLst/>
+                        <a:latin typeface="Helvetica Neue" panose="02000503000000020004" pitchFamily="2" charset="0"/>
+                        <a:ea typeface="游ゴシック" panose="020B0400000000000000" pitchFamily="34" charset="-128"/>
+                      </a:endParaRPr>
+                    </a:p>
+                  </a:txBody>
+                  <a:tcPr marL="8572" marR="8572" marT="8572" marB="0" anchor="ctr">
+                    <a:lnL w="6350" cap="flat" cmpd="sng" algn="ctr">
+                      <a:solidFill>
+                        <a:srgbClr val="5B9BD5"/>
+                      </a:solidFill>
+                      <a:prstDash val="solid"/>
+                      <a:round/>
+                      <a:headEnd type="none" w="med" len="med"/>
+                      <a:tailEnd type="none" w="med" len="med"/>
+                    </a:lnL>
+                    <a:lnR>
+                      <a:noFill/>
+                    </a:lnR>
+                    <a:lnT w="6350" cap="flat" cmpd="sng" algn="ctr">
+                      <a:solidFill>
+                        <a:srgbClr val="5B9BD5"/>
+                      </a:solidFill>
+                      <a:prstDash val="solid"/>
+                      <a:round/>
+                      <a:headEnd type="none" w="med" len="med"/>
+                      <a:tailEnd type="none" w="med" len="med"/>
+                    </a:lnT>
+                    <a:lnB w="6350" cap="flat" cmpd="sng" algn="ctr">
+                      <a:solidFill>
+                        <a:srgbClr val="5B9BD5"/>
+                      </a:solidFill>
+                      <a:prstDash val="solid"/>
+                      <a:round/>
+                      <a:headEnd type="none" w="med" len="med"/>
+                      <a:tailEnd type="none" w="med" len="med"/>
+                    </a:lnB>
+                    <a:solidFill>
+                      <a:srgbClr val="203764"/>
+                    </a:solidFill>
+                  </a:tcPr>
+                </a:tc>
+                <a:tc>
+                  <a:txBody>
+                    <a:bodyPr/>
+                    <a:lstStyle/>
+                    <a:p>
+                      <a:pPr algn="ctr" fontAlgn="ctr"/>
+                      <a:r>
+                        <a:rPr lang="en" sz="1800" b="1" i="0" u="none" strike="noStrike">
+                          <a:solidFill>
+                            <a:srgbClr val="FFFFFF"/>
+                          </a:solidFill>
+                          <a:effectLst/>
+                          <a:latin typeface="Helvetica Neue" panose="02000503000000020004" pitchFamily="2" charset="0"/>
+                          <a:ea typeface="游ゴシック" panose="020B0400000000000000" pitchFamily="34" charset="-128"/>
+                        </a:rPr>
+                        <a:t>Survived</a:t>
+                      </a:r>
+                    </a:p>
+                  </a:txBody>
+                  <a:tcPr marL="8572" marR="8572" marT="8572" marB="0" anchor="ctr">
+                    <a:lnL>
+                      <a:noFill/>
+                    </a:lnL>
+                    <a:lnR>
+                      <a:noFill/>
+                    </a:lnR>
+                    <a:lnT w="6350" cap="flat" cmpd="sng" algn="ctr">
+                      <a:solidFill>
+                        <a:srgbClr val="5B9BD5"/>
+                      </a:solidFill>
+                      <a:prstDash val="solid"/>
+                      <a:round/>
+                      <a:headEnd type="none" w="med" len="med"/>
+                      <a:tailEnd type="none" w="med" len="med"/>
+                    </a:lnT>
+                    <a:lnB w="6350" cap="flat" cmpd="sng" algn="ctr">
+                      <a:solidFill>
+                        <a:srgbClr val="5B9BD5"/>
+                      </a:solidFill>
+                      <a:prstDash val="solid"/>
+                      <a:round/>
+                      <a:headEnd type="none" w="med" len="med"/>
+                      <a:tailEnd type="none" w="med" len="med"/>
+                    </a:lnB>
+                    <a:solidFill>
+                      <a:srgbClr val="203764"/>
+                    </a:solidFill>
+                  </a:tcPr>
+                </a:tc>
+                <a:tc>
+                  <a:txBody>
+                    <a:bodyPr/>
+                    <a:lstStyle/>
+                    <a:p>
+                      <a:pPr algn="ctr" fontAlgn="ctr"/>
+                      <a:r>
+                        <a:rPr lang="en" sz="1800" b="1" i="0" u="none" strike="noStrike">
+                          <a:solidFill>
+                            <a:srgbClr val="FFFFFF"/>
+                          </a:solidFill>
+                          <a:effectLst/>
+                          <a:latin typeface="Helvetica Neue" panose="02000503000000020004" pitchFamily="2" charset="0"/>
+                          <a:ea typeface="游ゴシック" panose="020B0400000000000000" pitchFamily="34" charset="-128"/>
+                        </a:rPr>
+                        <a:t>Pclass</a:t>
+                      </a:r>
+                    </a:p>
+                  </a:txBody>
+                  <a:tcPr marL="8572" marR="8572" marT="8572" marB="0" anchor="ctr">
+                    <a:lnL>
+                      <a:noFill/>
+                    </a:lnL>
+                    <a:lnR>
+                      <a:noFill/>
+                    </a:lnR>
+                    <a:lnT w="6350" cap="flat" cmpd="sng" algn="ctr">
+                      <a:solidFill>
+                        <a:srgbClr val="5B9BD5"/>
+                      </a:solidFill>
+                      <a:prstDash val="solid"/>
+                      <a:round/>
+                      <a:headEnd type="none" w="med" len="med"/>
+                      <a:tailEnd type="none" w="med" len="med"/>
+                    </a:lnT>
+                    <a:lnB w="6350" cap="flat" cmpd="sng" algn="ctr">
+                      <a:solidFill>
+                        <a:srgbClr val="5B9BD5"/>
+                      </a:solidFill>
+                      <a:prstDash val="solid"/>
+                      <a:round/>
+                      <a:headEnd type="none" w="med" len="med"/>
+                      <a:tailEnd type="none" w="med" len="med"/>
+                    </a:lnB>
+                    <a:solidFill>
+                      <a:srgbClr val="203764"/>
+                    </a:solidFill>
+                  </a:tcPr>
+                </a:tc>
+                <a:extLst>
+                  <a:ext uri="{0D108BD9-81ED-4DB2-BD59-A6C34878D82A}">
+                    <a16:rowId xmlns:a16="http://schemas.microsoft.com/office/drawing/2014/main" val="1612014265"/>
+                  </a:ext>
+                </a:extLst>
+              </a:tr>
+              <a:tr h="581627">
+                <a:tc>
+                  <a:txBody>
+                    <a:bodyPr/>
+                    <a:lstStyle/>
+                    <a:p>
+                      <a:pPr algn="r" fontAlgn="ctr"/>
+                      <a:r>
+                        <a:rPr lang="en-US" altLang="ja-JP" sz="1800" b="0" i="0" u="none" strike="noStrike" dirty="0">
+                          <a:solidFill>
+                            <a:srgbClr val="000000"/>
+                          </a:solidFill>
+                          <a:effectLst/>
+                          <a:latin typeface="Helvetica Neue" panose="02000503000000020004" pitchFamily="2" charset="0"/>
+                          <a:ea typeface="游ゴシック" panose="020B0400000000000000" pitchFamily="34" charset="-128"/>
+                        </a:rPr>
+                        <a:t>804</a:t>
+                      </a:r>
+                    </a:p>
+                  </a:txBody>
+                  <a:tcPr marL="8572" marR="8572" marT="8572" marB="0" anchor="ctr">
+                    <a:lnL w="6350" cap="flat" cmpd="sng" algn="ctr">
+                      <a:solidFill>
+                        <a:srgbClr val="5B9BD5"/>
+                      </a:solidFill>
+                      <a:prstDash val="solid"/>
+                      <a:round/>
+                      <a:headEnd type="none" w="med" len="med"/>
+                      <a:tailEnd type="none" w="med" len="med"/>
+                    </a:lnL>
+                    <a:lnR>
+                      <a:noFill/>
+                    </a:lnR>
+                    <a:lnT w="6350" cap="flat" cmpd="sng" algn="ctr">
+                      <a:solidFill>
+                        <a:srgbClr val="5B9BD5"/>
+                      </a:solidFill>
+                      <a:prstDash val="solid"/>
+                      <a:round/>
+                      <a:headEnd type="none" w="med" len="med"/>
+                      <a:tailEnd type="none" w="med" len="med"/>
+                    </a:lnT>
+                    <a:lnB w="6350" cap="flat" cmpd="sng" algn="ctr">
+                      <a:solidFill>
+                        <a:srgbClr val="5B9BD5"/>
+                      </a:solidFill>
+                      <a:prstDash val="solid"/>
+                      <a:round/>
+                      <a:headEnd type="none" w="med" len="med"/>
+                      <a:tailEnd type="none" w="med" len="med"/>
+                    </a:lnB>
+                  </a:tcPr>
+                </a:tc>
+                <a:tc>
+                  <a:txBody>
+                    <a:bodyPr/>
+                    <a:lstStyle/>
+                    <a:p>
+                      <a:pPr algn="r" fontAlgn="ctr"/>
+                      <a:r>
+                        <a:rPr lang="en-US" altLang="ja-JP" sz="1800" b="0" i="0" u="none" strike="noStrike">
+                          <a:solidFill>
+                            <a:srgbClr val="000000"/>
+                          </a:solidFill>
+                          <a:effectLst/>
+                          <a:latin typeface="Helvetica Neue" panose="02000503000000020004" pitchFamily="2" charset="0"/>
+                          <a:ea typeface="游ゴシック" panose="020B0400000000000000" pitchFamily="34" charset="-128"/>
+                        </a:rPr>
+                        <a:t>1</a:t>
+                      </a:r>
+                    </a:p>
+                  </a:txBody>
+                  <a:tcPr marL="8572" marR="8572" marT="8572" marB="0" anchor="ctr">
+                    <a:lnL>
+                      <a:noFill/>
+                    </a:lnL>
+                    <a:lnR>
+                      <a:noFill/>
+                    </a:lnR>
+                    <a:lnT w="6350" cap="flat" cmpd="sng" algn="ctr">
+                      <a:solidFill>
+                        <a:srgbClr val="5B9BD5"/>
+                      </a:solidFill>
+                      <a:prstDash val="solid"/>
+                      <a:round/>
+                      <a:headEnd type="none" w="med" len="med"/>
+                      <a:tailEnd type="none" w="med" len="med"/>
+                    </a:lnT>
+                    <a:lnB w="6350" cap="flat" cmpd="sng" algn="ctr">
+                      <a:solidFill>
+                        <a:srgbClr val="5B9BD5"/>
+                      </a:solidFill>
+                      <a:prstDash val="solid"/>
+                      <a:round/>
+                      <a:headEnd type="none" w="med" len="med"/>
+                      <a:tailEnd type="none" w="med" len="med"/>
+                    </a:lnB>
+                  </a:tcPr>
+                </a:tc>
+                <a:tc>
+                  <a:txBody>
+                    <a:bodyPr/>
+                    <a:lstStyle/>
+                    <a:p>
+                      <a:pPr algn="r" fontAlgn="ctr"/>
+                      <a:r>
+                        <a:rPr lang="en-US" altLang="ja-JP" sz="1800" b="0" i="0" u="none" strike="noStrike">
+                          <a:solidFill>
+                            <a:srgbClr val="000000"/>
+                          </a:solidFill>
+                          <a:effectLst/>
+                          <a:latin typeface="Helvetica Neue" panose="02000503000000020004" pitchFamily="2" charset="0"/>
+                          <a:ea typeface="游ゴシック" panose="020B0400000000000000" pitchFamily="34" charset="-128"/>
+                        </a:rPr>
+                        <a:t>3</a:t>
+                      </a:r>
+                    </a:p>
+                  </a:txBody>
+                  <a:tcPr marL="8572" marR="8572" marT="8572" marB="0" anchor="ctr">
+                    <a:lnL>
+                      <a:noFill/>
+                    </a:lnL>
+                    <a:lnR>
+                      <a:noFill/>
+                    </a:lnR>
+                    <a:lnT w="6350" cap="flat" cmpd="sng" algn="ctr">
+                      <a:solidFill>
+                        <a:srgbClr val="5B9BD5"/>
+                      </a:solidFill>
+                      <a:prstDash val="solid"/>
+                      <a:round/>
+                      <a:headEnd type="none" w="med" len="med"/>
+                      <a:tailEnd type="none" w="med" len="med"/>
+                    </a:lnT>
+                    <a:lnB w="6350" cap="flat" cmpd="sng" algn="ctr">
+                      <a:solidFill>
+                        <a:srgbClr val="5B9BD5"/>
+                      </a:solidFill>
+                      <a:prstDash val="solid"/>
+                      <a:round/>
+                      <a:headEnd type="none" w="med" len="med"/>
+                      <a:tailEnd type="none" w="med" len="med"/>
+                    </a:lnB>
+                  </a:tcPr>
+                </a:tc>
+                <a:extLst>
+                  <a:ext uri="{0D108BD9-81ED-4DB2-BD59-A6C34878D82A}">
+                    <a16:rowId xmlns:a16="http://schemas.microsoft.com/office/drawing/2014/main" val="1779923753"/>
+                  </a:ext>
+                </a:extLst>
+              </a:tr>
+              <a:tr h="581627">
+                <a:tc>
+                  <a:txBody>
+                    <a:bodyPr/>
+                    <a:lstStyle/>
+                    <a:p>
+                      <a:pPr algn="r" fontAlgn="ctr"/>
+                      <a:r>
+                        <a:rPr lang="en-US" altLang="ja-JP" sz="1800" b="0" i="0" u="none" strike="noStrike">
+                          <a:solidFill>
+                            <a:srgbClr val="000000"/>
+                          </a:solidFill>
+                          <a:effectLst/>
+                          <a:latin typeface="Helvetica Neue" panose="02000503000000020004" pitchFamily="2" charset="0"/>
+                          <a:ea typeface="游ゴシック" panose="020B0400000000000000" pitchFamily="34" charset="-128"/>
+                        </a:rPr>
+                        <a:t>756</a:t>
+                      </a:r>
+                    </a:p>
+                  </a:txBody>
+                  <a:tcPr marL="8572" marR="8572" marT="8572" marB="0" anchor="ctr">
+                    <a:lnL w="6350" cap="flat" cmpd="sng" algn="ctr">
+                      <a:solidFill>
+                        <a:srgbClr val="5B9BD5"/>
+                      </a:solidFill>
+                      <a:prstDash val="solid"/>
+                      <a:round/>
+                      <a:headEnd type="none" w="med" len="med"/>
+                      <a:tailEnd type="none" w="med" len="med"/>
+                    </a:lnL>
+                    <a:lnR>
+                      <a:noFill/>
+                    </a:lnR>
+                    <a:lnT w="6350" cap="flat" cmpd="sng" algn="ctr">
+                      <a:solidFill>
+                        <a:srgbClr val="5B9BD5"/>
+                      </a:solidFill>
+                      <a:prstDash val="solid"/>
+                      <a:round/>
+                      <a:headEnd type="none" w="med" len="med"/>
+                      <a:tailEnd type="none" w="med" len="med"/>
+                    </a:lnT>
+                    <a:lnB w="6350" cap="flat" cmpd="sng" algn="ctr">
+                      <a:solidFill>
+                        <a:srgbClr val="5B9BD5"/>
+                      </a:solidFill>
+                      <a:prstDash val="solid"/>
+                      <a:round/>
+                      <a:headEnd type="none" w="med" len="med"/>
+                      <a:tailEnd type="none" w="med" len="med"/>
+                    </a:lnB>
+                  </a:tcPr>
+                </a:tc>
+                <a:tc>
+                  <a:txBody>
+                    <a:bodyPr/>
+                    <a:lstStyle/>
+                    <a:p>
+                      <a:pPr algn="r" fontAlgn="ctr"/>
+                      <a:r>
+                        <a:rPr lang="en-US" altLang="ja-JP" sz="1800" b="0" i="0" u="none" strike="noStrike">
+                          <a:solidFill>
+                            <a:srgbClr val="000000"/>
+                          </a:solidFill>
+                          <a:effectLst/>
+                          <a:latin typeface="Helvetica Neue" panose="02000503000000020004" pitchFamily="2" charset="0"/>
+                          <a:ea typeface="游ゴシック" panose="020B0400000000000000" pitchFamily="34" charset="-128"/>
+                        </a:rPr>
+                        <a:t>1</a:t>
+                      </a:r>
+                    </a:p>
+                  </a:txBody>
+                  <a:tcPr marL="8572" marR="8572" marT="8572" marB="0" anchor="ctr">
+                    <a:lnL>
+                      <a:noFill/>
+                    </a:lnL>
+                    <a:lnR>
+                      <a:noFill/>
+                    </a:lnR>
+                    <a:lnT w="6350" cap="flat" cmpd="sng" algn="ctr">
+                      <a:solidFill>
+                        <a:srgbClr val="5B9BD5"/>
+                      </a:solidFill>
+                      <a:prstDash val="solid"/>
+                      <a:round/>
+                      <a:headEnd type="none" w="med" len="med"/>
+                      <a:tailEnd type="none" w="med" len="med"/>
+                    </a:lnT>
+                    <a:lnB w="6350" cap="flat" cmpd="sng" algn="ctr">
+                      <a:solidFill>
+                        <a:srgbClr val="5B9BD5"/>
+                      </a:solidFill>
+                      <a:prstDash val="solid"/>
+                      <a:round/>
+                      <a:headEnd type="none" w="med" len="med"/>
+                      <a:tailEnd type="none" w="med" len="med"/>
+                    </a:lnB>
+                  </a:tcPr>
+                </a:tc>
+                <a:tc>
+                  <a:txBody>
+                    <a:bodyPr/>
+                    <a:lstStyle/>
+                    <a:p>
+                      <a:pPr algn="r" fontAlgn="ctr"/>
+                      <a:r>
+                        <a:rPr lang="en-US" altLang="ja-JP" sz="1800" b="0" i="0" u="none" strike="noStrike">
+                          <a:solidFill>
+                            <a:srgbClr val="000000"/>
+                          </a:solidFill>
+                          <a:effectLst/>
+                          <a:latin typeface="Helvetica Neue" panose="02000503000000020004" pitchFamily="2" charset="0"/>
+                          <a:ea typeface="游ゴシック" panose="020B0400000000000000" pitchFamily="34" charset="-128"/>
+                        </a:rPr>
+                        <a:t>2</a:t>
+                      </a:r>
+                    </a:p>
+                  </a:txBody>
+                  <a:tcPr marL="8572" marR="8572" marT="8572" marB="0" anchor="ctr">
+                    <a:lnL>
+                      <a:noFill/>
+                    </a:lnL>
+                    <a:lnR>
+                      <a:noFill/>
+                    </a:lnR>
+                    <a:lnT w="6350" cap="flat" cmpd="sng" algn="ctr">
+                      <a:solidFill>
+                        <a:srgbClr val="5B9BD5"/>
+                      </a:solidFill>
+                      <a:prstDash val="solid"/>
+                      <a:round/>
+                      <a:headEnd type="none" w="med" len="med"/>
+                      <a:tailEnd type="none" w="med" len="med"/>
+                    </a:lnT>
+                    <a:lnB w="6350" cap="flat" cmpd="sng" algn="ctr">
+                      <a:solidFill>
+                        <a:srgbClr val="5B9BD5"/>
+                      </a:solidFill>
+                      <a:prstDash val="solid"/>
+                      <a:round/>
+                      <a:headEnd type="none" w="med" len="med"/>
+                      <a:tailEnd type="none" w="med" len="med"/>
+                    </a:lnB>
+                  </a:tcPr>
+                </a:tc>
+                <a:extLst>
+                  <a:ext uri="{0D108BD9-81ED-4DB2-BD59-A6C34878D82A}">
+                    <a16:rowId xmlns:a16="http://schemas.microsoft.com/office/drawing/2014/main" val="3526823768"/>
+                  </a:ext>
+                </a:extLst>
+              </a:tr>
+              <a:tr h="295287">
+                <a:tc>
+                  <a:txBody>
+                    <a:bodyPr/>
+                    <a:lstStyle/>
+                    <a:p>
+                      <a:pPr algn="r" fontAlgn="ctr"/>
+                      <a:r>
+                        <a:rPr lang="en-US" altLang="ja-JP" sz="1800" b="0" i="0" u="none" strike="noStrike">
+                          <a:solidFill>
+                            <a:srgbClr val="000000"/>
+                          </a:solidFill>
+                          <a:effectLst/>
+                          <a:latin typeface="Helvetica Neue" panose="02000503000000020004" pitchFamily="2" charset="0"/>
+                          <a:ea typeface="游ゴシック" panose="020B0400000000000000" pitchFamily="34" charset="-128"/>
+                        </a:rPr>
+                        <a:t>645</a:t>
+                      </a:r>
+                    </a:p>
+                  </a:txBody>
+                  <a:tcPr marL="8572" marR="8572" marT="8572" marB="0" anchor="ctr">
+                    <a:lnL w="6350" cap="flat" cmpd="sng" algn="ctr">
+                      <a:solidFill>
+                        <a:srgbClr val="5B9BD5"/>
+                      </a:solidFill>
+                      <a:prstDash val="solid"/>
+                      <a:round/>
+                      <a:headEnd type="none" w="med" len="med"/>
+                      <a:tailEnd type="none" w="med" len="med"/>
+                    </a:lnL>
+                    <a:lnR>
+                      <a:noFill/>
+                    </a:lnR>
+                    <a:lnT w="6350" cap="flat" cmpd="sng" algn="ctr">
+                      <a:solidFill>
+                        <a:srgbClr val="5B9BD5"/>
+                      </a:solidFill>
+                      <a:prstDash val="solid"/>
+                      <a:round/>
+                      <a:headEnd type="none" w="med" len="med"/>
+                      <a:tailEnd type="none" w="med" len="med"/>
+                    </a:lnT>
+                    <a:lnB w="6350" cap="flat" cmpd="sng" algn="ctr">
+                      <a:solidFill>
+                        <a:srgbClr val="5B9BD5"/>
+                      </a:solidFill>
+                      <a:prstDash val="solid"/>
+                      <a:round/>
+                      <a:headEnd type="none" w="med" len="med"/>
+                      <a:tailEnd type="none" w="med" len="med"/>
+                    </a:lnB>
+                  </a:tcPr>
+                </a:tc>
+                <a:tc>
+                  <a:txBody>
+                    <a:bodyPr/>
+                    <a:lstStyle/>
+                    <a:p>
+                      <a:pPr algn="r" fontAlgn="ctr"/>
+                      <a:r>
+                        <a:rPr lang="en-US" altLang="ja-JP" sz="1800" b="0" i="0" u="none" strike="noStrike">
+                          <a:solidFill>
+                            <a:srgbClr val="000000"/>
+                          </a:solidFill>
+                          <a:effectLst/>
+                          <a:latin typeface="Helvetica Neue" panose="02000503000000020004" pitchFamily="2" charset="0"/>
+                          <a:ea typeface="游ゴシック" panose="020B0400000000000000" pitchFamily="34" charset="-128"/>
+                        </a:rPr>
+                        <a:t>1</a:t>
+                      </a:r>
+                    </a:p>
+                  </a:txBody>
+                  <a:tcPr marL="8572" marR="8572" marT="8572" marB="0" anchor="ctr">
+                    <a:lnL>
+                      <a:noFill/>
+                    </a:lnL>
+                    <a:lnR>
+                      <a:noFill/>
+                    </a:lnR>
+                    <a:lnT w="6350" cap="flat" cmpd="sng" algn="ctr">
+                      <a:solidFill>
+                        <a:srgbClr val="5B9BD5"/>
+                      </a:solidFill>
+                      <a:prstDash val="solid"/>
+                      <a:round/>
+                      <a:headEnd type="none" w="med" len="med"/>
+                      <a:tailEnd type="none" w="med" len="med"/>
+                    </a:lnT>
+                    <a:lnB w="6350" cap="flat" cmpd="sng" algn="ctr">
+                      <a:solidFill>
+                        <a:srgbClr val="5B9BD5"/>
+                      </a:solidFill>
+                      <a:prstDash val="solid"/>
+                      <a:round/>
+                      <a:headEnd type="none" w="med" len="med"/>
+                      <a:tailEnd type="none" w="med" len="med"/>
+                    </a:lnB>
+                  </a:tcPr>
+                </a:tc>
+                <a:tc>
+                  <a:txBody>
+                    <a:bodyPr/>
+                    <a:lstStyle/>
+                    <a:p>
+                      <a:pPr algn="r" fontAlgn="ctr"/>
+                      <a:r>
+                        <a:rPr lang="en-US" altLang="ja-JP" sz="1800" b="0" i="0" u="none" strike="noStrike" dirty="0">
+                          <a:solidFill>
+                            <a:srgbClr val="000000"/>
+                          </a:solidFill>
+                          <a:effectLst/>
+                          <a:latin typeface="Helvetica Neue" panose="02000503000000020004" pitchFamily="2" charset="0"/>
+                          <a:ea typeface="游ゴシック" panose="020B0400000000000000" pitchFamily="34" charset="-128"/>
+                        </a:rPr>
+                        <a:t>3</a:t>
+                      </a:r>
+                    </a:p>
+                  </a:txBody>
+                  <a:tcPr marL="8572" marR="8572" marT="8572" marB="0" anchor="ctr">
+                    <a:lnL>
+                      <a:noFill/>
+                    </a:lnL>
+                    <a:lnR>
+                      <a:noFill/>
+                    </a:lnR>
+                    <a:lnT w="6350" cap="flat" cmpd="sng" algn="ctr">
+                      <a:solidFill>
+                        <a:srgbClr val="5B9BD5"/>
+                      </a:solidFill>
+                      <a:prstDash val="solid"/>
+                      <a:round/>
+                      <a:headEnd type="none" w="med" len="med"/>
+                      <a:tailEnd type="none" w="med" len="med"/>
+                    </a:lnT>
+                    <a:lnB w="6350" cap="flat" cmpd="sng" algn="ctr">
+                      <a:solidFill>
+                        <a:srgbClr val="5B9BD5"/>
+                      </a:solidFill>
+                      <a:prstDash val="solid"/>
+                      <a:round/>
+                      <a:headEnd type="none" w="med" len="med"/>
+                      <a:tailEnd type="none" w="med" len="med"/>
+                    </a:lnB>
+                  </a:tcPr>
+                </a:tc>
+                <a:extLst>
+                  <a:ext uri="{0D108BD9-81ED-4DB2-BD59-A6C34878D82A}">
+                    <a16:rowId xmlns:a16="http://schemas.microsoft.com/office/drawing/2014/main" val="4202445982"/>
+                  </a:ext>
+                </a:extLst>
+              </a:tr>
+            </a:tbl>
+          </a:graphicData>
+        </a:graphic>
+      </p:graphicFrame>
+    </p:spTree>
+    <p:extLst>
+      <p:ext uri="{BB962C8B-B14F-4D97-AF65-F5344CB8AC3E}">
+        <p14:creationId xmlns:p14="http://schemas.microsoft.com/office/powerpoint/2010/main" val="3841212173"/>
+      </p:ext>
+    </p:extLst>
+  </p:cSld>
+  <p:clrMapOvr>
+    <a:masterClrMapping/>
+  </p:clrMapOvr>
+</p:sld>
+</file>
+
+<file path=ppt/slides/slide2.xml><?xml version="1.0" encoding="utf-8"?>
+<p:sld xmlns:a="http://schemas.openxmlformats.org/drawingml/2006/main" xmlns:r="http://schemas.openxmlformats.org/officeDocument/2006/relationships" xmlns:p="http://schemas.openxmlformats.org/presentationml/2006/main">
+  <p:cSld>
+    <p:spTree>
+      <p:nvGrpSpPr>
+        <p:cNvPr id="1" name="Shape 53"/>
+        <p:cNvGrpSpPr/>
+        <p:nvPr/>
+      </p:nvGrpSpPr>
+      <p:grpSpPr>
+        <a:xfrm>
+          <a:off x="0" y="0"/>
+          <a:ext cx="0" cy="0"/>
+          <a:chOff x="0" y="0"/>
+          <a:chExt cx="0" cy="0"/>
+        </a:xfrm>
+      </p:grpSpPr>
+      <p:sp>
+        <p:nvSpPr>
+          <p:cNvPr id="54" name="Google Shape;54;p2"/>
+          <p:cNvSpPr txBox="1">
+            <a:spLocks noGrp="1"/>
+          </p:cNvSpPr>
+          <p:nvPr>
+            <p:ph type="title"/>
+          </p:nvPr>
+        </p:nvSpPr>
+        <p:spPr>
+          <a:prstGeom prst="rect">
+            <a:avLst/>
+          </a:prstGeom>
+          <a:noFill/>
+          <a:ln>
+            <a:noFill/>
+          </a:ln>
+        </p:spPr>
+        <p:txBody>
+          <a:bodyPr spcFirstLastPara="1" wrap="square" lIns="91425" tIns="45700" rIns="91425" bIns="45700" anchor="ctr" anchorCtr="0">
+            <a:normAutofit/>
+          </a:bodyPr>
+          <a:lstStyle/>
+          <a:p>
+            <a:pPr marL="225425" lvl="0" indent="0" algn="l" rtl="0">
+              <a:lnSpc>
+                <a:spcPct val="90000"/>
+              </a:lnSpc>
+              <a:spcBef>
+                <a:spcPts val="0"/>
+              </a:spcBef>
+              <a:spcAft>
+                <a:spcPts val="0"/>
+              </a:spcAft>
+              <a:buClr>
+                <a:schemeClr val="lt1"/>
+              </a:buClr>
+              <a:buSzPts val="1800"/>
+              <a:buFont typeface="Arial"/>
+              <a:buNone/>
+            </a:pPr>
+            <a:r>
+              <a:rPr lang="ja-JP" altLang="en-US"/>
+              <a:t>共有事項の確認</a:t>
+            </a:r>
+            <a:endParaRPr dirty="0"/>
+          </a:p>
+        </p:txBody>
+      </p:sp>
+      <p:sp>
+        <p:nvSpPr>
+          <p:cNvPr id="55" name="Google Shape;55;p2"/>
+          <p:cNvSpPr txBox="1">
+            <a:spLocks noGrp="1"/>
+          </p:cNvSpPr>
+          <p:nvPr>
+            <p:ph type="body" idx="1"/>
+          </p:nvPr>
+        </p:nvSpPr>
+        <p:spPr>
+          <a:prstGeom prst="rect">
+            <a:avLst/>
+          </a:prstGeom>
+          <a:noFill/>
+          <a:ln>
+            <a:noFill/>
+          </a:ln>
+        </p:spPr>
+        <p:txBody>
+          <a:bodyPr spcFirstLastPara="1" wrap="square" lIns="91425" tIns="45700" rIns="91425" bIns="45700" anchor="t" anchorCtr="0">
+            <a:normAutofit/>
+          </a:bodyPr>
+          <a:lstStyle/>
+          <a:p>
+            <a:r>
+              <a:rPr lang="en-US" sz="2400" dirty="0" err="1"/>
+              <a:t>事故の起きた際の緊急時マニュアルを一新したい</a:t>
+            </a:r>
+            <a:endParaRPr lang="en-US" sz="2400" dirty="0"/>
+          </a:p>
+          <a:p>
+            <a:endParaRPr lang="en-US" sz="2400" dirty="0"/>
+          </a:p>
+          <a:p>
+            <a:r>
+              <a:rPr lang="en-US" sz="2400" dirty="0" err="1"/>
+              <a:t>現場の動きが生存率等に大きく影響を与えることを</a:t>
+            </a:r>
+            <a:br>
+              <a:rPr lang="en-US" sz="2400" dirty="0"/>
+            </a:br>
+            <a:r>
+              <a:rPr lang="en-US" sz="2400" dirty="0" err="1"/>
+              <a:t>機械学習モデルの予測によって示す</a:t>
+            </a:r>
+            <a:endParaRPr lang="en-US" sz="2400" dirty="0"/>
+          </a:p>
+          <a:p>
+            <a:pPr marL="101600" indent="0">
+              <a:buNone/>
+            </a:pPr>
+            <a:endParaRPr lang="en-US" sz="2400" dirty="0"/>
+          </a:p>
+          <a:p>
+            <a:pPr marL="101600" indent="0">
+              <a:buNone/>
+            </a:pPr>
+            <a:endParaRPr lang="en-US" sz="2400" dirty="0"/>
+          </a:p>
+          <a:p>
+            <a:pPr marL="101600" lvl="0" indent="0" algn="l" rtl="0">
+              <a:lnSpc>
+                <a:spcPct val="90000"/>
+              </a:lnSpc>
+              <a:spcBef>
+                <a:spcPts val="813"/>
+              </a:spcBef>
+              <a:spcAft>
+                <a:spcPts val="0"/>
+              </a:spcAft>
+              <a:buSzPts val="2000"/>
+              <a:buFont typeface="Arial"/>
+              <a:buNone/>
+            </a:pPr>
+            <a:r>
+              <a:rPr lang="en-US" sz="2400" dirty="0" err="1"/>
+              <a:t>目的</a:t>
+            </a:r>
+            <a:endParaRPr lang="en-US" sz="2400" dirty="0"/>
+          </a:p>
+          <a:p>
+            <a:pPr marL="101600" lvl="0" indent="0" algn="l" rtl="0">
+              <a:lnSpc>
+                <a:spcPct val="90000"/>
+              </a:lnSpc>
+              <a:spcBef>
+                <a:spcPts val="813"/>
+              </a:spcBef>
+              <a:spcAft>
+                <a:spcPts val="0"/>
+              </a:spcAft>
+              <a:buSzPts val="2000"/>
+              <a:buFont typeface="Arial"/>
+              <a:buNone/>
+            </a:pPr>
+            <a:endParaRPr lang="en-US" sz="2400" dirty="0"/>
+          </a:p>
+          <a:p>
+            <a:pPr marL="101600" lvl="0" indent="0" algn="ctr" rtl="0">
+              <a:lnSpc>
+                <a:spcPct val="90000"/>
+              </a:lnSpc>
+              <a:spcBef>
+                <a:spcPts val="813"/>
+              </a:spcBef>
+              <a:spcAft>
+                <a:spcPts val="0"/>
+              </a:spcAft>
+              <a:buSzPts val="2000"/>
+              <a:buFont typeface="Arial"/>
+              <a:buNone/>
+            </a:pPr>
+            <a:r>
+              <a:rPr lang="en-US" sz="2400" dirty="0"/>
+              <a:t>	</a:t>
+            </a:r>
+            <a:r>
+              <a:rPr lang="ja-JP" altLang="en-US" sz="3200"/>
+              <a:t>「現場の動き」と「乗客の生死」に、どのような関係性があるかを</a:t>
+            </a:r>
+          </a:p>
+          <a:p>
+            <a:pPr marL="101600" lvl="0" indent="0" algn="ctr" rtl="0">
+              <a:lnSpc>
+                <a:spcPct val="90000"/>
+              </a:lnSpc>
+              <a:spcBef>
+                <a:spcPts val="813"/>
+              </a:spcBef>
+              <a:spcAft>
+                <a:spcPts val="0"/>
+              </a:spcAft>
+              <a:buSzPts val="2000"/>
+              <a:buFont typeface="Arial"/>
+              <a:buNone/>
+            </a:pPr>
+            <a:r>
+              <a:rPr lang="ja-JP" altLang="en-US" sz="3200"/>
+              <a:t>データ分析の視点から明らかにする</a:t>
+            </a:r>
+          </a:p>
+        </p:txBody>
+      </p:sp>
+    </p:spTree>
+    <p:extLst>
+      <p:ext uri="{BB962C8B-B14F-4D97-AF65-F5344CB8AC3E}">
+        <p14:creationId xmlns:p14="http://schemas.microsoft.com/office/powerpoint/2010/main" val="2972617758"/>
+      </p:ext>
+    </p:extLst>
+  </p:cSld>
+  <p:clrMapOvr>
+    <a:masterClrMapping/>
+  </p:clrMapOvr>
+</p:sld>
+</file>
+
+<file path=ppt/slides/slide20.xml><?xml version="1.0" encoding="utf-8"?>
 <p:sld xmlns:a="http://schemas.openxmlformats.org/drawingml/2006/main" xmlns:r="http://schemas.openxmlformats.org/officeDocument/2006/relationships" xmlns:p="http://schemas.openxmlformats.org/presentationml/2006/main" show="0">
   <p:cSld>
     <p:spTree>
@@ -10247,7 +15096,401 @@
 </p:sld>
 </file>
 
-<file path=ppt/slides/slide17.xml><?xml version="1.0" encoding="utf-8"?>
+<file path=ppt/slides/slide21.xml><?xml version="1.0" encoding="utf-8"?>
+<p:sld xmlns:a="http://schemas.openxmlformats.org/drawingml/2006/main" xmlns:r="http://schemas.openxmlformats.org/officeDocument/2006/relationships" xmlns:p="http://schemas.openxmlformats.org/presentationml/2006/main" show="0">
+  <p:cSld>
+    <p:spTree>
+      <p:nvGrpSpPr>
+        <p:cNvPr id="1" name=""/>
+        <p:cNvGrpSpPr/>
+        <p:nvPr/>
+      </p:nvGrpSpPr>
+      <p:grpSpPr>
+        <a:xfrm>
+          <a:off x="0" y="0"/>
+          <a:ext cx="0" cy="0"/>
+          <a:chOff x="0" y="0"/>
+          <a:chExt cx="0" cy="0"/>
+        </a:xfrm>
+      </p:grpSpPr>
+      <p:sp>
+        <p:nvSpPr>
+          <p:cNvPr id="2" name="タイトル 1">
+            <a:extLst>
+              <a:ext uri="{FF2B5EF4-FFF2-40B4-BE49-F238E27FC236}">
+                <a16:creationId xmlns:a16="http://schemas.microsoft.com/office/drawing/2014/main" id="{B81475F3-542E-E46E-0C61-CFE64F5F3F65}"/>
+              </a:ext>
+            </a:extLst>
+          </p:cNvPr>
+          <p:cNvSpPr>
+            <a:spLocks noGrp="1"/>
+          </p:cNvSpPr>
+          <p:nvPr>
+            <p:ph type="title"/>
+          </p:nvPr>
+        </p:nvSpPr>
+        <p:spPr/>
+        <p:txBody>
+          <a:bodyPr/>
+          <a:lstStyle/>
+          <a:p>
+            <a:r>
+              <a:rPr kumimoji="1" lang="ja-JP" altLang="en-US"/>
+              <a:t>アンサンブル</a:t>
+            </a:r>
+            <a:r>
+              <a:rPr lang="ja-JP" altLang="en-US"/>
+              <a:t>学習</a:t>
+            </a:r>
+            <a:endParaRPr kumimoji="1" lang="ja-JP" altLang="en-US"/>
+          </a:p>
+        </p:txBody>
+      </p:sp>
+      <p:sp>
+        <p:nvSpPr>
+          <p:cNvPr id="3" name="テキスト プレースホルダー 2">
+            <a:extLst>
+              <a:ext uri="{FF2B5EF4-FFF2-40B4-BE49-F238E27FC236}">
+                <a16:creationId xmlns:a16="http://schemas.microsoft.com/office/drawing/2014/main" id="{3A9D4D0C-DADD-B714-481C-BC1219BA578B}"/>
+              </a:ext>
+            </a:extLst>
+          </p:cNvPr>
+          <p:cNvSpPr>
+            <a:spLocks noGrp="1"/>
+          </p:cNvSpPr>
+          <p:nvPr>
+            <p:ph type="body" idx="1"/>
+          </p:nvPr>
+        </p:nvSpPr>
+        <p:spPr/>
+        <p:txBody>
+          <a:bodyPr/>
+          <a:lstStyle/>
+          <a:p>
+            <a:r>
+              <a:rPr kumimoji="1" lang="ja-JP" altLang="en-US"/>
+              <a:t>複数モデルの組み合わせによって高い精度と頑健性を目指す手法</a:t>
+            </a:r>
+            <a:endParaRPr kumimoji="1" lang="en-US" altLang="ja-JP" dirty="0"/>
+          </a:p>
+          <a:p>
+            <a:r>
+              <a:rPr lang="ja-JP" altLang="en-US"/>
+              <a:t>代表的なものは以下の</a:t>
+            </a:r>
+            <a:r>
+              <a:rPr lang="en-US" altLang="ja-JP" dirty="0"/>
+              <a:t>3</a:t>
+            </a:r>
+            <a:r>
+              <a:rPr lang="ja-JP" altLang="en-US"/>
+              <a:t>つである</a:t>
+            </a:r>
+            <a:endParaRPr kumimoji="1" lang="en-US" altLang="ja-JP" dirty="0"/>
+          </a:p>
+          <a:p>
+            <a:pPr lvl="1"/>
+            <a:r>
+              <a:rPr kumimoji="1" lang="ja-JP" altLang="en-US"/>
+              <a:t>バギング</a:t>
+            </a:r>
+            <a:endParaRPr kumimoji="1" lang="en-US" altLang="ja-JP" dirty="0"/>
+          </a:p>
+          <a:p>
+            <a:pPr lvl="2"/>
+            <a:r>
+              <a:rPr kumimoji="1" lang="en-US" altLang="ja-JP" dirty="0"/>
+              <a:t>Bootstrap Aggregating</a:t>
+            </a:r>
+          </a:p>
+          <a:p>
+            <a:pPr lvl="2"/>
+            <a:r>
+              <a:rPr lang="ja-JP" altLang="en-US"/>
+              <a:t>複数のモデル</a:t>
+            </a:r>
+            <a:r>
+              <a:rPr lang="en-US" altLang="ja-JP" dirty="0"/>
+              <a:t> (</a:t>
+            </a:r>
+            <a:r>
+              <a:rPr lang="ja-JP" altLang="en-US"/>
+              <a:t>弱学習器</a:t>
+            </a:r>
+            <a:r>
+              <a:rPr lang="en-US" altLang="ja-JP" dirty="0"/>
+              <a:t>)</a:t>
+            </a:r>
+            <a:r>
+              <a:rPr lang="ja-JP" altLang="en-US"/>
+              <a:t>を並列に組み合わせる</a:t>
+            </a:r>
+            <a:endParaRPr lang="en-US" altLang="ja-JP" dirty="0"/>
+          </a:p>
+          <a:p>
+            <a:pPr lvl="2"/>
+            <a:r>
+              <a:rPr lang="ja-JP" altLang="en-US"/>
+              <a:t>複数モデルの多数決等により柔軟な判別が可能</a:t>
+            </a:r>
+            <a:endParaRPr lang="en-US" altLang="ja-JP" dirty="0"/>
+          </a:p>
+          <a:p>
+            <a:pPr lvl="2"/>
+            <a:endParaRPr kumimoji="1" lang="en-US" altLang="ja-JP" dirty="0"/>
+          </a:p>
+          <a:p>
+            <a:pPr lvl="1"/>
+            <a:r>
+              <a:rPr lang="ja-JP" altLang="en-US"/>
+              <a:t>ブースティング</a:t>
+            </a:r>
+            <a:endParaRPr lang="en-US" altLang="ja-JP" dirty="0"/>
+          </a:p>
+          <a:p>
+            <a:pPr lvl="2"/>
+            <a:r>
+              <a:rPr lang="en-US" altLang="ja-JP" dirty="0"/>
+              <a:t>Boosting</a:t>
+            </a:r>
+          </a:p>
+          <a:p>
+            <a:pPr lvl="2"/>
+            <a:r>
+              <a:rPr lang="ja-JP" altLang="en-US"/>
+              <a:t>複数のモデル</a:t>
+            </a:r>
+            <a:r>
+              <a:rPr lang="en-US" altLang="ja-JP" dirty="0"/>
+              <a:t> (</a:t>
+            </a:r>
+            <a:r>
+              <a:rPr lang="ja-JP" altLang="en-US"/>
+              <a:t>弱学習器</a:t>
+            </a:r>
+            <a:r>
+              <a:rPr lang="en-US" altLang="ja-JP" dirty="0"/>
+              <a:t>) </a:t>
+            </a:r>
+            <a:r>
+              <a:rPr lang="ja-JP" altLang="en-US"/>
+              <a:t>を直列に組み合わせる</a:t>
+            </a:r>
+            <a:r>
+              <a:rPr lang="en-US" altLang="ja-JP" dirty="0"/>
+              <a:t> </a:t>
+            </a:r>
+          </a:p>
+          <a:p>
+            <a:pPr lvl="2"/>
+            <a:r>
+              <a:rPr lang="ja-JP" altLang="en-US"/>
+              <a:t>判別の難しいデータは後続に任せていくことで重点的に学習</a:t>
+            </a:r>
+            <a:endParaRPr lang="en-US" altLang="ja-JP" dirty="0"/>
+          </a:p>
+          <a:p>
+            <a:pPr lvl="1"/>
+            <a:endParaRPr kumimoji="1" lang="en-US" altLang="ja-JP" dirty="0"/>
+          </a:p>
+          <a:p>
+            <a:pPr lvl="1"/>
+            <a:r>
+              <a:rPr kumimoji="1" lang="ja-JP" altLang="en-US"/>
+              <a:t>スタッキング</a:t>
+            </a:r>
+            <a:endParaRPr kumimoji="1" lang="en-US" altLang="ja-JP" dirty="0"/>
+          </a:p>
+          <a:p>
+            <a:pPr lvl="2"/>
+            <a:r>
+              <a:rPr lang="ja-JP" altLang="en-US"/>
+              <a:t>モデルの入力として、別の学習器から得られた結果を組み込む</a:t>
+            </a:r>
+            <a:endParaRPr lang="en-US" altLang="ja-JP" dirty="0"/>
+          </a:p>
+          <a:p>
+            <a:pPr lvl="2"/>
+            <a:endParaRPr kumimoji="1" lang="ja-JP" altLang="en-US"/>
+          </a:p>
+        </p:txBody>
+      </p:sp>
+    </p:spTree>
+    <p:extLst>
+      <p:ext uri="{BB962C8B-B14F-4D97-AF65-F5344CB8AC3E}">
+        <p14:creationId xmlns:p14="http://schemas.microsoft.com/office/powerpoint/2010/main" val="2368795551"/>
+      </p:ext>
+    </p:extLst>
+  </p:cSld>
+  <p:clrMapOvr>
+    <a:masterClrMapping/>
+  </p:clrMapOvr>
+</p:sld>
+</file>
+
+<file path=ppt/slides/slide22.xml><?xml version="1.0" encoding="utf-8"?>
+<p:sld xmlns:a="http://schemas.openxmlformats.org/drawingml/2006/main" xmlns:r="http://schemas.openxmlformats.org/officeDocument/2006/relationships" xmlns:p="http://schemas.openxmlformats.org/presentationml/2006/main" show="0">
+  <p:cSld>
+    <p:spTree>
+      <p:nvGrpSpPr>
+        <p:cNvPr id="1" name=""/>
+        <p:cNvGrpSpPr/>
+        <p:nvPr/>
+      </p:nvGrpSpPr>
+      <p:grpSpPr>
+        <a:xfrm>
+          <a:off x="0" y="0"/>
+          <a:ext cx="0" cy="0"/>
+          <a:chOff x="0" y="0"/>
+          <a:chExt cx="0" cy="0"/>
+        </a:xfrm>
+      </p:grpSpPr>
+      <p:sp>
+        <p:nvSpPr>
+          <p:cNvPr id="2" name="タイトル 1">
+            <a:extLst>
+              <a:ext uri="{FF2B5EF4-FFF2-40B4-BE49-F238E27FC236}">
+                <a16:creationId xmlns:a16="http://schemas.microsoft.com/office/drawing/2014/main" id="{B81475F3-542E-E46E-0C61-CFE64F5F3F65}"/>
+              </a:ext>
+            </a:extLst>
+          </p:cNvPr>
+          <p:cNvSpPr>
+            <a:spLocks noGrp="1"/>
+          </p:cNvSpPr>
+          <p:nvPr>
+            <p:ph type="title"/>
+          </p:nvPr>
+        </p:nvSpPr>
+        <p:spPr/>
+        <p:txBody>
+          <a:bodyPr/>
+          <a:lstStyle/>
+          <a:p>
+            <a:r>
+              <a:rPr kumimoji="1" lang="ja-JP" altLang="en-US"/>
+              <a:t>特徴量の重要性評価</a:t>
+            </a:r>
+          </a:p>
+        </p:txBody>
+      </p:sp>
+      <p:sp>
+        <p:nvSpPr>
+          <p:cNvPr id="3" name="テキスト プレースホルダー 2">
+            <a:extLst>
+              <a:ext uri="{FF2B5EF4-FFF2-40B4-BE49-F238E27FC236}">
+                <a16:creationId xmlns:a16="http://schemas.microsoft.com/office/drawing/2014/main" id="{3A9D4D0C-DADD-B714-481C-BC1219BA578B}"/>
+              </a:ext>
+            </a:extLst>
+          </p:cNvPr>
+          <p:cNvSpPr>
+            <a:spLocks noGrp="1"/>
+          </p:cNvSpPr>
+          <p:nvPr>
+            <p:ph type="body" idx="1"/>
+          </p:nvPr>
+        </p:nvSpPr>
+        <p:spPr/>
+        <p:txBody>
+          <a:bodyPr/>
+          <a:lstStyle/>
+          <a:p>
+            <a:r>
+              <a:rPr lang="ja-JP" altLang="en-US"/>
+              <a:t>基本的な</a:t>
+            </a:r>
+            <a:r>
+              <a:rPr lang="en-US" altLang="ja-JP" dirty="0"/>
+              <a:t>2</a:t>
+            </a:r>
+            <a:r>
+              <a:rPr lang="ja-JP" altLang="en-US"/>
+              <a:t>つの重要度計算方法</a:t>
+            </a:r>
+            <a:endParaRPr lang="en-US" altLang="ja-JP" dirty="0"/>
+          </a:p>
+          <a:p>
+            <a:pPr lvl="1"/>
+            <a:r>
+              <a:rPr lang="en-US" altLang="ja-JP" sz="2000" dirty="0"/>
+              <a:t>Split :</a:t>
+            </a:r>
+          </a:p>
+          <a:p>
+            <a:pPr lvl="2"/>
+            <a:r>
+              <a:rPr lang="en-US" altLang="ja-JP" sz="2000" dirty="0"/>
+              <a:t> </a:t>
+            </a:r>
+            <a:r>
+              <a:rPr lang="ja-JP" altLang="en-US" sz="2000"/>
+              <a:t>特定の特徴量がどれだけ頻繁にモデルの決定木の分岐に使用されたかをカウント</a:t>
+            </a:r>
+            <a:endParaRPr lang="en-US" altLang="ja-JP" sz="2000" dirty="0"/>
+          </a:p>
+          <a:p>
+            <a:pPr lvl="2"/>
+            <a:r>
+              <a:rPr lang="ja-JP" altLang="en-US" sz="2000"/>
+              <a:t>特徴量がどれだけ多くのツリーのノード（分岐）に関与しているかで評価</a:t>
+            </a:r>
+            <a:endParaRPr lang="en-US" altLang="ja-JP" sz="2000" dirty="0"/>
+          </a:p>
+          <a:p>
+            <a:pPr lvl="2"/>
+            <a:endParaRPr lang="ja-JP" altLang="en-US" sz="2000"/>
+          </a:p>
+          <a:p>
+            <a:pPr lvl="1"/>
+            <a:r>
+              <a:rPr lang="en-US" altLang="ja-JP" sz="2000" dirty="0"/>
+              <a:t>Gain : </a:t>
+            </a:r>
+          </a:p>
+          <a:p>
+            <a:pPr lvl="2"/>
+            <a:r>
+              <a:rPr lang="ja-JP" altLang="en-US" sz="2000"/>
+              <a:t>特定の特徴量が分岐に使用されたときにどれだけのエントロピーの</a:t>
+            </a:r>
+            <a:br>
+              <a:rPr lang="en-US" altLang="ja-JP" sz="2000" dirty="0"/>
+            </a:br>
+            <a:r>
+              <a:rPr lang="ja-JP" altLang="en-US" sz="2000"/>
+              <a:t>減少が得られたかを計算</a:t>
+            </a:r>
+            <a:endParaRPr lang="en-US" altLang="ja-JP" sz="2000" dirty="0"/>
+          </a:p>
+          <a:p>
+            <a:pPr lvl="2"/>
+            <a:r>
+              <a:rPr lang="ja-JP" altLang="en-US" sz="2000"/>
+              <a:t>その特徴量がどれだけモデルの予測能力向上に寄与したかを評価</a:t>
+            </a:r>
+            <a:br>
+              <a:rPr lang="ja-JP" altLang="en-US" sz="2000"/>
+            </a:br>
+            <a:endParaRPr lang="en-US" altLang="ja-JP" sz="2000" dirty="0"/>
+          </a:p>
+          <a:p>
+            <a:endParaRPr kumimoji="1" lang="en-US" altLang="ja-JP" dirty="0"/>
+          </a:p>
+        </p:txBody>
+      </p:sp>
+    </p:spTree>
+    <p:extLst>
+      <p:ext uri="{BB962C8B-B14F-4D97-AF65-F5344CB8AC3E}">
+        <p14:creationId xmlns:p14="http://schemas.microsoft.com/office/powerpoint/2010/main" val="2328139215"/>
+      </p:ext>
+    </p:extLst>
+  </p:cSld>
+  <p:clrMapOvr>
+    <a:masterClrMapping/>
+  </p:clrMapOvr>
+</p:sld>
+</file>
+
+<file path=ppt/slides/slide23.xml><?xml version="1.0" encoding="utf-8"?>
 <p:sld xmlns:a="http://schemas.openxmlformats.org/drawingml/2006/main" xmlns:r="http://schemas.openxmlformats.org/officeDocument/2006/relationships" xmlns:p="http://schemas.openxmlformats.org/presentationml/2006/main" show="0">
   <p:cSld>
     <p:spTree>
@@ -15760,7 +21003,124 @@
 </p:sld>
 </file>
 
-<file path=ppt/slides/slide18.xml><?xml version="1.0" encoding="utf-8"?>
+<file path=ppt/slides/slide24.xml><?xml version="1.0" encoding="utf-8"?>
+<p:sld xmlns:a="http://schemas.openxmlformats.org/drawingml/2006/main" xmlns:r="http://schemas.openxmlformats.org/officeDocument/2006/relationships" xmlns:p="http://schemas.openxmlformats.org/presentationml/2006/main" show="0">
+  <p:cSld>
+    <p:spTree>
+      <p:nvGrpSpPr>
+        <p:cNvPr id="1" name=""/>
+        <p:cNvGrpSpPr/>
+        <p:nvPr/>
+      </p:nvGrpSpPr>
+      <p:grpSpPr>
+        <a:xfrm>
+          <a:off x="0" y="0"/>
+          <a:ext cx="0" cy="0"/>
+          <a:chOff x="0" y="0"/>
+          <a:chExt cx="0" cy="0"/>
+        </a:xfrm>
+      </p:grpSpPr>
+      <p:sp>
+        <p:nvSpPr>
+          <p:cNvPr id="2" name="タイトル 1">
+            <a:extLst>
+              <a:ext uri="{FF2B5EF4-FFF2-40B4-BE49-F238E27FC236}">
+                <a16:creationId xmlns:a16="http://schemas.microsoft.com/office/drawing/2014/main" id="{D947E52A-F55A-3F94-A0A6-1BBDFEB186C4}"/>
+              </a:ext>
+            </a:extLst>
+          </p:cNvPr>
+          <p:cNvSpPr>
+            <a:spLocks noGrp="1"/>
+          </p:cNvSpPr>
+          <p:nvPr>
+            <p:ph type="title"/>
+          </p:nvPr>
+        </p:nvSpPr>
+        <p:spPr/>
+        <p:txBody>
+          <a:bodyPr/>
+          <a:lstStyle/>
+          <a:p>
+            <a:r>
+              <a:rPr lang="ja-JP" altLang="en-US"/>
+              <a:t>学習の過程</a:t>
+            </a:r>
+            <a:endParaRPr kumimoji="1" lang="ja-JP" altLang="en-US"/>
+          </a:p>
+        </p:txBody>
+      </p:sp>
+      <p:sp>
+        <p:nvSpPr>
+          <p:cNvPr id="3" name="テキスト プレースホルダー 2">
+            <a:extLst>
+              <a:ext uri="{FF2B5EF4-FFF2-40B4-BE49-F238E27FC236}">
+                <a16:creationId xmlns:a16="http://schemas.microsoft.com/office/drawing/2014/main" id="{58A84C03-4019-ECBD-AB9D-F52219DD4CDA}"/>
+              </a:ext>
+            </a:extLst>
+          </p:cNvPr>
+          <p:cNvSpPr>
+            <a:spLocks noGrp="1"/>
+          </p:cNvSpPr>
+          <p:nvPr>
+            <p:ph type="body" idx="1"/>
+          </p:nvPr>
+        </p:nvSpPr>
+        <p:spPr/>
+        <p:txBody>
+          <a:bodyPr/>
+          <a:lstStyle/>
+          <a:p>
+            <a:r>
+              <a:rPr kumimoji="1" lang="ja-JP" altLang="en-US"/>
+              <a:t>学習曲線</a:t>
+            </a:r>
+          </a:p>
+        </p:txBody>
+      </p:sp>
+      <p:pic>
+        <p:nvPicPr>
+          <p:cNvPr id="4" name="図 3">
+            <a:extLst>
+              <a:ext uri="{FF2B5EF4-FFF2-40B4-BE49-F238E27FC236}">
+                <a16:creationId xmlns:a16="http://schemas.microsoft.com/office/drawing/2014/main" id="{89ECC109-591E-7C9B-9E55-00A555919D46}"/>
+              </a:ext>
+            </a:extLst>
+          </p:cNvPr>
+          <p:cNvPicPr>
+            <a:picLocks noChangeAspect="1"/>
+          </p:cNvPicPr>
+          <p:nvPr/>
+        </p:nvPicPr>
+        <p:blipFill>
+          <a:blip r:embed="rId2"/>
+          <a:stretch>
+            <a:fillRect/>
+          </a:stretch>
+        </p:blipFill>
+        <p:spPr>
+          <a:xfrm>
+            <a:off x="2352015" y="742950"/>
+            <a:ext cx="7487969" cy="5853903"/>
+          </a:xfrm>
+          <a:prstGeom prst="rect">
+            <a:avLst/>
+          </a:prstGeom>
+        </p:spPr>
+      </p:pic>
+    </p:spTree>
+    <p:extLst>
+      <p:ext uri="{BB962C8B-B14F-4D97-AF65-F5344CB8AC3E}">
+        <p14:creationId xmlns:p14="http://schemas.microsoft.com/office/powerpoint/2010/main" val="842388372"/>
+      </p:ext>
+    </p:extLst>
+  </p:cSld>
+  <p:clrMapOvr>
+    <a:masterClrMapping/>
+  </p:clrMapOvr>
+</p:sld>
+</file>
+
+<file path=ppt/slides/slide25.xml><?xml version="1.0" encoding="utf-8"?>
 <p:sld xmlns:a="http://schemas.openxmlformats.org/drawingml/2006/main" xmlns:r="http://schemas.openxmlformats.org/officeDocument/2006/relationships" xmlns:p="http://schemas.openxmlformats.org/presentationml/2006/main" show="0">
   <p:cSld>
     <p:spTree>
@@ -16732,7 +22092,899 @@
 </p:sld>
 </file>
 
-<file path=ppt/slides/slide19.xml><?xml version="1.0" encoding="utf-8"?>
+<file path=ppt/slides/slide26.xml><?xml version="1.0" encoding="utf-8"?>
+<p:sld xmlns:a="http://schemas.openxmlformats.org/drawingml/2006/main" xmlns:r="http://schemas.openxmlformats.org/officeDocument/2006/relationships" xmlns:p="http://schemas.openxmlformats.org/presentationml/2006/main" show="0">
+  <p:cSld>
+    <p:spTree>
+      <p:nvGrpSpPr>
+        <p:cNvPr id="1" name=""/>
+        <p:cNvGrpSpPr/>
+        <p:nvPr/>
+      </p:nvGrpSpPr>
+      <p:grpSpPr>
+        <a:xfrm>
+          <a:off x="0" y="0"/>
+          <a:ext cx="0" cy="0"/>
+          <a:chOff x="0" y="0"/>
+          <a:chExt cx="0" cy="0"/>
+        </a:xfrm>
+      </p:grpSpPr>
+      <p:sp>
+        <p:nvSpPr>
+          <p:cNvPr id="2" name="タイトル 1">
+            <a:extLst>
+              <a:ext uri="{FF2B5EF4-FFF2-40B4-BE49-F238E27FC236}">
+                <a16:creationId xmlns:a16="http://schemas.microsoft.com/office/drawing/2014/main" id="{B81475F3-542E-E46E-0C61-CFE64F5F3F65}"/>
+              </a:ext>
+            </a:extLst>
+          </p:cNvPr>
+          <p:cNvSpPr>
+            <a:spLocks noGrp="1"/>
+          </p:cNvSpPr>
+          <p:nvPr>
+            <p:ph type="title"/>
+          </p:nvPr>
+        </p:nvSpPr>
+        <p:spPr/>
+        <p:txBody>
+          <a:bodyPr/>
+          <a:lstStyle/>
+          <a:p>
+            <a:r>
+              <a:rPr kumimoji="1" lang="ja-JP" altLang="en-US"/>
+              <a:t>欠損値処理</a:t>
+            </a:r>
+          </a:p>
+        </p:txBody>
+      </p:sp>
+      <p:sp>
+        <p:nvSpPr>
+          <p:cNvPr id="3" name="テキスト プレースホルダー 2">
+            <a:extLst>
+              <a:ext uri="{FF2B5EF4-FFF2-40B4-BE49-F238E27FC236}">
+                <a16:creationId xmlns:a16="http://schemas.microsoft.com/office/drawing/2014/main" id="{3A9D4D0C-DADD-B714-481C-BC1219BA578B}"/>
+              </a:ext>
+            </a:extLst>
+          </p:cNvPr>
+          <p:cNvSpPr>
+            <a:spLocks noGrp="1"/>
+          </p:cNvSpPr>
+          <p:nvPr>
+            <p:ph type="body" idx="1"/>
+          </p:nvPr>
+        </p:nvSpPr>
+        <p:spPr/>
+        <p:txBody>
+          <a:bodyPr/>
+          <a:lstStyle/>
+          <a:p>
+            <a:r>
+              <a:rPr kumimoji="1" lang="en-US" altLang="ja-JP" dirty="0" err="1"/>
+              <a:t>LightGMB</a:t>
+            </a:r>
+            <a:r>
+              <a:rPr kumimoji="1" lang="ja-JP" altLang="en-US"/>
+              <a:t>において、欠損値は以下のように取り扱われる</a:t>
+            </a:r>
+          </a:p>
+        </p:txBody>
+      </p:sp>
+      <p:graphicFrame>
+        <p:nvGraphicFramePr>
+          <p:cNvPr id="11" name="表 10">
+            <a:extLst>
+              <a:ext uri="{FF2B5EF4-FFF2-40B4-BE49-F238E27FC236}">
+                <a16:creationId xmlns:a16="http://schemas.microsoft.com/office/drawing/2014/main" id="{CFCB7B27-AE07-44AE-2A0B-8CC5D50D2EB3}"/>
+              </a:ext>
+            </a:extLst>
+          </p:cNvPr>
+          <p:cNvGraphicFramePr>
+            <a:graphicFrameLocks noGrp="1"/>
+          </p:cNvGraphicFramePr>
+          <p:nvPr>
+            <p:extLst>
+              <p:ext uri="{D42A27DB-BD31-4B8C-83A1-F6EECF244321}">
+                <p14:modId xmlns:p14="http://schemas.microsoft.com/office/powerpoint/2010/main" val="2147729569"/>
+              </p:ext>
+            </p:extLst>
+          </p:nvPr>
+        </p:nvGraphicFramePr>
+        <p:xfrm>
+          <a:off x="334962" y="2057401"/>
+          <a:ext cx="11041249" cy="3845859"/>
+        </p:xfrm>
+        <a:graphic>
+          <a:graphicData uri="http://schemas.openxmlformats.org/drawingml/2006/table">
+            <a:tbl>
+              <a:tblPr/>
+              <a:tblGrid>
+                <a:gridCol w="2680797">
+                  <a:extLst>
+                    <a:ext uri="{9D8B030D-6E8A-4147-A177-3AD203B41FA5}">
+                      <a16:colId xmlns:a16="http://schemas.microsoft.com/office/drawing/2014/main" val="896671991"/>
+                    </a:ext>
+                  </a:extLst>
+                </a:gridCol>
+                <a:gridCol w="4180226">
+                  <a:extLst>
+                    <a:ext uri="{9D8B030D-6E8A-4147-A177-3AD203B41FA5}">
+                      <a16:colId xmlns:a16="http://schemas.microsoft.com/office/drawing/2014/main" val="238659369"/>
+                    </a:ext>
+                  </a:extLst>
+                </a:gridCol>
+                <a:gridCol w="4180226">
+                  <a:extLst>
+                    <a:ext uri="{9D8B030D-6E8A-4147-A177-3AD203B41FA5}">
+                      <a16:colId xmlns:a16="http://schemas.microsoft.com/office/drawing/2014/main" val="3687699198"/>
+                    </a:ext>
+                  </a:extLst>
+                </a:gridCol>
+              </a:tblGrid>
+              <a:tr h="682104">
+                <a:tc>
+                  <a:txBody>
+                    <a:bodyPr/>
+                    <a:lstStyle/>
+                    <a:p>
+                      <a:pPr algn="ctr" fontAlgn="ctr"/>
+                      <a:r>
+                        <a:rPr lang="ja-JP" altLang="en-US" sz="3600" b="1" i="0" u="none" strike="noStrike">
+                          <a:solidFill>
+                            <a:srgbClr val="FFFFFF"/>
+                          </a:solidFill>
+                          <a:effectLst/>
+                          <a:latin typeface="游ゴシック" panose="020B0400000000000000" pitchFamily="34" charset="-128"/>
+                          <a:ea typeface="游ゴシック" panose="020B0400000000000000" pitchFamily="34" charset="-128"/>
+                        </a:rPr>
+                        <a:t>場面</a:t>
+                      </a:r>
+                    </a:p>
+                  </a:txBody>
+                  <a:tcPr marL="9525" marR="9525" marT="9525" marB="0" anchor="ctr">
+                    <a:lnL w="6350" cap="flat" cmpd="sng" algn="ctr">
+                      <a:solidFill>
+                        <a:srgbClr val="5B9BD5"/>
+                      </a:solidFill>
+                      <a:prstDash val="solid"/>
+                      <a:round/>
+                      <a:headEnd type="none" w="med" len="med"/>
+                      <a:tailEnd type="none" w="med" len="med"/>
+                    </a:lnL>
+                    <a:lnR>
+                      <a:noFill/>
+                    </a:lnR>
+                    <a:lnT w="6350" cap="flat" cmpd="sng" algn="ctr">
+                      <a:solidFill>
+                        <a:srgbClr val="5B9BD5"/>
+                      </a:solidFill>
+                      <a:prstDash val="solid"/>
+                      <a:round/>
+                      <a:headEnd type="none" w="med" len="med"/>
+                      <a:tailEnd type="none" w="med" len="med"/>
+                    </a:lnT>
+                    <a:lnB w="6350" cap="flat" cmpd="sng" algn="ctr">
+                      <a:solidFill>
+                        <a:srgbClr val="5B9BD5"/>
+                      </a:solidFill>
+                      <a:prstDash val="solid"/>
+                      <a:round/>
+                      <a:headEnd type="none" w="med" len="med"/>
+                      <a:tailEnd type="none" w="med" len="med"/>
+                    </a:lnB>
+                    <a:solidFill>
+                      <a:srgbClr val="203764"/>
+                    </a:solidFill>
+                  </a:tcPr>
+                </a:tc>
+                <a:tc>
+                  <a:txBody>
+                    <a:bodyPr/>
+                    <a:lstStyle/>
+                    <a:p>
+                      <a:pPr algn="ctr" fontAlgn="ctr"/>
+                      <a:r>
+                        <a:rPr lang="ja-JP" altLang="en-US" sz="3600" b="1" i="0" u="none" strike="noStrike">
+                          <a:solidFill>
+                            <a:srgbClr val="FFFFFF"/>
+                          </a:solidFill>
+                          <a:effectLst/>
+                          <a:latin typeface="游ゴシック" panose="020B0400000000000000" pitchFamily="34" charset="-128"/>
+                          <a:ea typeface="游ゴシック" panose="020B0400000000000000" pitchFamily="34" charset="-128"/>
+                        </a:rPr>
+                        <a:t>数値</a:t>
+                      </a:r>
+                    </a:p>
+                  </a:txBody>
+                  <a:tcPr marL="9525" marR="9525" marT="9525" marB="0" anchor="ctr">
+                    <a:lnL>
+                      <a:noFill/>
+                    </a:lnL>
+                    <a:lnR>
+                      <a:noFill/>
+                    </a:lnR>
+                    <a:lnT w="6350" cap="flat" cmpd="sng" algn="ctr">
+                      <a:solidFill>
+                        <a:srgbClr val="5B9BD5"/>
+                      </a:solidFill>
+                      <a:prstDash val="solid"/>
+                      <a:round/>
+                      <a:headEnd type="none" w="med" len="med"/>
+                      <a:tailEnd type="none" w="med" len="med"/>
+                    </a:lnT>
+                    <a:lnB w="6350" cap="flat" cmpd="sng" algn="ctr">
+                      <a:solidFill>
+                        <a:srgbClr val="5B9BD5"/>
+                      </a:solidFill>
+                      <a:prstDash val="solid"/>
+                      <a:round/>
+                      <a:headEnd type="none" w="med" len="med"/>
+                      <a:tailEnd type="none" w="med" len="med"/>
+                    </a:lnB>
+                    <a:solidFill>
+                      <a:srgbClr val="203764"/>
+                    </a:solidFill>
+                  </a:tcPr>
+                </a:tc>
+                <a:tc>
+                  <a:txBody>
+                    <a:bodyPr/>
+                    <a:lstStyle/>
+                    <a:p>
+                      <a:pPr algn="ctr" fontAlgn="ctr"/>
+                      <a:r>
+                        <a:rPr lang="ja-JP" altLang="en-US" sz="3600" b="1" i="0" u="none" strike="noStrike">
+                          <a:solidFill>
+                            <a:srgbClr val="FFFFFF"/>
+                          </a:solidFill>
+                          <a:effectLst/>
+                          <a:latin typeface="游ゴシック" panose="020B0400000000000000" pitchFamily="34" charset="-128"/>
+                          <a:ea typeface="游ゴシック" panose="020B0400000000000000" pitchFamily="34" charset="-128"/>
+                        </a:rPr>
+                        <a:t>カテゴリ</a:t>
+                      </a:r>
+                    </a:p>
+                  </a:txBody>
+                  <a:tcPr marL="9525" marR="9525" marT="9525" marB="0" anchor="ctr">
+                    <a:lnL>
+                      <a:noFill/>
+                    </a:lnL>
+                    <a:lnR w="6350" cap="flat" cmpd="sng" algn="ctr">
+                      <a:solidFill>
+                        <a:srgbClr val="5B9BD5"/>
+                      </a:solidFill>
+                      <a:prstDash val="solid"/>
+                      <a:round/>
+                      <a:headEnd type="none" w="med" len="med"/>
+                      <a:tailEnd type="none" w="med" len="med"/>
+                    </a:lnR>
+                    <a:lnT w="6350" cap="flat" cmpd="sng" algn="ctr">
+                      <a:solidFill>
+                        <a:srgbClr val="5B9BD5"/>
+                      </a:solidFill>
+                      <a:prstDash val="solid"/>
+                      <a:round/>
+                      <a:headEnd type="none" w="med" len="med"/>
+                      <a:tailEnd type="none" w="med" len="med"/>
+                    </a:lnT>
+                    <a:lnB w="6350" cap="flat" cmpd="sng" algn="ctr">
+                      <a:solidFill>
+                        <a:srgbClr val="5B9BD5"/>
+                      </a:solidFill>
+                      <a:prstDash val="solid"/>
+                      <a:round/>
+                      <a:headEnd type="none" w="med" len="med"/>
+                      <a:tailEnd type="none" w="med" len="med"/>
+                    </a:lnB>
+                    <a:solidFill>
+                      <a:srgbClr val="203764"/>
+                    </a:solidFill>
+                  </a:tcPr>
+                </a:tc>
+                <a:extLst>
+                  <a:ext uri="{0D108BD9-81ED-4DB2-BD59-A6C34878D82A}">
+                    <a16:rowId xmlns:a16="http://schemas.microsoft.com/office/drawing/2014/main" val="60360936"/>
+                  </a:ext>
+                </a:extLst>
+              </a:tr>
+              <a:tr h="1054585">
+                <a:tc>
+                  <a:txBody>
+                    <a:bodyPr/>
+                    <a:lstStyle/>
+                    <a:p>
+                      <a:pPr algn="ctr" fontAlgn="ctr"/>
+                      <a:r>
+                        <a:rPr lang="ja-JP" altLang="en-US" sz="2800" b="0" i="0" u="none" strike="noStrike">
+                          <a:solidFill>
+                            <a:srgbClr val="000000"/>
+                          </a:solidFill>
+                          <a:effectLst/>
+                          <a:latin typeface="游ゴシック" panose="020B0400000000000000" pitchFamily="34" charset="-128"/>
+                          <a:ea typeface="游ゴシック" panose="020B0400000000000000" pitchFamily="34" charset="-128"/>
+                        </a:rPr>
+                        <a:t>学習</a:t>
+                      </a:r>
+                    </a:p>
+                  </a:txBody>
+                  <a:tcPr marL="9525" marR="9525" marT="9525" marB="0" anchor="ctr">
+                    <a:lnL w="6350" cap="flat" cmpd="sng" algn="ctr">
+                      <a:solidFill>
+                        <a:srgbClr val="5B9BD5"/>
+                      </a:solidFill>
+                      <a:prstDash val="solid"/>
+                      <a:round/>
+                      <a:headEnd type="none" w="med" len="med"/>
+                      <a:tailEnd type="none" w="med" len="med"/>
+                    </a:lnL>
+                    <a:lnR>
+                      <a:noFill/>
+                    </a:lnR>
+                    <a:lnT w="6350" cap="flat" cmpd="sng" algn="ctr">
+                      <a:solidFill>
+                        <a:srgbClr val="5B9BD5"/>
+                      </a:solidFill>
+                      <a:prstDash val="solid"/>
+                      <a:round/>
+                      <a:headEnd type="none" w="med" len="med"/>
+                      <a:tailEnd type="none" w="med" len="med"/>
+                    </a:lnT>
+                    <a:lnB w="6350" cap="flat" cmpd="sng" algn="ctr">
+                      <a:solidFill>
+                        <a:srgbClr val="5B9BD5"/>
+                      </a:solidFill>
+                      <a:prstDash val="solid"/>
+                      <a:round/>
+                      <a:headEnd type="none" w="med" len="med"/>
+                      <a:tailEnd type="none" w="med" len="med"/>
+                    </a:lnB>
+                  </a:tcPr>
+                </a:tc>
+                <a:tc>
+                  <a:txBody>
+                    <a:bodyPr/>
+                    <a:lstStyle/>
+                    <a:p>
+                      <a:pPr algn="ctr" fontAlgn="ctr"/>
+                      <a:r>
+                        <a:rPr lang="ja-JP" altLang="en-US" sz="2800" b="0" i="0" u="none" strike="noStrike">
+                          <a:solidFill>
+                            <a:srgbClr val="000000"/>
+                          </a:solidFill>
+                          <a:effectLst/>
+                          <a:latin typeface="游ゴシック" panose="020B0400000000000000" pitchFamily="34" charset="-128"/>
+                          <a:ea typeface="游ゴシック" panose="020B0400000000000000" pitchFamily="34" charset="-128"/>
+                        </a:rPr>
+                        <a:t>誤差を最も下げる枝に</a:t>
+                      </a:r>
+                      <a:endParaRPr lang="en-US" altLang="ja-JP" sz="2800" b="0" i="0" u="none" strike="noStrike" dirty="0">
+                        <a:solidFill>
+                          <a:srgbClr val="000000"/>
+                        </a:solidFill>
+                        <a:effectLst/>
+                        <a:latin typeface="游ゴシック" panose="020B0400000000000000" pitchFamily="34" charset="-128"/>
+                        <a:ea typeface="游ゴシック" panose="020B0400000000000000" pitchFamily="34" charset="-128"/>
+                      </a:endParaRPr>
+                    </a:p>
+                    <a:p>
+                      <a:pPr algn="ctr" fontAlgn="ctr"/>
+                      <a:r>
+                        <a:rPr lang="ja-JP" altLang="en-US" sz="2800" b="0" i="0" u="none" strike="noStrike">
+                          <a:solidFill>
+                            <a:srgbClr val="000000"/>
+                          </a:solidFill>
+                          <a:effectLst/>
+                          <a:latin typeface="游ゴシック" panose="020B0400000000000000" pitchFamily="34" charset="-128"/>
+                          <a:ea typeface="游ゴシック" panose="020B0400000000000000" pitchFamily="34" charset="-128"/>
+                        </a:rPr>
+                        <a:t>割振り</a:t>
+                      </a:r>
+                    </a:p>
+                  </a:txBody>
+                  <a:tcPr marL="9525" marR="9525" marT="9525" marB="0" anchor="ctr">
+                    <a:lnL>
+                      <a:noFill/>
+                    </a:lnL>
+                    <a:lnR>
+                      <a:noFill/>
+                    </a:lnR>
+                    <a:lnT w="6350" cap="flat" cmpd="sng" algn="ctr">
+                      <a:solidFill>
+                        <a:srgbClr val="5B9BD5"/>
+                      </a:solidFill>
+                      <a:prstDash val="solid"/>
+                      <a:round/>
+                      <a:headEnd type="none" w="med" len="med"/>
+                      <a:tailEnd type="none" w="med" len="med"/>
+                    </a:lnT>
+                    <a:lnB w="6350" cap="flat" cmpd="sng" algn="ctr">
+                      <a:solidFill>
+                        <a:srgbClr val="5B9BD5"/>
+                      </a:solidFill>
+                      <a:prstDash val="solid"/>
+                      <a:round/>
+                      <a:headEnd type="none" w="med" len="med"/>
+                      <a:tailEnd type="none" w="med" len="med"/>
+                    </a:lnB>
+                  </a:tcPr>
+                </a:tc>
+                <a:tc>
+                  <a:txBody>
+                    <a:bodyPr/>
+                    <a:lstStyle/>
+                    <a:p>
+                      <a:pPr algn="ctr" fontAlgn="ctr"/>
+                      <a:r>
+                        <a:rPr lang="ja-JP" altLang="en-US" sz="2800" b="0" i="0" u="none" strike="noStrike">
+                          <a:solidFill>
+                            <a:srgbClr val="000000"/>
+                          </a:solidFill>
+                          <a:effectLst/>
+                          <a:latin typeface="游ゴシック" panose="020B0400000000000000" pitchFamily="34" charset="-128"/>
+                          <a:ea typeface="游ゴシック" panose="020B0400000000000000" pitchFamily="34" charset="-128"/>
+                        </a:rPr>
+                        <a:t>常に右側の枝に割振り</a:t>
+                      </a:r>
+                    </a:p>
+                  </a:txBody>
+                  <a:tcPr marL="9525" marR="9525" marT="9525" marB="0" anchor="ctr">
+                    <a:lnL>
+                      <a:noFill/>
+                    </a:lnL>
+                    <a:lnR w="6350" cap="flat" cmpd="sng" algn="ctr">
+                      <a:solidFill>
+                        <a:srgbClr val="5B9BD5"/>
+                      </a:solidFill>
+                      <a:prstDash val="solid"/>
+                      <a:round/>
+                      <a:headEnd type="none" w="med" len="med"/>
+                      <a:tailEnd type="none" w="med" len="med"/>
+                    </a:lnR>
+                    <a:lnT w="6350" cap="flat" cmpd="sng" algn="ctr">
+                      <a:solidFill>
+                        <a:srgbClr val="5B9BD5"/>
+                      </a:solidFill>
+                      <a:prstDash val="solid"/>
+                      <a:round/>
+                      <a:headEnd type="none" w="med" len="med"/>
+                      <a:tailEnd type="none" w="med" len="med"/>
+                    </a:lnT>
+                    <a:lnB w="6350" cap="flat" cmpd="sng" algn="ctr">
+                      <a:solidFill>
+                        <a:srgbClr val="5B9BD5"/>
+                      </a:solidFill>
+                      <a:prstDash val="solid"/>
+                      <a:round/>
+                      <a:headEnd type="none" w="med" len="med"/>
+                      <a:tailEnd type="none" w="med" len="med"/>
+                    </a:lnB>
+                  </a:tcPr>
+                </a:tc>
+                <a:extLst>
+                  <a:ext uri="{0D108BD9-81ED-4DB2-BD59-A6C34878D82A}">
+                    <a16:rowId xmlns:a16="http://schemas.microsoft.com/office/drawing/2014/main" val="2941850621"/>
+                  </a:ext>
+                </a:extLst>
+              </a:tr>
+              <a:tr h="1054585">
+                <a:tc>
+                  <a:txBody>
+                    <a:bodyPr/>
+                    <a:lstStyle/>
+                    <a:p>
+                      <a:pPr algn="ctr" fontAlgn="ctr"/>
+                      <a:r>
+                        <a:rPr lang="ja-JP" altLang="en-US" sz="2800" b="0" i="0" u="none" strike="noStrike">
+                          <a:solidFill>
+                            <a:srgbClr val="000000"/>
+                          </a:solidFill>
+                          <a:effectLst/>
+                          <a:latin typeface="游ゴシック" panose="020B0400000000000000" pitchFamily="34" charset="-128"/>
+                          <a:ea typeface="游ゴシック" panose="020B0400000000000000" pitchFamily="34" charset="-128"/>
+                        </a:rPr>
+                        <a:t>予測</a:t>
+                      </a:r>
+                      <a:endParaRPr lang="en-US" altLang="ja-JP" sz="2800" b="0" i="0" u="none" strike="noStrike" dirty="0">
+                        <a:solidFill>
+                          <a:srgbClr val="000000"/>
+                        </a:solidFill>
+                        <a:effectLst/>
+                        <a:latin typeface="游ゴシック" panose="020B0400000000000000" pitchFamily="34" charset="-128"/>
+                        <a:ea typeface="游ゴシック" panose="020B0400000000000000" pitchFamily="34" charset="-128"/>
+                      </a:endParaRPr>
+                    </a:p>
+                    <a:p>
+                      <a:pPr algn="ctr" fontAlgn="ctr"/>
+                      <a:r>
+                        <a:rPr lang="ja-JP" altLang="en-US" sz="2800" b="0" i="0" u="none" strike="noStrike">
+                          <a:solidFill>
+                            <a:srgbClr val="000000"/>
+                          </a:solidFill>
+                          <a:effectLst/>
+                          <a:latin typeface="游ゴシック" panose="020B0400000000000000" pitchFamily="34" charset="-128"/>
+                          <a:ea typeface="游ゴシック" panose="020B0400000000000000" pitchFamily="34" charset="-128"/>
+                        </a:rPr>
+                        <a:t>（欠損既知）</a:t>
+                      </a:r>
+                    </a:p>
+                  </a:txBody>
+                  <a:tcPr marL="9525" marR="9525" marT="9525" marB="0" anchor="ctr">
+                    <a:lnL w="6350" cap="flat" cmpd="sng" algn="ctr">
+                      <a:solidFill>
+                        <a:srgbClr val="5B9BD5"/>
+                      </a:solidFill>
+                      <a:prstDash val="solid"/>
+                      <a:round/>
+                      <a:headEnd type="none" w="med" len="med"/>
+                      <a:tailEnd type="none" w="med" len="med"/>
+                    </a:lnL>
+                    <a:lnR>
+                      <a:noFill/>
+                    </a:lnR>
+                    <a:lnT w="6350" cap="flat" cmpd="sng" algn="ctr">
+                      <a:solidFill>
+                        <a:srgbClr val="5B9BD5"/>
+                      </a:solidFill>
+                      <a:prstDash val="solid"/>
+                      <a:round/>
+                      <a:headEnd type="none" w="med" len="med"/>
+                      <a:tailEnd type="none" w="med" len="med"/>
+                    </a:lnT>
+                    <a:lnB w="6350" cap="flat" cmpd="sng" algn="ctr">
+                      <a:solidFill>
+                        <a:srgbClr val="5B9BD5"/>
+                      </a:solidFill>
+                      <a:prstDash val="solid"/>
+                      <a:round/>
+                      <a:headEnd type="none" w="med" len="med"/>
+                      <a:tailEnd type="none" w="med" len="med"/>
+                    </a:lnB>
+                  </a:tcPr>
+                </a:tc>
+                <a:tc>
+                  <a:txBody>
+                    <a:bodyPr/>
+                    <a:lstStyle/>
+                    <a:p>
+                      <a:pPr algn="ctr" fontAlgn="ctr"/>
+                      <a:r>
+                        <a:rPr lang="ja-JP" altLang="en-US" sz="2800" b="0" i="0" u="none" strike="noStrike">
+                          <a:solidFill>
+                            <a:srgbClr val="000000"/>
+                          </a:solidFill>
+                          <a:effectLst/>
+                          <a:latin typeface="游ゴシック" panose="020B0400000000000000" pitchFamily="34" charset="-128"/>
+                          <a:ea typeface="游ゴシック" panose="020B0400000000000000" pitchFamily="34" charset="-128"/>
+                        </a:rPr>
+                        <a:t>割り振った側の</a:t>
+                      </a:r>
+                      <a:endParaRPr lang="en-US" altLang="ja-JP" sz="2800" b="0" i="0" u="none" strike="noStrike" dirty="0">
+                        <a:solidFill>
+                          <a:srgbClr val="000000"/>
+                        </a:solidFill>
+                        <a:effectLst/>
+                        <a:latin typeface="游ゴシック" panose="020B0400000000000000" pitchFamily="34" charset="-128"/>
+                        <a:ea typeface="游ゴシック" panose="020B0400000000000000" pitchFamily="34" charset="-128"/>
+                      </a:endParaRPr>
+                    </a:p>
+                    <a:p>
+                      <a:pPr algn="ctr" fontAlgn="ctr"/>
+                      <a:r>
+                        <a:rPr lang="ja-JP" altLang="en-US" sz="2800" b="0" i="0" u="none" strike="noStrike">
+                          <a:solidFill>
+                            <a:srgbClr val="000000"/>
+                          </a:solidFill>
+                          <a:effectLst/>
+                          <a:latin typeface="游ゴシック" panose="020B0400000000000000" pitchFamily="34" charset="-128"/>
+                          <a:ea typeface="游ゴシック" panose="020B0400000000000000" pitchFamily="34" charset="-128"/>
+                        </a:rPr>
+                        <a:t>枝で予測</a:t>
+                      </a:r>
+                    </a:p>
+                  </a:txBody>
+                  <a:tcPr marL="9525" marR="9525" marT="9525" marB="0" anchor="ctr">
+                    <a:lnL>
+                      <a:noFill/>
+                    </a:lnL>
+                    <a:lnR>
+                      <a:noFill/>
+                    </a:lnR>
+                    <a:lnT w="6350" cap="flat" cmpd="sng" algn="ctr">
+                      <a:solidFill>
+                        <a:srgbClr val="5B9BD5"/>
+                      </a:solidFill>
+                      <a:prstDash val="solid"/>
+                      <a:round/>
+                      <a:headEnd type="none" w="med" len="med"/>
+                      <a:tailEnd type="none" w="med" len="med"/>
+                    </a:lnT>
+                    <a:lnB w="6350" cap="flat" cmpd="sng" algn="ctr">
+                      <a:solidFill>
+                        <a:srgbClr val="5B9BD5"/>
+                      </a:solidFill>
+                      <a:prstDash val="solid"/>
+                      <a:round/>
+                      <a:headEnd type="none" w="med" len="med"/>
+                      <a:tailEnd type="none" w="med" len="med"/>
+                    </a:lnB>
+                  </a:tcPr>
+                </a:tc>
+                <a:tc>
+                  <a:txBody>
+                    <a:bodyPr/>
+                    <a:lstStyle/>
+                    <a:p>
+                      <a:pPr algn="ctr" fontAlgn="ctr"/>
+                      <a:r>
+                        <a:rPr lang="ja-JP" altLang="en-US" sz="2800" b="0" i="0" u="none" strike="noStrike">
+                          <a:solidFill>
+                            <a:srgbClr val="000000"/>
+                          </a:solidFill>
+                          <a:effectLst/>
+                          <a:latin typeface="游ゴシック" panose="020B0400000000000000" pitchFamily="34" charset="-128"/>
+                          <a:ea typeface="游ゴシック" panose="020B0400000000000000" pitchFamily="34" charset="-128"/>
+                        </a:rPr>
+                        <a:t>常に右側の枝で予測</a:t>
+                      </a:r>
+                    </a:p>
+                  </a:txBody>
+                  <a:tcPr marL="9525" marR="9525" marT="9525" marB="0" anchor="ctr">
+                    <a:lnL>
+                      <a:noFill/>
+                    </a:lnL>
+                    <a:lnR w="6350" cap="flat" cmpd="sng" algn="ctr">
+                      <a:solidFill>
+                        <a:srgbClr val="5B9BD5"/>
+                      </a:solidFill>
+                      <a:prstDash val="solid"/>
+                      <a:round/>
+                      <a:headEnd type="none" w="med" len="med"/>
+                      <a:tailEnd type="none" w="med" len="med"/>
+                    </a:lnR>
+                    <a:lnT w="6350" cap="flat" cmpd="sng" algn="ctr">
+                      <a:solidFill>
+                        <a:srgbClr val="5B9BD5"/>
+                      </a:solidFill>
+                      <a:prstDash val="solid"/>
+                      <a:round/>
+                      <a:headEnd type="none" w="med" len="med"/>
+                      <a:tailEnd type="none" w="med" len="med"/>
+                    </a:lnT>
+                    <a:lnB w="6350" cap="flat" cmpd="sng" algn="ctr">
+                      <a:solidFill>
+                        <a:srgbClr val="5B9BD5"/>
+                      </a:solidFill>
+                      <a:prstDash val="solid"/>
+                      <a:round/>
+                      <a:headEnd type="none" w="med" len="med"/>
+                      <a:tailEnd type="none" w="med" len="med"/>
+                    </a:lnB>
+                  </a:tcPr>
+                </a:tc>
+                <a:extLst>
+                  <a:ext uri="{0D108BD9-81ED-4DB2-BD59-A6C34878D82A}">
+                    <a16:rowId xmlns:a16="http://schemas.microsoft.com/office/drawing/2014/main" val="926932549"/>
+                  </a:ext>
+                </a:extLst>
+              </a:tr>
+              <a:tr h="1054585">
+                <a:tc>
+                  <a:txBody>
+                    <a:bodyPr/>
+                    <a:lstStyle/>
+                    <a:p>
+                      <a:pPr algn="ctr" fontAlgn="ctr"/>
+                      <a:r>
+                        <a:rPr lang="ja-JP" altLang="en-US" sz="2800" b="0" i="0" u="none" strike="noStrike">
+                          <a:solidFill>
+                            <a:srgbClr val="000000"/>
+                          </a:solidFill>
+                          <a:effectLst/>
+                          <a:latin typeface="游ゴシック" panose="020B0400000000000000" pitchFamily="34" charset="-128"/>
+                          <a:ea typeface="游ゴシック" panose="020B0400000000000000" pitchFamily="34" charset="-128"/>
+                        </a:rPr>
+                        <a:t>予測</a:t>
+                      </a:r>
+                      <a:endParaRPr lang="en-US" altLang="ja-JP" sz="2800" b="0" i="0" u="none" strike="noStrike" dirty="0">
+                        <a:solidFill>
+                          <a:srgbClr val="000000"/>
+                        </a:solidFill>
+                        <a:effectLst/>
+                        <a:latin typeface="游ゴシック" panose="020B0400000000000000" pitchFamily="34" charset="-128"/>
+                        <a:ea typeface="游ゴシック" panose="020B0400000000000000" pitchFamily="34" charset="-128"/>
+                      </a:endParaRPr>
+                    </a:p>
+                    <a:p>
+                      <a:pPr algn="ctr" fontAlgn="ctr"/>
+                      <a:r>
+                        <a:rPr lang="ja-JP" altLang="en-US" sz="2800" b="0" i="0" u="none" strike="noStrike">
+                          <a:solidFill>
+                            <a:srgbClr val="000000"/>
+                          </a:solidFill>
+                          <a:effectLst/>
+                          <a:latin typeface="游ゴシック" panose="020B0400000000000000" pitchFamily="34" charset="-128"/>
+                          <a:ea typeface="游ゴシック" panose="020B0400000000000000" pitchFamily="34" charset="-128"/>
+                        </a:rPr>
+                        <a:t>（欠損未知）</a:t>
+                      </a:r>
+                    </a:p>
+                  </a:txBody>
+                  <a:tcPr marL="9525" marR="9525" marT="9525" marB="0" anchor="ctr">
+                    <a:lnL w="6350" cap="flat" cmpd="sng" algn="ctr">
+                      <a:solidFill>
+                        <a:srgbClr val="5B9BD5"/>
+                      </a:solidFill>
+                      <a:prstDash val="solid"/>
+                      <a:round/>
+                      <a:headEnd type="none" w="med" len="med"/>
+                      <a:tailEnd type="none" w="med" len="med"/>
+                    </a:lnL>
+                    <a:lnR>
+                      <a:noFill/>
+                    </a:lnR>
+                    <a:lnT w="6350" cap="flat" cmpd="sng" algn="ctr">
+                      <a:solidFill>
+                        <a:srgbClr val="5B9BD5"/>
+                      </a:solidFill>
+                      <a:prstDash val="solid"/>
+                      <a:round/>
+                      <a:headEnd type="none" w="med" len="med"/>
+                      <a:tailEnd type="none" w="med" len="med"/>
+                    </a:lnT>
+                    <a:lnB w="6350" cap="flat" cmpd="sng" algn="ctr">
+                      <a:solidFill>
+                        <a:srgbClr val="5B9BD5"/>
+                      </a:solidFill>
+                      <a:prstDash val="solid"/>
+                      <a:round/>
+                      <a:headEnd type="none" w="med" len="med"/>
+                      <a:tailEnd type="none" w="med" len="med"/>
+                    </a:lnB>
+                  </a:tcPr>
+                </a:tc>
+                <a:tc>
+                  <a:txBody>
+                    <a:bodyPr/>
+                    <a:lstStyle/>
+                    <a:p>
+                      <a:pPr algn="ctr" fontAlgn="ctr"/>
+                      <a:r>
+                        <a:rPr lang="ja-JP" altLang="en-US" sz="2800" b="0" i="0" u="none" strike="noStrike">
+                          <a:solidFill>
+                            <a:srgbClr val="000000"/>
+                          </a:solidFill>
+                          <a:effectLst/>
+                          <a:latin typeface="游ゴシック" panose="020B0400000000000000" pitchFamily="34" charset="-128"/>
+                          <a:ea typeface="游ゴシック" panose="020B0400000000000000" pitchFamily="34" charset="-128"/>
+                        </a:rPr>
+                        <a:t>欠損値をゼロに</a:t>
+                      </a:r>
+                      <a:endParaRPr lang="en-US" altLang="ja-JP" sz="2800" b="0" i="0" u="none" strike="noStrike" dirty="0">
+                        <a:solidFill>
+                          <a:srgbClr val="000000"/>
+                        </a:solidFill>
+                        <a:effectLst/>
+                        <a:latin typeface="游ゴシック" panose="020B0400000000000000" pitchFamily="34" charset="-128"/>
+                        <a:ea typeface="游ゴシック" panose="020B0400000000000000" pitchFamily="34" charset="-128"/>
+                      </a:endParaRPr>
+                    </a:p>
+                    <a:p>
+                      <a:pPr algn="ctr" fontAlgn="ctr"/>
+                      <a:r>
+                        <a:rPr lang="ja-JP" altLang="en-US" sz="2800" b="0" i="0" u="none" strike="noStrike">
+                          <a:solidFill>
+                            <a:srgbClr val="000000"/>
+                          </a:solidFill>
+                          <a:effectLst/>
+                          <a:latin typeface="游ゴシック" panose="020B0400000000000000" pitchFamily="34" charset="-128"/>
+                          <a:ea typeface="游ゴシック" panose="020B0400000000000000" pitchFamily="34" charset="-128"/>
+                        </a:rPr>
+                        <a:t>置換して予測</a:t>
+                      </a:r>
+                    </a:p>
+                  </a:txBody>
+                  <a:tcPr marL="9525" marR="9525" marT="9525" marB="0" anchor="ctr">
+                    <a:lnL>
+                      <a:noFill/>
+                    </a:lnL>
+                    <a:lnR>
+                      <a:noFill/>
+                    </a:lnR>
+                    <a:lnT w="6350" cap="flat" cmpd="sng" algn="ctr">
+                      <a:solidFill>
+                        <a:srgbClr val="5B9BD5"/>
+                      </a:solidFill>
+                      <a:prstDash val="solid"/>
+                      <a:round/>
+                      <a:headEnd type="none" w="med" len="med"/>
+                      <a:tailEnd type="none" w="med" len="med"/>
+                    </a:lnT>
+                    <a:lnB w="6350" cap="flat" cmpd="sng" algn="ctr">
+                      <a:solidFill>
+                        <a:srgbClr val="5B9BD5"/>
+                      </a:solidFill>
+                      <a:prstDash val="solid"/>
+                      <a:round/>
+                      <a:headEnd type="none" w="med" len="med"/>
+                      <a:tailEnd type="none" w="med" len="med"/>
+                    </a:lnB>
+                  </a:tcPr>
+                </a:tc>
+                <a:tc>
+                  <a:txBody>
+                    <a:bodyPr/>
+                    <a:lstStyle/>
+                    <a:p>
+                      <a:pPr algn="ctr" fontAlgn="ctr"/>
+                      <a:r>
+                        <a:rPr lang="ja-JP" altLang="en-US" sz="2800" b="0" i="0" u="none" strike="noStrike">
+                          <a:solidFill>
+                            <a:srgbClr val="000000"/>
+                          </a:solidFill>
+                          <a:effectLst/>
+                          <a:latin typeface="游ゴシック" panose="020B0400000000000000" pitchFamily="34" charset="-128"/>
+                          <a:ea typeface="游ゴシック" panose="020B0400000000000000" pitchFamily="34" charset="-128"/>
+                        </a:rPr>
+                        <a:t>常に右側の枝で予測</a:t>
+                      </a:r>
+                    </a:p>
+                  </a:txBody>
+                  <a:tcPr marL="9525" marR="9525" marT="9525" marB="0" anchor="ctr">
+                    <a:lnL>
+                      <a:noFill/>
+                    </a:lnL>
+                    <a:lnR w="6350" cap="flat" cmpd="sng" algn="ctr">
+                      <a:solidFill>
+                        <a:srgbClr val="5B9BD5"/>
+                      </a:solidFill>
+                      <a:prstDash val="solid"/>
+                      <a:round/>
+                      <a:headEnd type="none" w="med" len="med"/>
+                      <a:tailEnd type="none" w="med" len="med"/>
+                    </a:lnR>
+                    <a:lnT w="6350" cap="flat" cmpd="sng" algn="ctr">
+                      <a:solidFill>
+                        <a:srgbClr val="5B9BD5"/>
+                      </a:solidFill>
+                      <a:prstDash val="solid"/>
+                      <a:round/>
+                      <a:headEnd type="none" w="med" len="med"/>
+                      <a:tailEnd type="none" w="med" len="med"/>
+                    </a:lnT>
+                    <a:lnB w="6350" cap="flat" cmpd="sng" algn="ctr">
+                      <a:solidFill>
+                        <a:srgbClr val="5B9BD5"/>
+                      </a:solidFill>
+                      <a:prstDash val="solid"/>
+                      <a:round/>
+                      <a:headEnd type="none" w="med" len="med"/>
+                      <a:tailEnd type="none" w="med" len="med"/>
+                    </a:lnB>
+                  </a:tcPr>
+                </a:tc>
+                <a:extLst>
+                  <a:ext uri="{0D108BD9-81ED-4DB2-BD59-A6C34878D82A}">
+                    <a16:rowId xmlns:a16="http://schemas.microsoft.com/office/drawing/2014/main" val="1001238805"/>
+                  </a:ext>
+                </a:extLst>
+              </a:tr>
+            </a:tbl>
+          </a:graphicData>
+        </a:graphic>
+      </p:graphicFrame>
+    </p:spTree>
+    <p:extLst>
+      <p:ext uri="{BB962C8B-B14F-4D97-AF65-F5344CB8AC3E}">
+        <p14:creationId xmlns:p14="http://schemas.microsoft.com/office/powerpoint/2010/main" val="2883873633"/>
+      </p:ext>
+    </p:extLst>
+  </p:cSld>
+  <p:clrMapOvr>
+    <a:masterClrMapping/>
+  </p:clrMapOvr>
+</p:sld>
+</file>
+
+<file path=ppt/slides/slide27.xml><?xml version="1.0" encoding="utf-8"?>
 <p:sld xmlns:a="http://schemas.openxmlformats.org/drawingml/2006/main" xmlns:r="http://schemas.openxmlformats.org/officeDocument/2006/relationships" xmlns:p="http://schemas.openxmlformats.org/presentationml/2006/main" show="0">
   <p:cSld>
     <p:spTree>
@@ -16846,224 +23098,7 @@
 </p:sld>
 </file>
 
-<file path=ppt/slides/slide2.xml><?xml version="1.0" encoding="utf-8"?>
-<p:sld xmlns:a="http://schemas.openxmlformats.org/drawingml/2006/main" xmlns:r="http://schemas.openxmlformats.org/officeDocument/2006/relationships" xmlns:p="http://schemas.openxmlformats.org/presentationml/2006/main">
-  <p:cSld>
-    <p:spTree>
-      <p:nvGrpSpPr>
-        <p:cNvPr id="1" name="Shape 53"/>
-        <p:cNvGrpSpPr/>
-        <p:nvPr/>
-      </p:nvGrpSpPr>
-      <p:grpSpPr>
-        <a:xfrm>
-          <a:off x="0" y="0"/>
-          <a:ext cx="0" cy="0"/>
-          <a:chOff x="0" y="0"/>
-          <a:chExt cx="0" cy="0"/>
-        </a:xfrm>
-      </p:grpSpPr>
-      <p:sp>
-        <p:nvSpPr>
-          <p:cNvPr id="54" name="Google Shape;54;p2"/>
-          <p:cNvSpPr txBox="1">
-            <a:spLocks noGrp="1"/>
-          </p:cNvSpPr>
-          <p:nvPr>
-            <p:ph type="title"/>
-          </p:nvPr>
-        </p:nvSpPr>
-        <p:spPr>
-          <a:prstGeom prst="rect">
-            <a:avLst/>
-          </a:prstGeom>
-          <a:noFill/>
-          <a:ln>
-            <a:noFill/>
-          </a:ln>
-        </p:spPr>
-        <p:txBody>
-          <a:bodyPr spcFirstLastPara="1" wrap="square" lIns="91425" tIns="45700" rIns="91425" bIns="45700" anchor="ctr" anchorCtr="0">
-            <a:normAutofit/>
-          </a:bodyPr>
-          <a:lstStyle/>
-          <a:p>
-            <a:pPr marL="225425" lvl="0" indent="0" algn="l" rtl="0">
-              <a:lnSpc>
-                <a:spcPct val="90000"/>
-              </a:lnSpc>
-              <a:spcBef>
-                <a:spcPts val="0"/>
-              </a:spcBef>
-              <a:spcAft>
-                <a:spcPts val="0"/>
-              </a:spcAft>
-              <a:buClr>
-                <a:schemeClr val="lt1"/>
-              </a:buClr>
-              <a:buSzPts val="1800"/>
-              <a:buFont typeface="Arial"/>
-              <a:buNone/>
-            </a:pPr>
-            <a:r>
-              <a:rPr lang="ja-JP" altLang="en-US"/>
-              <a:t>前提知識の共有</a:t>
-            </a:r>
-            <a:endParaRPr dirty="0"/>
-          </a:p>
-        </p:txBody>
-      </p:sp>
-      <p:sp>
-        <p:nvSpPr>
-          <p:cNvPr id="55" name="Google Shape;55;p2"/>
-          <p:cNvSpPr txBox="1">
-            <a:spLocks noGrp="1"/>
-          </p:cNvSpPr>
-          <p:nvPr>
-            <p:ph type="body" idx="1"/>
-          </p:nvPr>
-        </p:nvSpPr>
-        <p:spPr>
-          <a:prstGeom prst="rect">
-            <a:avLst/>
-          </a:prstGeom>
-          <a:noFill/>
-          <a:ln>
-            <a:noFill/>
-          </a:ln>
-        </p:spPr>
-        <p:txBody>
-          <a:bodyPr spcFirstLastPara="1" wrap="square" lIns="91425" tIns="45700" rIns="91425" bIns="45700" anchor="t" anchorCtr="0">
-            <a:normAutofit/>
-          </a:bodyPr>
-          <a:lstStyle/>
-          <a:p>
-            <a:r>
-              <a:rPr lang="en-US" sz="2400" dirty="0" err="1"/>
-              <a:t>事故の起きた際の緊急時マニュアルを一新したい</a:t>
-            </a:r>
-            <a:endParaRPr lang="en-US" sz="2400" dirty="0"/>
-          </a:p>
-          <a:p>
-            <a:endParaRPr lang="en-US" sz="2400" dirty="0"/>
-          </a:p>
-          <a:p>
-            <a:r>
-              <a:rPr lang="en-US" sz="2400" dirty="0" err="1"/>
-              <a:t>現場の動きが生存率等に大きく影響を与えることを機械学習モデルの予測によって示す</a:t>
-            </a:r>
-            <a:endParaRPr lang="en-US" sz="2400" dirty="0"/>
-          </a:p>
-          <a:p>
-            <a:pPr marL="101600" indent="0">
-              <a:buNone/>
-            </a:pPr>
-            <a:endParaRPr lang="en-US" sz="2400" dirty="0"/>
-          </a:p>
-          <a:p>
-            <a:pPr marL="101600" indent="0">
-              <a:buNone/>
-            </a:pPr>
-            <a:endParaRPr lang="en-US" sz="2400" dirty="0"/>
-          </a:p>
-          <a:p>
-            <a:pPr marL="101600" lvl="0" indent="0" algn="l" rtl="0">
-              <a:lnSpc>
-                <a:spcPct val="90000"/>
-              </a:lnSpc>
-              <a:spcBef>
-                <a:spcPts val="813"/>
-              </a:spcBef>
-              <a:spcAft>
-                <a:spcPts val="0"/>
-              </a:spcAft>
-              <a:buSzPts val="2000"/>
-              <a:buFont typeface="Arial"/>
-              <a:buNone/>
-            </a:pPr>
-            <a:r>
-              <a:rPr lang="en-US" sz="2400" dirty="0" err="1"/>
-              <a:t>目的</a:t>
-            </a:r>
-            <a:endParaRPr lang="en-US" sz="2400" dirty="0"/>
-          </a:p>
-          <a:p>
-            <a:pPr marL="101600" lvl="0" indent="0" algn="l" rtl="0">
-              <a:lnSpc>
-                <a:spcPct val="90000"/>
-              </a:lnSpc>
-              <a:spcBef>
-                <a:spcPts val="813"/>
-              </a:spcBef>
-              <a:spcAft>
-                <a:spcPts val="0"/>
-              </a:spcAft>
-              <a:buSzPts val="2000"/>
-              <a:buFont typeface="Arial"/>
-              <a:buNone/>
-            </a:pPr>
-            <a:endParaRPr lang="en-US" sz="2400" dirty="0"/>
-          </a:p>
-          <a:p>
-            <a:pPr marL="101600" lvl="0" indent="0" algn="ctr" rtl="0">
-              <a:lnSpc>
-                <a:spcPct val="90000"/>
-              </a:lnSpc>
-              <a:spcBef>
-                <a:spcPts val="813"/>
-              </a:spcBef>
-              <a:spcAft>
-                <a:spcPts val="0"/>
-              </a:spcAft>
-              <a:buSzPts val="2000"/>
-              <a:buFont typeface="Arial"/>
-              <a:buNone/>
-            </a:pPr>
-            <a:r>
-              <a:rPr lang="en-US" sz="2400" dirty="0"/>
-              <a:t>	</a:t>
-            </a:r>
-            <a:r>
-              <a:rPr lang="ja-JP" altLang="en-US" sz="3200"/>
-              <a:t>「現場の動き」と「乗客の生死」に、どのような関係性があるかを</a:t>
-            </a:r>
-          </a:p>
-          <a:p>
-            <a:pPr marL="101600" lvl="0" indent="0" algn="ctr" rtl="0">
-              <a:lnSpc>
-                <a:spcPct val="90000"/>
-              </a:lnSpc>
-              <a:spcBef>
-                <a:spcPts val="813"/>
-              </a:spcBef>
-              <a:spcAft>
-                <a:spcPts val="0"/>
-              </a:spcAft>
-              <a:buSzPts val="2000"/>
-              <a:buFont typeface="Arial"/>
-              <a:buNone/>
-            </a:pPr>
-            <a:r>
-              <a:rPr lang="ja-JP" altLang="en-US" sz="3200"/>
-              <a:t>データ分析の視点から明らかにする</a:t>
-            </a:r>
-          </a:p>
-        </p:txBody>
-      </p:sp>
-    </p:spTree>
-    <p:extLst>
-      <p:ext uri="{BB962C8B-B14F-4D97-AF65-F5344CB8AC3E}">
-        <p14:creationId xmlns:p14="http://schemas.microsoft.com/office/powerpoint/2010/main" val="2972617758"/>
-      </p:ext>
-    </p:extLst>
-  </p:cSld>
-  <p:clrMapOvr>
-    <a:masterClrMapping/>
-  </p:clrMapOvr>
-</p:sld>
-</file>
-
-<file path=ppt/slides/slide20.xml><?xml version="1.0" encoding="utf-8"?>
+<file path=ppt/slides/slide28.xml><?xml version="1.0" encoding="utf-8"?>
 <p:sld xmlns:a="http://schemas.openxmlformats.org/drawingml/2006/main" xmlns:r="http://schemas.openxmlformats.org/officeDocument/2006/relationships" xmlns:p="http://schemas.openxmlformats.org/presentationml/2006/main" show="0">
   <p:cSld>
     <p:spTree>
@@ -17180,7 +23215,7 @@
 </p:sld>
 </file>
 
-<file path=ppt/slides/slide21.xml><?xml version="1.0" encoding="utf-8"?>
+<file path=ppt/slides/slide29.xml><?xml version="1.0" encoding="utf-8"?>
 <p:sld xmlns:a="http://schemas.openxmlformats.org/drawingml/2006/main" xmlns:r="http://schemas.openxmlformats.org/officeDocument/2006/relationships" xmlns:p="http://schemas.openxmlformats.org/presentationml/2006/main" show="0">
   <p:cSld>
     <p:spTree>
@@ -17297,401 +23332,6 @@
 </p:sld>
 </file>
 
-<file path=ppt/slides/slide22.xml><?xml version="1.0" encoding="utf-8"?>
-<p:sld xmlns:a="http://schemas.openxmlformats.org/drawingml/2006/main" xmlns:r="http://schemas.openxmlformats.org/officeDocument/2006/relationships" xmlns:p="http://schemas.openxmlformats.org/presentationml/2006/main" show="0">
-  <p:cSld>
-    <p:spTree>
-      <p:nvGrpSpPr>
-        <p:cNvPr id="1" name=""/>
-        <p:cNvGrpSpPr/>
-        <p:nvPr/>
-      </p:nvGrpSpPr>
-      <p:grpSpPr>
-        <a:xfrm>
-          <a:off x="0" y="0"/>
-          <a:ext cx="0" cy="0"/>
-          <a:chOff x="0" y="0"/>
-          <a:chExt cx="0" cy="0"/>
-        </a:xfrm>
-      </p:grpSpPr>
-      <p:sp>
-        <p:nvSpPr>
-          <p:cNvPr id="2" name="タイトル 1">
-            <a:extLst>
-              <a:ext uri="{FF2B5EF4-FFF2-40B4-BE49-F238E27FC236}">
-                <a16:creationId xmlns:a16="http://schemas.microsoft.com/office/drawing/2014/main" id="{B81475F3-542E-E46E-0C61-CFE64F5F3F65}"/>
-              </a:ext>
-            </a:extLst>
-          </p:cNvPr>
-          <p:cNvSpPr>
-            <a:spLocks noGrp="1"/>
-          </p:cNvSpPr>
-          <p:nvPr>
-            <p:ph type="title"/>
-          </p:nvPr>
-        </p:nvSpPr>
-        <p:spPr/>
-        <p:txBody>
-          <a:bodyPr/>
-          <a:lstStyle/>
-          <a:p>
-            <a:r>
-              <a:rPr kumimoji="1" lang="ja-JP" altLang="en-US"/>
-              <a:t>乗客の同乗家族人数ごとの生存人数</a:t>
-            </a:r>
-          </a:p>
-        </p:txBody>
-      </p:sp>
-      <p:sp>
-        <p:nvSpPr>
-          <p:cNvPr id="3" name="テキスト プレースホルダー 2">
-            <a:extLst>
-              <a:ext uri="{FF2B5EF4-FFF2-40B4-BE49-F238E27FC236}">
-                <a16:creationId xmlns:a16="http://schemas.microsoft.com/office/drawing/2014/main" id="{3A9D4D0C-DADD-B714-481C-BC1219BA578B}"/>
-              </a:ext>
-            </a:extLst>
-          </p:cNvPr>
-          <p:cNvSpPr>
-            <a:spLocks noGrp="1"/>
-          </p:cNvSpPr>
-          <p:nvPr>
-            <p:ph type="body" idx="1"/>
-          </p:nvPr>
-        </p:nvSpPr>
-        <p:spPr/>
-        <p:txBody>
-          <a:bodyPr/>
-          <a:lstStyle/>
-          <a:p>
-            <a:endParaRPr kumimoji="1" lang="ja-JP" altLang="en-US"/>
-          </a:p>
-        </p:txBody>
-      </p:sp>
-      <p:pic>
-        <p:nvPicPr>
-          <p:cNvPr id="6" name="図 5" descr="グラフ&#10;&#10;自動的に生成された説明">
-            <a:extLst>
-              <a:ext uri="{FF2B5EF4-FFF2-40B4-BE49-F238E27FC236}">
-                <a16:creationId xmlns:a16="http://schemas.microsoft.com/office/drawing/2014/main" id="{717EF5D4-8DB9-CDC8-C05A-B22924B632EF}"/>
-              </a:ext>
-            </a:extLst>
-          </p:cNvPr>
-          <p:cNvPicPr>
-            <a:picLocks noChangeAspect="1"/>
-          </p:cNvPicPr>
-          <p:nvPr/>
-        </p:nvPicPr>
-        <p:blipFill>
-          <a:blip r:embed="rId2"/>
-          <a:stretch>
-            <a:fillRect/>
-          </a:stretch>
-        </p:blipFill>
-        <p:spPr>
-          <a:xfrm>
-            <a:off x="2133600" y="898979"/>
-            <a:ext cx="7505349" cy="5959021"/>
-          </a:xfrm>
-          <a:prstGeom prst="rect">
-            <a:avLst/>
-          </a:prstGeom>
-        </p:spPr>
-      </p:pic>
-    </p:spTree>
-    <p:extLst>
-      <p:ext uri="{BB962C8B-B14F-4D97-AF65-F5344CB8AC3E}">
-        <p14:creationId xmlns:p14="http://schemas.microsoft.com/office/powerpoint/2010/main" val="1086362079"/>
-      </p:ext>
-    </p:extLst>
-  </p:cSld>
-  <p:clrMapOvr>
-    <a:masterClrMapping/>
-  </p:clrMapOvr>
-</p:sld>
-</file>
-
-<file path=ppt/slides/slide23.xml><?xml version="1.0" encoding="utf-8"?>
-<p:sld xmlns:a="http://schemas.openxmlformats.org/drawingml/2006/main" xmlns:r="http://schemas.openxmlformats.org/officeDocument/2006/relationships" xmlns:p="http://schemas.openxmlformats.org/presentationml/2006/main" show="0">
-  <p:cSld>
-    <p:spTree>
-      <p:nvGrpSpPr>
-        <p:cNvPr id="1" name=""/>
-        <p:cNvGrpSpPr/>
-        <p:nvPr/>
-      </p:nvGrpSpPr>
-      <p:grpSpPr>
-        <a:xfrm>
-          <a:off x="0" y="0"/>
-          <a:ext cx="0" cy="0"/>
-          <a:chOff x="0" y="0"/>
-          <a:chExt cx="0" cy="0"/>
-        </a:xfrm>
-      </p:grpSpPr>
-      <p:sp>
-        <p:nvSpPr>
-          <p:cNvPr id="2" name="タイトル 1">
-            <a:extLst>
-              <a:ext uri="{FF2B5EF4-FFF2-40B4-BE49-F238E27FC236}">
-                <a16:creationId xmlns:a16="http://schemas.microsoft.com/office/drawing/2014/main" id="{B81475F3-542E-E46E-0C61-CFE64F5F3F65}"/>
-              </a:ext>
-            </a:extLst>
-          </p:cNvPr>
-          <p:cNvSpPr>
-            <a:spLocks noGrp="1"/>
-          </p:cNvSpPr>
-          <p:nvPr>
-            <p:ph type="title"/>
-          </p:nvPr>
-        </p:nvSpPr>
-        <p:spPr/>
-        <p:txBody>
-          <a:bodyPr/>
-          <a:lstStyle/>
-          <a:p>
-            <a:r>
-              <a:rPr kumimoji="1" lang="ja-JP" altLang="en-US"/>
-              <a:t>乗客の安否別運賃の分布</a:t>
-            </a:r>
-            <a:r>
-              <a:rPr kumimoji="1" lang="en-US" altLang="ja-JP" dirty="0"/>
-              <a:t> (</a:t>
-            </a:r>
-            <a:r>
-              <a:rPr kumimoji="1" lang="ja-JP" altLang="en-US"/>
-              <a:t>カーネル密度推定</a:t>
-            </a:r>
-            <a:r>
-              <a:rPr kumimoji="1" lang="en-US" altLang="ja-JP" dirty="0"/>
-              <a:t>)</a:t>
-            </a:r>
-            <a:endParaRPr kumimoji="1" lang="ja-JP" altLang="en-US"/>
-          </a:p>
-        </p:txBody>
-      </p:sp>
-      <p:sp>
-        <p:nvSpPr>
-          <p:cNvPr id="3" name="テキスト プレースホルダー 2">
-            <a:extLst>
-              <a:ext uri="{FF2B5EF4-FFF2-40B4-BE49-F238E27FC236}">
-                <a16:creationId xmlns:a16="http://schemas.microsoft.com/office/drawing/2014/main" id="{3A9D4D0C-DADD-B714-481C-BC1219BA578B}"/>
-              </a:ext>
-            </a:extLst>
-          </p:cNvPr>
-          <p:cNvSpPr>
-            <a:spLocks noGrp="1"/>
-          </p:cNvSpPr>
-          <p:nvPr>
-            <p:ph type="body" idx="1"/>
-          </p:nvPr>
-        </p:nvSpPr>
-        <p:spPr/>
-        <p:txBody>
-          <a:bodyPr/>
-          <a:lstStyle/>
-          <a:p>
-            <a:endParaRPr kumimoji="1" lang="ja-JP" altLang="en-US"/>
-          </a:p>
-        </p:txBody>
-      </p:sp>
-      <p:pic>
-        <p:nvPicPr>
-          <p:cNvPr id="5" name="図 4" descr="グラフ, ヒストグラム&#10;&#10;自動的に生成された説明">
-            <a:extLst>
-              <a:ext uri="{FF2B5EF4-FFF2-40B4-BE49-F238E27FC236}">
-                <a16:creationId xmlns:a16="http://schemas.microsoft.com/office/drawing/2014/main" id="{110ADDD9-EEC6-5F25-E241-31E14B0CCECD}"/>
-              </a:ext>
-            </a:extLst>
-          </p:cNvPr>
-          <p:cNvPicPr>
-            <a:picLocks noChangeAspect="1"/>
-          </p:cNvPicPr>
-          <p:nvPr/>
-        </p:nvPicPr>
-        <p:blipFill>
-          <a:blip r:embed="rId2"/>
-          <a:stretch>
-            <a:fillRect/>
-          </a:stretch>
-        </p:blipFill>
-        <p:spPr>
-          <a:xfrm>
-            <a:off x="2054705" y="741114"/>
-            <a:ext cx="7556223" cy="5778288"/>
-          </a:xfrm>
-          <a:prstGeom prst="rect">
-            <a:avLst/>
-          </a:prstGeom>
-        </p:spPr>
-      </p:pic>
-    </p:spTree>
-    <p:extLst>
-      <p:ext uri="{BB962C8B-B14F-4D97-AF65-F5344CB8AC3E}">
-        <p14:creationId xmlns:p14="http://schemas.microsoft.com/office/powerpoint/2010/main" val="4016262445"/>
-      </p:ext>
-    </p:extLst>
-  </p:cSld>
-  <p:clrMapOvr>
-    <a:masterClrMapping/>
-  </p:clrMapOvr>
-</p:sld>
-</file>
-
-<file path=ppt/slides/slide24.xml><?xml version="1.0" encoding="utf-8"?>
-<p:sld xmlns:a="http://schemas.openxmlformats.org/drawingml/2006/main" xmlns:r="http://schemas.openxmlformats.org/officeDocument/2006/relationships" xmlns:p="http://schemas.openxmlformats.org/presentationml/2006/main" show="0">
-  <p:cSld>
-    <p:spTree>
-      <p:nvGrpSpPr>
-        <p:cNvPr id="1" name=""/>
-        <p:cNvGrpSpPr/>
-        <p:nvPr/>
-      </p:nvGrpSpPr>
-      <p:grpSpPr>
-        <a:xfrm>
-          <a:off x="0" y="0"/>
-          <a:ext cx="0" cy="0"/>
-          <a:chOff x="0" y="0"/>
-          <a:chExt cx="0" cy="0"/>
-        </a:xfrm>
-      </p:grpSpPr>
-      <p:sp>
-        <p:nvSpPr>
-          <p:cNvPr id="2" name="タイトル 1">
-            <a:extLst>
-              <a:ext uri="{FF2B5EF4-FFF2-40B4-BE49-F238E27FC236}">
-                <a16:creationId xmlns:a16="http://schemas.microsoft.com/office/drawing/2014/main" id="{B81475F3-542E-E46E-0C61-CFE64F5F3F65}"/>
-              </a:ext>
-            </a:extLst>
-          </p:cNvPr>
-          <p:cNvSpPr>
-            <a:spLocks noGrp="1"/>
-          </p:cNvSpPr>
-          <p:nvPr>
-            <p:ph type="title"/>
-          </p:nvPr>
-        </p:nvSpPr>
-        <p:spPr/>
-        <p:txBody>
-          <a:bodyPr/>
-          <a:lstStyle/>
-          <a:p>
-            <a:r>
-              <a:rPr lang="ja-JP" altLang="en-US"/>
-              <a:t>生成された決定木 </a:t>
-            </a:r>
-            <a:r>
-              <a:rPr lang="en-US" altLang="ja-JP" dirty="0"/>
-              <a:t>(</a:t>
-            </a:r>
-            <a:r>
-              <a:rPr lang="ja-JP" altLang="en-US"/>
-              <a:t>一部抜粋</a:t>
-            </a:r>
-            <a:r>
-              <a:rPr lang="en-US" altLang="ja-JP" dirty="0"/>
-              <a:t>)</a:t>
-            </a:r>
-            <a:endParaRPr kumimoji="1" lang="ja-JP" altLang="en-US"/>
-          </a:p>
-        </p:txBody>
-      </p:sp>
-      <p:sp>
-        <p:nvSpPr>
-          <p:cNvPr id="3" name="テキスト プレースホルダー 2">
-            <a:extLst>
-              <a:ext uri="{FF2B5EF4-FFF2-40B4-BE49-F238E27FC236}">
-                <a16:creationId xmlns:a16="http://schemas.microsoft.com/office/drawing/2014/main" id="{3A9D4D0C-DADD-B714-481C-BC1219BA578B}"/>
-              </a:ext>
-            </a:extLst>
-          </p:cNvPr>
-          <p:cNvSpPr>
-            <a:spLocks noGrp="1"/>
-          </p:cNvSpPr>
-          <p:nvPr>
-            <p:ph type="body" idx="1"/>
-          </p:nvPr>
-        </p:nvSpPr>
-        <p:spPr/>
-        <p:txBody>
-          <a:bodyPr/>
-          <a:lstStyle/>
-          <a:p>
-            <a:endParaRPr kumimoji="1" lang="ja-JP" altLang="en-US"/>
-          </a:p>
-        </p:txBody>
-      </p:sp>
-      <p:pic>
-        <p:nvPicPr>
-          <p:cNvPr id="4" name="図 3">
-            <a:extLst>
-              <a:ext uri="{FF2B5EF4-FFF2-40B4-BE49-F238E27FC236}">
-                <a16:creationId xmlns:a16="http://schemas.microsoft.com/office/drawing/2014/main" id="{D458F2CE-13D2-0173-1CD0-E703CAE8CD5B}"/>
-              </a:ext>
-            </a:extLst>
-          </p:cNvPr>
-          <p:cNvPicPr>
-            <a:picLocks noChangeAspect="1"/>
-          </p:cNvPicPr>
-          <p:nvPr/>
-        </p:nvPicPr>
-        <p:blipFill>
-          <a:blip r:embed="rId2"/>
-          <a:stretch>
-            <a:fillRect/>
-          </a:stretch>
-        </p:blipFill>
-        <p:spPr>
-          <a:xfrm>
-            <a:off x="1651819" y="1195821"/>
-            <a:ext cx="7772400" cy="2352354"/>
-          </a:xfrm>
-          <a:prstGeom prst="rect">
-            <a:avLst/>
-          </a:prstGeom>
-        </p:spPr>
-      </p:pic>
-      <p:pic>
-        <p:nvPicPr>
-          <p:cNvPr id="7" name="図 6">
-            <a:extLst>
-              <a:ext uri="{FF2B5EF4-FFF2-40B4-BE49-F238E27FC236}">
-                <a16:creationId xmlns:a16="http://schemas.microsoft.com/office/drawing/2014/main" id="{E1F89582-BF49-075E-CDC6-98DF90C47E2E}"/>
-              </a:ext>
-            </a:extLst>
-          </p:cNvPr>
-          <p:cNvPicPr>
-            <a:picLocks noChangeAspect="1"/>
-          </p:cNvPicPr>
-          <p:nvPr/>
-        </p:nvPicPr>
-        <p:blipFill>
-          <a:blip r:embed="rId3"/>
-          <a:stretch>
-            <a:fillRect/>
-          </a:stretch>
-        </p:blipFill>
-        <p:spPr>
-          <a:xfrm>
-            <a:off x="1651819" y="3888101"/>
-            <a:ext cx="7772400" cy="2125373"/>
-          </a:xfrm>
-          <a:prstGeom prst="rect">
-            <a:avLst/>
-          </a:prstGeom>
-        </p:spPr>
-      </p:pic>
-    </p:spTree>
-    <p:extLst>
-      <p:ext uri="{BB962C8B-B14F-4D97-AF65-F5344CB8AC3E}">
-        <p14:creationId xmlns:p14="http://schemas.microsoft.com/office/powerpoint/2010/main" val="1560212216"/>
-      </p:ext>
-    </p:extLst>
-  </p:cSld>
-  <p:clrMapOvr>
-    <a:masterClrMapping/>
-  </p:clrMapOvr>
-</p:sld>
-</file>
-
 <file path=ppt/slides/slide3.xml><?xml version="1.0" encoding="utf-8"?>
 <p:sld xmlns:a="http://schemas.openxmlformats.org/drawingml/2006/main" xmlns:r="http://schemas.openxmlformats.org/officeDocument/2006/relationships" xmlns:p="http://schemas.openxmlformats.org/presentationml/2006/main">
   <p:cSld>
@@ -17863,19 +23503,19 @@
                   <a:srgbClr val="30AAEB"/>
                 </a:solidFill>
               </a:rPr>
-              <a:t>計算速度</a:t>
+              <a:t>解釈性</a:t>
             </a:r>
             <a:r>
               <a:rPr lang="en-US" sz="2200" dirty="0" err="1"/>
               <a:t>と</a:t>
             </a:r>
             <a:r>
-              <a:rPr lang="en-US" sz="2200" b="1" dirty="0" err="1">
+              <a:rPr lang="en-US" altLang="ja-JP" sz="2200" b="1" dirty="0" err="1">
                 <a:solidFill>
                   <a:srgbClr val="30AAEB"/>
                 </a:solidFill>
               </a:rPr>
-              <a:t>解釈性</a:t>
+              <a:t>計算速度</a:t>
             </a:r>
             <a:r>
               <a:rPr lang="en-US" sz="2200" dirty="0" err="1"/>
@@ -18512,13 +24152,13 @@
           <p:nvPr>
             <p:extLst>
               <p:ext uri="{D42A27DB-BD31-4B8C-83A1-F6EECF244321}">
-                <p14:modId xmlns:p14="http://schemas.microsoft.com/office/powerpoint/2010/main" val="4192730400"/>
+                <p14:modId xmlns:p14="http://schemas.microsoft.com/office/powerpoint/2010/main" val="1894804028"/>
               </p:ext>
             </p:extLst>
           </p:nvPr>
         </p:nvGraphicFramePr>
         <p:xfrm>
-          <a:off x="334963" y="3756731"/>
+          <a:off x="670845" y="3765762"/>
           <a:ext cx="4269607" cy="2639535"/>
         </p:xfrm>
         <a:graphic>
@@ -19473,10 +25113,617 @@
           </a:graphicData>
         </a:graphic>
       </p:graphicFrame>
+      <p:sp>
+        <p:nvSpPr>
+          <p:cNvPr id="3" name="テキスト ボックス 2">
+            <a:extLst>
+              <a:ext uri="{FF2B5EF4-FFF2-40B4-BE49-F238E27FC236}">
+                <a16:creationId xmlns:a16="http://schemas.microsoft.com/office/drawing/2014/main" id="{71CB092A-0083-B285-A757-2B15EC1EEBD3}"/>
+              </a:ext>
+            </a:extLst>
+          </p:cNvPr>
+          <p:cNvSpPr txBox="1"/>
+          <p:nvPr/>
+        </p:nvSpPr>
+        <p:spPr>
+          <a:xfrm>
+            <a:off x="8071407" y="3059668"/>
+            <a:ext cx="579005" cy="369332"/>
+          </a:xfrm>
+          <a:prstGeom prst="rect">
+            <a:avLst/>
+          </a:prstGeom>
+          <a:noFill/>
+        </p:spPr>
+        <p:txBody>
+          <a:bodyPr wrap="none" rtlCol="0">
+            <a:spAutoFit/>
+          </a:bodyPr>
+          <a:lstStyle/>
+          <a:p>
+            <a:pPr algn="l"/>
+            <a:r>
+              <a:rPr kumimoji="1" lang="en-US" altLang="ja-JP" sz="1800" dirty="0">
+                <a:solidFill>
+                  <a:schemeClr val="tx1">
+                    <a:lumMod val="75000"/>
+                  </a:schemeClr>
+                </a:solidFill>
+                <a:latin typeface="Meiryo UI" panose="020B0604030504040204" pitchFamily="34" charset="-128"/>
+                <a:ea typeface="Meiryo UI" panose="020B0604030504040204" pitchFamily="34" charset="-128"/>
+              </a:rPr>
+              <a:t>Yes</a:t>
+            </a:r>
+            <a:endParaRPr kumimoji="1" lang="ja-JP" altLang="en-US" sz="1800">
+              <a:solidFill>
+                <a:schemeClr val="tx1">
+                  <a:lumMod val="75000"/>
+                </a:schemeClr>
+              </a:solidFill>
+              <a:latin typeface="Meiryo UI" panose="020B0604030504040204" pitchFamily="34" charset="-128"/>
+              <a:ea typeface="Meiryo UI" panose="020B0604030504040204" pitchFamily="34" charset="-128"/>
+            </a:endParaRPr>
+          </a:p>
+        </p:txBody>
+      </p:sp>
+      <p:sp>
+        <p:nvSpPr>
+          <p:cNvPr id="4" name="テキスト ボックス 3">
+            <a:extLst>
+              <a:ext uri="{FF2B5EF4-FFF2-40B4-BE49-F238E27FC236}">
+                <a16:creationId xmlns:a16="http://schemas.microsoft.com/office/drawing/2014/main" id="{48B72234-D4CD-227B-FD0D-74E451F39F7E}"/>
+              </a:ext>
+            </a:extLst>
+          </p:cNvPr>
+          <p:cNvSpPr txBox="1"/>
+          <p:nvPr/>
+        </p:nvSpPr>
+        <p:spPr>
+          <a:xfrm>
+            <a:off x="7201362" y="4891832"/>
+            <a:ext cx="579005" cy="369332"/>
+          </a:xfrm>
+          <a:prstGeom prst="rect">
+            <a:avLst/>
+          </a:prstGeom>
+          <a:noFill/>
+        </p:spPr>
+        <p:txBody>
+          <a:bodyPr wrap="none" rtlCol="0">
+            <a:spAutoFit/>
+          </a:bodyPr>
+          <a:lstStyle/>
+          <a:p>
+            <a:pPr algn="l"/>
+            <a:r>
+              <a:rPr kumimoji="1" lang="en-US" altLang="ja-JP" sz="1800" dirty="0">
+                <a:solidFill>
+                  <a:schemeClr val="tx1">
+                    <a:lumMod val="75000"/>
+                  </a:schemeClr>
+                </a:solidFill>
+                <a:latin typeface="Meiryo UI" panose="020B0604030504040204" pitchFamily="34" charset="-128"/>
+                <a:ea typeface="Meiryo UI" panose="020B0604030504040204" pitchFamily="34" charset="-128"/>
+              </a:rPr>
+              <a:t>Yes</a:t>
+            </a:r>
+            <a:endParaRPr kumimoji="1" lang="ja-JP" altLang="en-US" sz="1800">
+              <a:solidFill>
+                <a:schemeClr val="tx1">
+                  <a:lumMod val="75000"/>
+                </a:schemeClr>
+              </a:solidFill>
+              <a:latin typeface="Meiryo UI" panose="020B0604030504040204" pitchFamily="34" charset="-128"/>
+              <a:ea typeface="Meiryo UI" panose="020B0604030504040204" pitchFamily="34" charset="-128"/>
+            </a:endParaRPr>
+          </a:p>
+        </p:txBody>
+      </p:sp>
+      <p:sp>
+        <p:nvSpPr>
+          <p:cNvPr id="5" name="テキスト ボックス 4">
+            <a:extLst>
+              <a:ext uri="{FF2B5EF4-FFF2-40B4-BE49-F238E27FC236}">
+                <a16:creationId xmlns:a16="http://schemas.microsoft.com/office/drawing/2014/main" id="{C2A9880F-A19B-F7CE-212B-04E15011FBAF}"/>
+              </a:ext>
+            </a:extLst>
+          </p:cNvPr>
+          <p:cNvSpPr txBox="1"/>
+          <p:nvPr/>
+        </p:nvSpPr>
+        <p:spPr>
+          <a:xfrm>
+            <a:off x="9229512" y="4891832"/>
+            <a:ext cx="494046" cy="369332"/>
+          </a:xfrm>
+          <a:prstGeom prst="rect">
+            <a:avLst/>
+          </a:prstGeom>
+          <a:noFill/>
+        </p:spPr>
+        <p:txBody>
+          <a:bodyPr wrap="none" rtlCol="0">
+            <a:spAutoFit/>
+          </a:bodyPr>
+          <a:lstStyle/>
+          <a:p>
+            <a:pPr algn="l"/>
+            <a:r>
+              <a:rPr kumimoji="1" lang="en-US" altLang="ja-JP" sz="1800" dirty="0">
+                <a:solidFill>
+                  <a:schemeClr val="tx1">
+                    <a:lumMod val="75000"/>
+                  </a:schemeClr>
+                </a:solidFill>
+                <a:latin typeface="Meiryo UI" panose="020B0604030504040204" pitchFamily="34" charset="-128"/>
+                <a:ea typeface="Meiryo UI" panose="020B0604030504040204" pitchFamily="34" charset="-128"/>
+              </a:rPr>
+              <a:t>No</a:t>
+            </a:r>
+            <a:endParaRPr kumimoji="1" lang="ja-JP" altLang="en-US" sz="1800">
+              <a:solidFill>
+                <a:schemeClr val="tx1">
+                  <a:lumMod val="75000"/>
+                </a:schemeClr>
+              </a:solidFill>
+              <a:latin typeface="Meiryo UI" panose="020B0604030504040204" pitchFamily="34" charset="-128"/>
+              <a:ea typeface="Meiryo UI" panose="020B0604030504040204" pitchFamily="34" charset="-128"/>
+            </a:endParaRPr>
+          </a:p>
+        </p:txBody>
+      </p:sp>
+      <p:sp>
+        <p:nvSpPr>
+          <p:cNvPr id="7" name="テキスト ボックス 6">
+            <a:extLst>
+              <a:ext uri="{FF2B5EF4-FFF2-40B4-BE49-F238E27FC236}">
+                <a16:creationId xmlns:a16="http://schemas.microsoft.com/office/drawing/2014/main" id="{C5289906-D409-9C54-E120-F59B2E39AE29}"/>
+              </a:ext>
+            </a:extLst>
+          </p:cNvPr>
+          <p:cNvSpPr txBox="1"/>
+          <p:nvPr/>
+        </p:nvSpPr>
+        <p:spPr>
+          <a:xfrm>
+            <a:off x="9978094" y="3057700"/>
+            <a:ext cx="494046" cy="369332"/>
+          </a:xfrm>
+          <a:prstGeom prst="rect">
+            <a:avLst/>
+          </a:prstGeom>
+          <a:noFill/>
+        </p:spPr>
+        <p:txBody>
+          <a:bodyPr wrap="none" rtlCol="0">
+            <a:spAutoFit/>
+          </a:bodyPr>
+          <a:lstStyle/>
+          <a:p>
+            <a:pPr algn="l"/>
+            <a:r>
+              <a:rPr kumimoji="1" lang="en-US" altLang="ja-JP" sz="1800" dirty="0">
+                <a:solidFill>
+                  <a:schemeClr val="tx1">
+                    <a:lumMod val="75000"/>
+                  </a:schemeClr>
+                </a:solidFill>
+                <a:latin typeface="Meiryo UI" panose="020B0604030504040204" pitchFamily="34" charset="-128"/>
+                <a:ea typeface="Meiryo UI" panose="020B0604030504040204" pitchFamily="34" charset="-128"/>
+              </a:rPr>
+              <a:t>No</a:t>
+            </a:r>
+            <a:endParaRPr kumimoji="1" lang="ja-JP" altLang="en-US" sz="1800">
+              <a:solidFill>
+                <a:schemeClr val="tx1">
+                  <a:lumMod val="75000"/>
+                </a:schemeClr>
+              </a:solidFill>
+              <a:latin typeface="Meiryo UI" panose="020B0604030504040204" pitchFamily="34" charset="-128"/>
+              <a:ea typeface="Meiryo UI" panose="020B0604030504040204" pitchFamily="34" charset="-128"/>
+            </a:endParaRPr>
+          </a:p>
+        </p:txBody>
+      </p:sp>
     </p:spTree>
     <p:extLst>
       <p:ext uri="{BB962C8B-B14F-4D97-AF65-F5344CB8AC3E}">
         <p14:creationId xmlns:p14="http://schemas.microsoft.com/office/powerpoint/2010/main" val="3886616897"/>
+      </p:ext>
+    </p:extLst>
+  </p:cSld>
+  <p:clrMapOvr>
+    <a:masterClrMapping/>
+  </p:clrMapOvr>
+</p:sld>
+</file>
+
+<file path=ppt/slides/slide30.xml><?xml version="1.0" encoding="utf-8"?>
+<p:sld xmlns:a="http://schemas.openxmlformats.org/drawingml/2006/main" xmlns:r="http://schemas.openxmlformats.org/officeDocument/2006/relationships" xmlns:p="http://schemas.openxmlformats.org/presentationml/2006/main" show="0">
+  <p:cSld>
+    <p:spTree>
+      <p:nvGrpSpPr>
+        <p:cNvPr id="1" name=""/>
+        <p:cNvGrpSpPr/>
+        <p:nvPr/>
+      </p:nvGrpSpPr>
+      <p:grpSpPr>
+        <a:xfrm>
+          <a:off x="0" y="0"/>
+          <a:ext cx="0" cy="0"/>
+          <a:chOff x="0" y="0"/>
+          <a:chExt cx="0" cy="0"/>
+        </a:xfrm>
+      </p:grpSpPr>
+      <p:sp>
+        <p:nvSpPr>
+          <p:cNvPr id="2" name="タイトル 1">
+            <a:extLst>
+              <a:ext uri="{FF2B5EF4-FFF2-40B4-BE49-F238E27FC236}">
+                <a16:creationId xmlns:a16="http://schemas.microsoft.com/office/drawing/2014/main" id="{B81475F3-542E-E46E-0C61-CFE64F5F3F65}"/>
+              </a:ext>
+            </a:extLst>
+          </p:cNvPr>
+          <p:cNvSpPr>
+            <a:spLocks noGrp="1"/>
+          </p:cNvSpPr>
+          <p:nvPr>
+            <p:ph type="title"/>
+          </p:nvPr>
+        </p:nvSpPr>
+        <p:spPr/>
+        <p:txBody>
+          <a:bodyPr/>
+          <a:lstStyle/>
+          <a:p>
+            <a:r>
+              <a:rPr kumimoji="1" lang="ja-JP" altLang="en-US"/>
+              <a:t>乗客の同乗家族人数ごとの生存人数</a:t>
+            </a:r>
+          </a:p>
+        </p:txBody>
+      </p:sp>
+      <p:sp>
+        <p:nvSpPr>
+          <p:cNvPr id="3" name="テキスト プレースホルダー 2">
+            <a:extLst>
+              <a:ext uri="{FF2B5EF4-FFF2-40B4-BE49-F238E27FC236}">
+                <a16:creationId xmlns:a16="http://schemas.microsoft.com/office/drawing/2014/main" id="{3A9D4D0C-DADD-B714-481C-BC1219BA578B}"/>
+              </a:ext>
+            </a:extLst>
+          </p:cNvPr>
+          <p:cNvSpPr>
+            <a:spLocks noGrp="1"/>
+          </p:cNvSpPr>
+          <p:nvPr>
+            <p:ph type="body" idx="1"/>
+          </p:nvPr>
+        </p:nvSpPr>
+        <p:spPr/>
+        <p:txBody>
+          <a:bodyPr/>
+          <a:lstStyle/>
+          <a:p>
+            <a:endParaRPr kumimoji="1" lang="ja-JP" altLang="en-US"/>
+          </a:p>
+        </p:txBody>
+      </p:sp>
+      <p:pic>
+        <p:nvPicPr>
+          <p:cNvPr id="6" name="図 5" descr="グラフ&#10;&#10;自動的に生成された説明">
+            <a:extLst>
+              <a:ext uri="{FF2B5EF4-FFF2-40B4-BE49-F238E27FC236}">
+                <a16:creationId xmlns:a16="http://schemas.microsoft.com/office/drawing/2014/main" id="{717EF5D4-8DB9-CDC8-C05A-B22924B632EF}"/>
+              </a:ext>
+            </a:extLst>
+          </p:cNvPr>
+          <p:cNvPicPr>
+            <a:picLocks noChangeAspect="1"/>
+          </p:cNvPicPr>
+          <p:nvPr/>
+        </p:nvPicPr>
+        <p:blipFill>
+          <a:blip r:embed="rId2"/>
+          <a:stretch>
+            <a:fillRect/>
+          </a:stretch>
+        </p:blipFill>
+        <p:spPr>
+          <a:xfrm>
+            <a:off x="2133600" y="898979"/>
+            <a:ext cx="7505349" cy="5959021"/>
+          </a:xfrm>
+          <a:prstGeom prst="rect">
+            <a:avLst/>
+          </a:prstGeom>
+        </p:spPr>
+      </p:pic>
+    </p:spTree>
+    <p:extLst>
+      <p:ext uri="{BB962C8B-B14F-4D97-AF65-F5344CB8AC3E}">
+        <p14:creationId xmlns:p14="http://schemas.microsoft.com/office/powerpoint/2010/main" val="1086362079"/>
+      </p:ext>
+    </p:extLst>
+  </p:cSld>
+  <p:clrMapOvr>
+    <a:masterClrMapping/>
+  </p:clrMapOvr>
+</p:sld>
+</file>
+
+<file path=ppt/slides/slide31.xml><?xml version="1.0" encoding="utf-8"?>
+<p:sld xmlns:a="http://schemas.openxmlformats.org/drawingml/2006/main" xmlns:r="http://schemas.openxmlformats.org/officeDocument/2006/relationships" xmlns:p="http://schemas.openxmlformats.org/presentationml/2006/main" show="0">
+  <p:cSld>
+    <p:spTree>
+      <p:nvGrpSpPr>
+        <p:cNvPr id="1" name=""/>
+        <p:cNvGrpSpPr/>
+        <p:nvPr/>
+      </p:nvGrpSpPr>
+      <p:grpSpPr>
+        <a:xfrm>
+          <a:off x="0" y="0"/>
+          <a:ext cx="0" cy="0"/>
+          <a:chOff x="0" y="0"/>
+          <a:chExt cx="0" cy="0"/>
+        </a:xfrm>
+      </p:grpSpPr>
+      <p:sp>
+        <p:nvSpPr>
+          <p:cNvPr id="2" name="タイトル 1">
+            <a:extLst>
+              <a:ext uri="{FF2B5EF4-FFF2-40B4-BE49-F238E27FC236}">
+                <a16:creationId xmlns:a16="http://schemas.microsoft.com/office/drawing/2014/main" id="{B81475F3-542E-E46E-0C61-CFE64F5F3F65}"/>
+              </a:ext>
+            </a:extLst>
+          </p:cNvPr>
+          <p:cNvSpPr>
+            <a:spLocks noGrp="1"/>
+          </p:cNvSpPr>
+          <p:nvPr>
+            <p:ph type="title"/>
+          </p:nvPr>
+        </p:nvSpPr>
+        <p:spPr/>
+        <p:txBody>
+          <a:bodyPr/>
+          <a:lstStyle/>
+          <a:p>
+            <a:r>
+              <a:rPr kumimoji="1" lang="ja-JP" altLang="en-US"/>
+              <a:t>乗客の安否別運賃の分布</a:t>
+            </a:r>
+            <a:r>
+              <a:rPr kumimoji="1" lang="en-US" altLang="ja-JP" dirty="0"/>
+              <a:t> (</a:t>
+            </a:r>
+            <a:r>
+              <a:rPr kumimoji="1" lang="ja-JP" altLang="en-US"/>
+              <a:t>カーネル密度推定</a:t>
+            </a:r>
+            <a:r>
+              <a:rPr kumimoji="1" lang="en-US" altLang="ja-JP" dirty="0"/>
+              <a:t>)</a:t>
+            </a:r>
+            <a:endParaRPr kumimoji="1" lang="ja-JP" altLang="en-US"/>
+          </a:p>
+        </p:txBody>
+      </p:sp>
+      <p:sp>
+        <p:nvSpPr>
+          <p:cNvPr id="3" name="テキスト プレースホルダー 2">
+            <a:extLst>
+              <a:ext uri="{FF2B5EF4-FFF2-40B4-BE49-F238E27FC236}">
+                <a16:creationId xmlns:a16="http://schemas.microsoft.com/office/drawing/2014/main" id="{3A9D4D0C-DADD-B714-481C-BC1219BA578B}"/>
+              </a:ext>
+            </a:extLst>
+          </p:cNvPr>
+          <p:cNvSpPr>
+            <a:spLocks noGrp="1"/>
+          </p:cNvSpPr>
+          <p:nvPr>
+            <p:ph type="body" idx="1"/>
+          </p:nvPr>
+        </p:nvSpPr>
+        <p:spPr/>
+        <p:txBody>
+          <a:bodyPr/>
+          <a:lstStyle/>
+          <a:p>
+            <a:endParaRPr kumimoji="1" lang="ja-JP" altLang="en-US"/>
+          </a:p>
+        </p:txBody>
+      </p:sp>
+      <p:pic>
+        <p:nvPicPr>
+          <p:cNvPr id="5" name="図 4" descr="グラフ, ヒストグラム&#10;&#10;自動的に生成された説明">
+            <a:extLst>
+              <a:ext uri="{FF2B5EF4-FFF2-40B4-BE49-F238E27FC236}">
+                <a16:creationId xmlns:a16="http://schemas.microsoft.com/office/drawing/2014/main" id="{110ADDD9-EEC6-5F25-E241-31E14B0CCECD}"/>
+              </a:ext>
+            </a:extLst>
+          </p:cNvPr>
+          <p:cNvPicPr>
+            <a:picLocks noChangeAspect="1"/>
+          </p:cNvPicPr>
+          <p:nvPr/>
+        </p:nvPicPr>
+        <p:blipFill>
+          <a:blip r:embed="rId2"/>
+          <a:stretch>
+            <a:fillRect/>
+          </a:stretch>
+        </p:blipFill>
+        <p:spPr>
+          <a:xfrm>
+            <a:off x="2054705" y="741114"/>
+            <a:ext cx="7556223" cy="5778288"/>
+          </a:xfrm>
+          <a:prstGeom prst="rect">
+            <a:avLst/>
+          </a:prstGeom>
+        </p:spPr>
+      </p:pic>
+    </p:spTree>
+    <p:extLst>
+      <p:ext uri="{BB962C8B-B14F-4D97-AF65-F5344CB8AC3E}">
+        <p14:creationId xmlns:p14="http://schemas.microsoft.com/office/powerpoint/2010/main" val="4016262445"/>
+      </p:ext>
+    </p:extLst>
+  </p:cSld>
+  <p:clrMapOvr>
+    <a:masterClrMapping/>
+  </p:clrMapOvr>
+</p:sld>
+</file>
+
+<file path=ppt/slides/slide32.xml><?xml version="1.0" encoding="utf-8"?>
+<p:sld xmlns:a="http://schemas.openxmlformats.org/drawingml/2006/main" xmlns:r="http://schemas.openxmlformats.org/officeDocument/2006/relationships" xmlns:p="http://schemas.openxmlformats.org/presentationml/2006/main" show="0">
+  <p:cSld>
+    <p:spTree>
+      <p:nvGrpSpPr>
+        <p:cNvPr id="1" name=""/>
+        <p:cNvGrpSpPr/>
+        <p:nvPr/>
+      </p:nvGrpSpPr>
+      <p:grpSpPr>
+        <a:xfrm>
+          <a:off x="0" y="0"/>
+          <a:ext cx="0" cy="0"/>
+          <a:chOff x="0" y="0"/>
+          <a:chExt cx="0" cy="0"/>
+        </a:xfrm>
+      </p:grpSpPr>
+      <p:sp>
+        <p:nvSpPr>
+          <p:cNvPr id="2" name="タイトル 1">
+            <a:extLst>
+              <a:ext uri="{FF2B5EF4-FFF2-40B4-BE49-F238E27FC236}">
+                <a16:creationId xmlns:a16="http://schemas.microsoft.com/office/drawing/2014/main" id="{B81475F3-542E-E46E-0C61-CFE64F5F3F65}"/>
+              </a:ext>
+            </a:extLst>
+          </p:cNvPr>
+          <p:cNvSpPr>
+            <a:spLocks noGrp="1"/>
+          </p:cNvSpPr>
+          <p:nvPr>
+            <p:ph type="title"/>
+          </p:nvPr>
+        </p:nvSpPr>
+        <p:spPr/>
+        <p:txBody>
+          <a:bodyPr/>
+          <a:lstStyle/>
+          <a:p>
+            <a:r>
+              <a:rPr lang="ja-JP" altLang="en-US"/>
+              <a:t>生成された決定木 </a:t>
+            </a:r>
+            <a:r>
+              <a:rPr lang="en-US" altLang="ja-JP" dirty="0"/>
+              <a:t>(</a:t>
+            </a:r>
+            <a:r>
+              <a:rPr lang="ja-JP" altLang="en-US"/>
+              <a:t>一部抜粋</a:t>
+            </a:r>
+            <a:r>
+              <a:rPr lang="en-US" altLang="ja-JP" dirty="0"/>
+              <a:t>)</a:t>
+            </a:r>
+            <a:endParaRPr kumimoji="1" lang="ja-JP" altLang="en-US"/>
+          </a:p>
+        </p:txBody>
+      </p:sp>
+      <p:sp>
+        <p:nvSpPr>
+          <p:cNvPr id="3" name="テキスト プレースホルダー 2">
+            <a:extLst>
+              <a:ext uri="{FF2B5EF4-FFF2-40B4-BE49-F238E27FC236}">
+                <a16:creationId xmlns:a16="http://schemas.microsoft.com/office/drawing/2014/main" id="{3A9D4D0C-DADD-B714-481C-BC1219BA578B}"/>
+              </a:ext>
+            </a:extLst>
+          </p:cNvPr>
+          <p:cNvSpPr>
+            <a:spLocks noGrp="1"/>
+          </p:cNvSpPr>
+          <p:nvPr>
+            <p:ph type="body" idx="1"/>
+          </p:nvPr>
+        </p:nvSpPr>
+        <p:spPr/>
+        <p:txBody>
+          <a:bodyPr/>
+          <a:lstStyle/>
+          <a:p>
+            <a:endParaRPr kumimoji="1" lang="ja-JP" altLang="en-US"/>
+          </a:p>
+        </p:txBody>
+      </p:sp>
+      <p:pic>
+        <p:nvPicPr>
+          <p:cNvPr id="4" name="図 3">
+            <a:extLst>
+              <a:ext uri="{FF2B5EF4-FFF2-40B4-BE49-F238E27FC236}">
+                <a16:creationId xmlns:a16="http://schemas.microsoft.com/office/drawing/2014/main" id="{D458F2CE-13D2-0173-1CD0-E703CAE8CD5B}"/>
+              </a:ext>
+            </a:extLst>
+          </p:cNvPr>
+          <p:cNvPicPr>
+            <a:picLocks noChangeAspect="1"/>
+          </p:cNvPicPr>
+          <p:nvPr/>
+        </p:nvPicPr>
+        <p:blipFill>
+          <a:blip r:embed="rId2"/>
+          <a:stretch>
+            <a:fillRect/>
+          </a:stretch>
+        </p:blipFill>
+        <p:spPr>
+          <a:xfrm>
+            <a:off x="1651819" y="1195821"/>
+            <a:ext cx="7772400" cy="2352354"/>
+          </a:xfrm>
+          <a:prstGeom prst="rect">
+            <a:avLst/>
+          </a:prstGeom>
+        </p:spPr>
+      </p:pic>
+      <p:pic>
+        <p:nvPicPr>
+          <p:cNvPr id="7" name="図 6">
+            <a:extLst>
+              <a:ext uri="{FF2B5EF4-FFF2-40B4-BE49-F238E27FC236}">
+                <a16:creationId xmlns:a16="http://schemas.microsoft.com/office/drawing/2014/main" id="{E1F89582-BF49-075E-CDC6-98DF90C47E2E}"/>
+              </a:ext>
+            </a:extLst>
+          </p:cNvPr>
+          <p:cNvPicPr>
+            <a:picLocks noChangeAspect="1"/>
+          </p:cNvPicPr>
+          <p:nvPr/>
+        </p:nvPicPr>
+        <p:blipFill>
+          <a:blip r:embed="rId3"/>
+          <a:stretch>
+            <a:fillRect/>
+          </a:stretch>
+        </p:blipFill>
+        <p:spPr>
+          <a:xfrm>
+            <a:off x="1651819" y="3888101"/>
+            <a:ext cx="7772400" cy="2125373"/>
+          </a:xfrm>
+          <a:prstGeom prst="rect">
+            <a:avLst/>
+          </a:prstGeom>
+        </p:spPr>
+      </p:pic>
+    </p:spTree>
+    <p:extLst>
+      <p:ext uri="{BB962C8B-B14F-4D97-AF65-F5344CB8AC3E}">
+        <p14:creationId xmlns:p14="http://schemas.microsoft.com/office/powerpoint/2010/main" val="1560212216"/>
       </p:ext>
     </p:extLst>
   </p:cSld>
@@ -27382,7 +33629,7 @@
               <a:t>「</a:t>
             </a:r>
             <a:r>
-              <a:rPr lang="ja-JP" altLang="en-US" sz="2400">
+              <a:rPr lang="ja-JP" altLang="en-US" sz="2400" b="1">
                 <a:solidFill>
                   <a:srgbClr val="30AAEB"/>
                 </a:solidFill>
@@ -27394,7 +33641,7 @@
               <a:t>と</a:t>
             </a:r>
             <a:r>
-              <a:rPr lang="ja-JP" altLang="en-US" sz="2400">
+              <a:rPr lang="ja-JP" altLang="en-US" sz="2400" b="1">
                 <a:solidFill>
                   <a:srgbClr val="30AAEB"/>
                 </a:solidFill>
@@ -27534,7 +33781,7 @@
               <a:t>対応は</a:t>
             </a:r>
             <a:r>
-              <a:rPr lang="ja-JP" altLang="en-US" sz="2400">
+              <a:rPr lang="ja-JP" altLang="en-US" sz="2400" b="1">
                 <a:solidFill>
                   <a:srgbClr val="30AAEB"/>
                 </a:solidFill>
@@ -27670,7 +33917,15 @@
             </a:pPr>
             <a:r>
               <a:rPr lang="en-US" sz="2400" dirty="0" err="1"/>
-              <a:t>LightGBMモデルのパラメータ</a:t>
+              <a:t>LightGBM</a:t>
+            </a:r>
+            <a:r>
+              <a:rPr lang="en-US" sz="2400" dirty="0"/>
+              <a:t> </a:t>
+            </a:r>
+            <a:r>
+              <a:rPr lang="en-US" sz="2400" dirty="0" err="1"/>
+              <a:t>モデルのパラメータ</a:t>
             </a:r>
             <a:r>
               <a:rPr lang="ja-JP" altLang="en-US" sz="2400"/>
@@ -27728,7 +33983,7 @@
           <p:nvPr>
             <p:extLst>
               <p:ext uri="{D42A27DB-BD31-4B8C-83A1-F6EECF244321}">
-                <p14:modId xmlns:p14="http://schemas.microsoft.com/office/powerpoint/2010/main" val="1953261888"/>
+                <p14:modId xmlns:p14="http://schemas.microsoft.com/office/powerpoint/2010/main" val="1356484739"/>
               </p:ext>
             </p:extLst>
           </p:nvPr>
@@ -27934,7 +34189,7 @@
                     <a:p>
                       <a:pPr algn="l" fontAlgn="ctr"/>
                       <a:r>
-                        <a:rPr lang="en" sz="2400" b="0" i="0" u="none" strike="noStrike">
+                        <a:rPr lang="en" sz="2400" b="0" i="0" u="none" strike="noStrike" dirty="0" err="1">
                           <a:solidFill>
                             <a:srgbClr val="000000"/>
                           </a:solidFill>
@@ -27943,6 +34198,17 @@
                           <a:ea typeface="游ゴシック" panose="020B0400000000000000" pitchFamily="34" charset="-128"/>
                         </a:rPr>
                         <a:t>Pclass</a:t>
+                      </a:r>
+                      <a:r>
+                        <a:rPr lang="en" sz="2400" b="0" i="0" u="none" strike="noStrike" dirty="0">
+                          <a:solidFill>
+                            <a:srgbClr val="000000"/>
+                          </a:solidFill>
+                          <a:effectLst/>
+                          <a:latin typeface="游ゴシック" panose="020B0400000000000000" pitchFamily="34" charset="-128"/>
+                          <a:ea typeface="游ゴシック" panose="020B0400000000000000" pitchFamily="34" charset="-128"/>
+                        </a:rPr>
+                        <a:t> </a:t>
                       </a:r>
                       <a:r>
                         <a:rPr lang="ja-JP" altLang="en-US" sz="2400" b="0" i="0" u="none" strike="noStrike">
@@ -28056,7 +34322,7 @@
                     <a:p>
                       <a:pPr algn="l" fontAlgn="ctr"/>
                       <a:r>
-                        <a:rPr lang="en" sz="2400" b="0" i="0" u="none" strike="noStrike">
+                        <a:rPr lang="en" sz="2400" b="0" i="0" u="none" strike="noStrike" dirty="0">
                           <a:solidFill>
                             <a:srgbClr val="000000"/>
                           </a:solidFill>
@@ -28064,7 +34330,7 @@
                           <a:latin typeface="游ゴシック" panose="020B0400000000000000" pitchFamily="34" charset="-128"/>
                           <a:ea typeface="游ゴシック" panose="020B0400000000000000" pitchFamily="34" charset="-128"/>
                         </a:rPr>
-                        <a:t>Sex</a:t>
+                        <a:t>Sex </a:t>
                       </a:r>
                       <a:r>
                         <a:rPr lang="ja-JP" altLang="en-US" sz="2400" b="0" i="0" u="none" strike="noStrike">
@@ -28178,7 +34444,7 @@
                     <a:p>
                       <a:pPr algn="l" fontAlgn="ctr"/>
                       <a:r>
-                        <a:rPr lang="en" sz="2400" b="0" i="0" u="none" strike="noStrike">
+                        <a:rPr lang="en" sz="2400" b="0" i="0" u="none" strike="noStrike" dirty="0">
                           <a:solidFill>
                             <a:srgbClr val="000000"/>
                           </a:solidFill>
@@ -28186,7 +34452,7 @@
                           <a:latin typeface="游ゴシック" panose="020B0400000000000000" pitchFamily="34" charset="-128"/>
                           <a:ea typeface="游ゴシック" panose="020B0400000000000000" pitchFamily="34" charset="-128"/>
                         </a:rPr>
-                        <a:t>Age</a:t>
+                        <a:t>Age </a:t>
                       </a:r>
                       <a:r>
                         <a:rPr lang="ja-JP" altLang="en-US" sz="2400" b="0" i="0" u="none" strike="noStrike">
@@ -28555,7 +34821,7 @@
                     <a:p>
                       <a:pPr algn="l" fontAlgn="ctr"/>
                       <a:r>
-                        <a:rPr lang="en" sz="2400" b="0" i="0" u="none" strike="noStrike">
+                        <a:rPr lang="en" sz="2400" b="0" i="0" u="none" strike="noStrike" dirty="0">
                           <a:solidFill>
                             <a:srgbClr val="000000"/>
                           </a:solidFill>
@@ -28563,7 +34829,7 @@
                           <a:latin typeface="游ゴシック" panose="020B0400000000000000" pitchFamily="34" charset="-128"/>
                           <a:ea typeface="游ゴシック" panose="020B0400000000000000" pitchFamily="34" charset="-128"/>
                         </a:rPr>
-                        <a:t>Embarked</a:t>
+                        <a:t>Embarked </a:t>
                       </a:r>
                       <a:r>
                         <a:rPr lang="ja-JP" altLang="en-US" sz="2400" b="0" i="0" u="none" strike="noStrike">
@@ -28677,7 +34943,7 @@
                     <a:p>
                       <a:pPr algn="l" fontAlgn="ctr"/>
                       <a:r>
-                        <a:rPr lang="en" sz="2400" b="0" i="0" u="none" strike="noStrike">
+                        <a:rPr lang="en" sz="2400" b="0" i="0" u="none" strike="noStrike" dirty="0">
                           <a:solidFill>
                             <a:srgbClr val="000000"/>
                           </a:solidFill>
@@ -28685,7 +34951,7 @@
                           <a:latin typeface="游ゴシック" panose="020B0400000000000000" pitchFamily="34" charset="-128"/>
                           <a:ea typeface="游ゴシック" panose="020B0400000000000000" pitchFamily="34" charset="-128"/>
                         </a:rPr>
-                        <a:t>Cabin</a:t>
+                        <a:t>Cabin </a:t>
                       </a:r>
                       <a:r>
                         <a:rPr lang="ja-JP" altLang="en-US" sz="2400" b="0" i="0" u="none" strike="noStrike">
@@ -28799,7 +35065,7 @@
                     <a:p>
                       <a:pPr algn="l" fontAlgn="ctr"/>
                       <a:r>
-                        <a:rPr lang="en" sz="2400" b="0" i="0" u="none" strike="noStrike">
+                        <a:rPr lang="en" sz="2400" b="0" i="0" u="none" strike="noStrike" dirty="0">
                           <a:solidFill>
                             <a:srgbClr val="000000"/>
                           </a:solidFill>
@@ -28807,7 +35073,7 @@
                           <a:latin typeface="游ゴシック" panose="020B0400000000000000" pitchFamily="34" charset="-128"/>
                           <a:ea typeface="游ゴシック" panose="020B0400000000000000" pitchFamily="34" charset="-128"/>
                         </a:rPr>
-                        <a:t>Fare</a:t>
+                        <a:t>Fare </a:t>
                       </a:r>
                       <a:r>
                         <a:rPr lang="ja-JP" altLang="en-US" sz="2400" b="0" i="0" u="none" strike="noStrike">
@@ -29323,20 +35589,6 @@
           </a:bodyPr>
           <a:lstStyle/>
           <a:p>
-            <a:pPr marL="101600" lvl="0" indent="0" algn="l" rtl="0">
-              <a:lnSpc>
-                <a:spcPct val="90000"/>
-              </a:lnSpc>
-              <a:spcBef>
-                <a:spcPts val="813"/>
-              </a:spcBef>
-              <a:spcAft>
-                <a:spcPts val="0"/>
-              </a:spcAft>
-              <a:buSzPts val="2000"/>
-              <a:buFont typeface="Arial"/>
-              <a:buNone/>
-            </a:pPr>
             <a:r>
               <a:rPr lang="ja-JP" altLang="en-US" sz="2400"/>
               <a:t>男女によって生存者数には開きがある</a:t>
@@ -29367,7 +35619,7 @@
         </p:blipFill>
         <p:spPr>
           <a:xfrm>
-            <a:off x="3948897" y="1352242"/>
+            <a:off x="3115179" y="1961535"/>
             <a:ext cx="7908139" cy="4391866"/>
           </a:xfrm>
           <a:prstGeom prst="rect">
